--- a/기획/문서 베이스.pptx
+++ b/기획/문서 베이스.pptx
@@ -5,17 +5,18 @@
     <p:sldMasterId id="2147484370" r:id="rId1"/>
   </p:sldMasterIdLst>
   <p:notesMasterIdLst>
-    <p:notesMasterId r:id="rId7"/>
+    <p:notesMasterId r:id="rId8"/>
   </p:notesMasterIdLst>
   <p:handoutMasterIdLst>
-    <p:handoutMasterId r:id="rId8"/>
+    <p:handoutMasterId r:id="rId9"/>
   </p:handoutMasterIdLst>
   <p:sldIdLst>
     <p:sldId id="256" r:id="rId2"/>
     <p:sldId id="387" r:id="rId3"/>
     <p:sldId id="386" r:id="rId4"/>
     <p:sldId id="388" r:id="rId5"/>
-    <p:sldId id="389" r:id="rId6"/>
+    <p:sldId id="390" r:id="rId6"/>
+    <p:sldId id="389" r:id="rId7"/>
   </p:sldIdLst>
   <p:sldSz cx="12192000" cy="6858000"/>
   <p:notesSz cx="6858000" cy="9144000"/>
@@ -311,7 +312,7 @@
           <a:p>
             <a:fld id="{4E9214C1-2863-45BA-A7C5-D5EA3C3D4C30}" type="datetimeFigureOut">
               <a:rPr lang="ko-KR" altLang="en-US" smtClean="0"/>
-              <a:t>2025-01-20</a:t>
+              <a:t>2025-01-21</a:t>
             </a:fld>
             <a:endParaRPr lang="ko-KR" altLang="en-US"/>
           </a:p>
@@ -476,7 +477,7 @@
           <a:p>
             <a:fld id="{8F563C85-90F6-445D-9B5B-8ABB00FB3043}" type="datetimeFigureOut">
               <a:rPr lang="ko-KR" altLang="en-US" smtClean="0"/>
-              <a:t>2025-01-20</a:t>
+              <a:t>2025-01-21</a:t>
             </a:fld>
             <a:endParaRPr lang="ko-KR" altLang="en-US"/>
           </a:p>
@@ -967,7 +968,7 @@
             </a:pPr>
             <a:fld id="{B9320F77-B9A0-41C5-862A-B4B631284C64}" type="datetime1">
               <a:rPr lang="en-GB" altLang="en-US"/>
-              <a:t>20/01/2025</a:t>
+              <a:t>21/01/2025</a:t>
             </a:fld>
             <a:endParaRPr lang="ko-KR" altLang="en-US"/>
           </a:p>
@@ -1167,7 +1168,7 @@
             </a:pPr>
             <a:fld id="{B9320F77-B9A0-41C5-862A-B4B631284C64}" type="datetime1">
               <a:rPr lang="en-GB" altLang="en-US"/>
-              <a:t>20/01/2025</a:t>
+              <a:t>21/01/2025</a:t>
             </a:fld>
             <a:endParaRPr lang="ko-KR" altLang="en-US"/>
           </a:p>
@@ -1367,7 +1368,7 @@
             </a:pPr>
             <a:fld id="{B9320F77-B9A0-41C5-862A-B4B631284C64}" type="datetime1">
               <a:rPr lang="en-GB" altLang="en-US"/>
-              <a:t>20/01/2025</a:t>
+              <a:t>21/01/2025</a:t>
             </a:fld>
             <a:endParaRPr lang="ko-KR" altLang="en-US"/>
           </a:p>
@@ -1567,7 +1568,7 @@
             </a:pPr>
             <a:fld id="{B9320F77-B9A0-41C5-862A-B4B631284C64}" type="datetime1">
               <a:rPr lang="en-GB" altLang="en-US"/>
-              <a:t>20/01/2025</a:t>
+              <a:t>21/01/2025</a:t>
             </a:fld>
             <a:endParaRPr lang="ko-KR" altLang="en-US"/>
           </a:p>
@@ -1833,7 +1834,7 @@
             </a:pPr>
             <a:fld id="{B9320F77-B9A0-41C5-862A-B4B631284C64}" type="datetime1">
               <a:rPr lang="en-GB" altLang="en-US"/>
-              <a:t>20/01/2025</a:t>
+              <a:t>21/01/2025</a:t>
             </a:fld>
             <a:endParaRPr lang="ko-KR" altLang="en-US"/>
           </a:p>
@@ -2089,7 +2090,7 @@
             </a:pPr>
             <a:fld id="{B9320F77-B9A0-41C5-862A-B4B631284C64}" type="datetime1">
               <a:rPr lang="en-GB" altLang="en-US"/>
-              <a:t>20/01/2025</a:t>
+              <a:t>21/01/2025</a:t>
             </a:fld>
             <a:endParaRPr lang="ko-KR" altLang="en-US"/>
           </a:p>
@@ -2475,7 +2476,7 @@
             </a:pPr>
             <a:fld id="{B9320F77-B9A0-41C5-862A-B4B631284C64}" type="datetime1">
               <a:rPr lang="en-GB" altLang="en-US"/>
-              <a:t>20/01/2025</a:t>
+              <a:t>21/01/2025</a:t>
             </a:fld>
             <a:endParaRPr lang="ko-KR" altLang="en-US"/>
           </a:p>
@@ -2619,7 +2620,7 @@
             </a:pPr>
             <a:fld id="{B9320F77-B9A0-41C5-862A-B4B631284C64}" type="datetime1">
               <a:rPr lang="en-GB" altLang="en-US"/>
-              <a:t>20/01/2025</a:t>
+              <a:t>21/01/2025</a:t>
             </a:fld>
             <a:endParaRPr lang="ko-KR" altLang="en-US"/>
           </a:p>
@@ -2736,7 +2737,7 @@
             </a:pPr>
             <a:fld id="{B9320F77-B9A0-41C5-862A-B4B631284C64}" type="datetime1">
               <a:rPr lang="en-GB" altLang="en-US"/>
-              <a:t>20/01/2025</a:t>
+              <a:t>21/01/2025</a:t>
             </a:fld>
             <a:endParaRPr lang="ko-KR" altLang="en-US"/>
           </a:p>
@@ -3033,7 +3034,7 @@
             </a:pPr>
             <a:fld id="{B9320F77-B9A0-41C5-862A-B4B631284C64}" type="datetime1">
               <a:rPr lang="en-GB" altLang="en-US"/>
-              <a:t>20/01/2025</a:t>
+              <a:t>21/01/2025</a:t>
             </a:fld>
             <a:endParaRPr lang="ko-KR" altLang="en-US"/>
           </a:p>
@@ -3307,7 +3308,7 @@
             </a:pPr>
             <a:fld id="{B9320F77-B9A0-41C5-862A-B4B631284C64}" type="datetime1">
               <a:rPr lang="en-GB" altLang="en-US"/>
-              <a:t>20/01/2025</a:t>
+              <a:t>21/01/2025</a:t>
             </a:fld>
             <a:endParaRPr lang="ko-KR" altLang="en-US"/>
           </a:p>
@@ -3537,7 +3538,7 @@
             </a:pPr>
             <a:fld id="{B9320F77-B9A0-41C5-862A-B4B631284C64}" type="datetime1">
               <a:rPr lang="en-GB" altLang="en-US"/>
-              <a:t>20/01/2025</a:t>
+              <a:t>21/01/2025</a:t>
             </a:fld>
             <a:endParaRPr lang="ko-KR" altLang="en-US"/>
           </a:p>
@@ -4925,9 +4926,1341 @@
             </a:r>
             <a:r>
               <a:rPr lang="ko-KR" altLang="en-US" sz="2400" dirty="0"/>
-              <a:t>구조 설명</a:t>
+              <a:t>수감자 명령 구조</a:t>
             </a:r>
             <a:endParaRPr lang="en-US" altLang="ko-KR" sz="2400" dirty="0"/>
+          </a:p>
+        </p:txBody>
+      </p:sp>
+      <p:sp>
+        <p:nvSpPr>
+          <p:cNvPr id="2" name="직사각형 1">
+            <a:extLst>
+              <a:ext uri="{FF2B5EF4-FFF2-40B4-BE49-F238E27FC236}">
+                <a16:creationId xmlns:a16="http://schemas.microsoft.com/office/drawing/2014/main" id="{3D7C7717-FBC4-4C14-B3EE-3E5592C7077C}"/>
+              </a:ext>
+            </a:extLst>
+          </p:cNvPr>
+          <p:cNvSpPr/>
+          <p:nvPr/>
+        </p:nvSpPr>
+        <p:spPr>
+          <a:xfrm>
+            <a:off x="905933" y="1693331"/>
+            <a:ext cx="778934" cy="220133"/>
+          </a:xfrm>
+          <a:prstGeom prst="rect">
+            <a:avLst/>
+          </a:prstGeom>
+        </p:spPr>
+        <p:style>
+          <a:lnRef idx="2">
+            <a:schemeClr val="accent1">
+              <a:shade val="50000"/>
+            </a:schemeClr>
+          </a:lnRef>
+          <a:fillRef idx="1">
+            <a:schemeClr val="accent1"/>
+          </a:fillRef>
+          <a:effectRef idx="0">
+            <a:schemeClr val="accent1"/>
+          </a:effectRef>
+          <a:fontRef idx="minor">
+            <a:schemeClr val="lt1"/>
+          </a:fontRef>
+        </p:style>
+        <p:txBody>
+          <a:bodyPr rtlCol="0" anchor="ctr"/>
+          <a:lstStyle/>
+          <a:p>
+            <a:pPr algn="ctr"/>
+            <a:r>
+              <a:rPr lang="ko-KR" altLang="en-US" sz="1400" dirty="0"/>
+              <a:t>턴 시작</a:t>
+            </a:r>
+          </a:p>
+        </p:txBody>
+      </p:sp>
+      <p:sp>
+        <p:nvSpPr>
+          <p:cNvPr id="5" name="직사각형 4">
+            <a:extLst>
+              <a:ext uri="{FF2B5EF4-FFF2-40B4-BE49-F238E27FC236}">
+                <a16:creationId xmlns:a16="http://schemas.microsoft.com/office/drawing/2014/main" id="{6BA88DFE-7CAD-4829-BA91-8B4E824E9636}"/>
+              </a:ext>
+            </a:extLst>
+          </p:cNvPr>
+          <p:cNvSpPr/>
+          <p:nvPr/>
+        </p:nvSpPr>
+        <p:spPr>
+          <a:xfrm>
+            <a:off x="1024466" y="1972710"/>
+            <a:ext cx="1032934" cy="220133"/>
+          </a:xfrm>
+          <a:prstGeom prst="rect">
+            <a:avLst/>
+          </a:prstGeom>
+        </p:spPr>
+        <p:style>
+          <a:lnRef idx="2">
+            <a:schemeClr val="accent1">
+              <a:shade val="50000"/>
+            </a:schemeClr>
+          </a:lnRef>
+          <a:fillRef idx="1">
+            <a:schemeClr val="accent1"/>
+          </a:fillRef>
+          <a:effectRef idx="0">
+            <a:schemeClr val="accent1"/>
+          </a:effectRef>
+          <a:fontRef idx="minor">
+            <a:schemeClr val="lt1"/>
+          </a:fontRef>
+        </p:style>
+        <p:txBody>
+          <a:bodyPr rtlCol="0" anchor="ctr"/>
+          <a:lstStyle/>
+          <a:p>
+            <a:pPr algn="ctr"/>
+            <a:r>
+              <a:rPr lang="ko-KR" altLang="en-US" sz="1400" dirty="0"/>
+              <a:t>속도 분배</a:t>
+            </a:r>
+          </a:p>
+        </p:txBody>
+      </p:sp>
+      <p:sp>
+        <p:nvSpPr>
+          <p:cNvPr id="6" name="직사각형 5">
+            <a:extLst>
+              <a:ext uri="{FF2B5EF4-FFF2-40B4-BE49-F238E27FC236}">
+                <a16:creationId xmlns:a16="http://schemas.microsoft.com/office/drawing/2014/main" id="{CB8ECB02-431B-4951-80F9-1638DE055910}"/>
+              </a:ext>
+            </a:extLst>
+          </p:cNvPr>
+          <p:cNvSpPr/>
+          <p:nvPr/>
+        </p:nvSpPr>
+        <p:spPr>
+          <a:xfrm>
+            <a:off x="2174871" y="1972710"/>
+            <a:ext cx="1227667" cy="220133"/>
+          </a:xfrm>
+          <a:prstGeom prst="rect">
+            <a:avLst/>
+          </a:prstGeom>
+        </p:spPr>
+        <p:style>
+          <a:lnRef idx="2">
+            <a:schemeClr val="accent1">
+              <a:shade val="50000"/>
+            </a:schemeClr>
+          </a:lnRef>
+          <a:fillRef idx="1">
+            <a:schemeClr val="accent1"/>
+          </a:fillRef>
+          <a:effectRef idx="0">
+            <a:schemeClr val="accent1"/>
+          </a:effectRef>
+          <a:fontRef idx="minor">
+            <a:schemeClr val="lt1"/>
+          </a:fontRef>
+        </p:style>
+        <p:txBody>
+          <a:bodyPr rtlCol="0" anchor="ctr"/>
+          <a:lstStyle/>
+          <a:p>
+            <a:pPr algn="ctr"/>
+            <a:r>
+              <a:rPr lang="ko-KR" altLang="en-US" sz="1400"/>
+              <a:t>수감자 명령</a:t>
+            </a:r>
+            <a:endParaRPr lang="ko-KR" altLang="en-US" sz="1400" dirty="0"/>
+          </a:p>
+        </p:txBody>
+      </p:sp>
+      <p:sp>
+        <p:nvSpPr>
+          <p:cNvPr id="9" name="직사각형 8">
+            <a:extLst>
+              <a:ext uri="{FF2B5EF4-FFF2-40B4-BE49-F238E27FC236}">
+                <a16:creationId xmlns:a16="http://schemas.microsoft.com/office/drawing/2014/main" id="{15B60002-0718-4DAC-B9AF-D3011ED64A4B}"/>
+              </a:ext>
+            </a:extLst>
+          </p:cNvPr>
+          <p:cNvSpPr/>
+          <p:nvPr/>
+        </p:nvSpPr>
+        <p:spPr>
+          <a:xfrm>
+            <a:off x="5210700" y="5178079"/>
+            <a:ext cx="1032935" cy="220133"/>
+          </a:xfrm>
+          <a:prstGeom prst="rect">
+            <a:avLst/>
+          </a:prstGeom>
+        </p:spPr>
+        <p:style>
+          <a:lnRef idx="2">
+            <a:schemeClr val="accent1">
+              <a:shade val="50000"/>
+            </a:schemeClr>
+          </a:lnRef>
+          <a:fillRef idx="1">
+            <a:schemeClr val="accent1"/>
+          </a:fillRef>
+          <a:effectRef idx="0">
+            <a:schemeClr val="accent1"/>
+          </a:effectRef>
+          <a:fontRef idx="minor">
+            <a:schemeClr val="lt1"/>
+          </a:fontRef>
+        </p:style>
+        <p:txBody>
+          <a:bodyPr rtlCol="0" anchor="ctr"/>
+          <a:lstStyle/>
+          <a:p>
+            <a:pPr algn="ctr"/>
+            <a:r>
+              <a:rPr lang="ko-KR" altLang="en-US" sz="1400" dirty="0"/>
+              <a:t>일반 공격</a:t>
+            </a:r>
+          </a:p>
+        </p:txBody>
+      </p:sp>
+      <p:sp>
+        <p:nvSpPr>
+          <p:cNvPr id="10" name="직사각형 9">
+            <a:extLst>
+              <a:ext uri="{FF2B5EF4-FFF2-40B4-BE49-F238E27FC236}">
+                <a16:creationId xmlns:a16="http://schemas.microsoft.com/office/drawing/2014/main" id="{72C4706B-0592-4ADA-B43C-76AB30E6AFE9}"/>
+              </a:ext>
+            </a:extLst>
+          </p:cNvPr>
+          <p:cNvSpPr/>
+          <p:nvPr/>
+        </p:nvSpPr>
+        <p:spPr>
+          <a:xfrm>
+            <a:off x="9703076" y="5709272"/>
+            <a:ext cx="1689102" cy="220133"/>
+          </a:xfrm>
+          <a:prstGeom prst="rect">
+            <a:avLst/>
+          </a:prstGeom>
+        </p:spPr>
+        <p:style>
+          <a:lnRef idx="2">
+            <a:schemeClr val="accent1">
+              <a:shade val="50000"/>
+            </a:schemeClr>
+          </a:lnRef>
+          <a:fillRef idx="1">
+            <a:schemeClr val="accent1"/>
+          </a:fillRef>
+          <a:effectRef idx="0">
+            <a:schemeClr val="accent1"/>
+          </a:effectRef>
+          <a:fontRef idx="minor">
+            <a:schemeClr val="lt1"/>
+          </a:fontRef>
+        </p:style>
+        <p:txBody>
+          <a:bodyPr rtlCol="0" anchor="ctr"/>
+          <a:lstStyle/>
+          <a:p>
+            <a:pPr algn="ctr"/>
+            <a:r>
+              <a:rPr lang="ko-KR" altLang="en-US" sz="1400" dirty="0"/>
+              <a:t>모든 수감자 명령</a:t>
+            </a:r>
+          </a:p>
+        </p:txBody>
+      </p:sp>
+      <p:sp>
+        <p:nvSpPr>
+          <p:cNvPr id="12" name="직사각형 11">
+            <a:extLst>
+              <a:ext uri="{FF2B5EF4-FFF2-40B4-BE49-F238E27FC236}">
+                <a16:creationId xmlns:a16="http://schemas.microsoft.com/office/drawing/2014/main" id="{9EEF8BC8-0EDA-4BDD-83D0-9A18C0B25124}"/>
+              </a:ext>
+            </a:extLst>
+          </p:cNvPr>
+          <p:cNvSpPr/>
+          <p:nvPr/>
+        </p:nvSpPr>
+        <p:spPr>
+          <a:xfrm>
+            <a:off x="2726000" y="4595226"/>
+            <a:ext cx="1382187" cy="220133"/>
+          </a:xfrm>
+          <a:prstGeom prst="rect">
+            <a:avLst/>
+          </a:prstGeom>
+        </p:spPr>
+        <p:style>
+          <a:lnRef idx="2">
+            <a:schemeClr val="accent1">
+              <a:shade val="50000"/>
+            </a:schemeClr>
+          </a:lnRef>
+          <a:fillRef idx="1">
+            <a:schemeClr val="accent1"/>
+          </a:fillRef>
+          <a:effectRef idx="0">
+            <a:schemeClr val="accent1"/>
+          </a:effectRef>
+          <a:fontRef idx="minor">
+            <a:schemeClr val="lt1"/>
+          </a:fontRef>
+        </p:style>
+        <p:txBody>
+          <a:bodyPr rtlCol="0" anchor="ctr"/>
+          <a:lstStyle/>
+          <a:p>
+            <a:pPr algn="ctr"/>
+            <a:r>
+              <a:rPr lang="ko-KR" altLang="en-US" sz="1400" dirty="0"/>
+              <a:t>수비 스킬 생성</a:t>
+            </a:r>
+          </a:p>
+        </p:txBody>
+      </p:sp>
+      <p:sp>
+        <p:nvSpPr>
+          <p:cNvPr id="13" name="직사각형 12">
+            <a:extLst>
+              <a:ext uri="{FF2B5EF4-FFF2-40B4-BE49-F238E27FC236}">
+                <a16:creationId xmlns:a16="http://schemas.microsoft.com/office/drawing/2014/main" id="{BE631A94-33A1-4EE5-A15B-7ED28161FAC4}"/>
+              </a:ext>
+            </a:extLst>
+          </p:cNvPr>
+          <p:cNvSpPr/>
+          <p:nvPr/>
+        </p:nvSpPr>
+        <p:spPr>
+          <a:xfrm>
+            <a:off x="4317743" y="4851069"/>
+            <a:ext cx="601132" cy="220133"/>
+          </a:xfrm>
+          <a:prstGeom prst="rect">
+            <a:avLst/>
+          </a:prstGeom>
+        </p:spPr>
+        <p:style>
+          <a:lnRef idx="2">
+            <a:schemeClr val="accent1">
+              <a:shade val="50000"/>
+            </a:schemeClr>
+          </a:lnRef>
+          <a:fillRef idx="1">
+            <a:schemeClr val="accent1"/>
+          </a:fillRef>
+          <a:effectRef idx="0">
+            <a:schemeClr val="accent1"/>
+          </a:effectRef>
+          <a:fontRef idx="minor">
+            <a:schemeClr val="lt1"/>
+          </a:fontRef>
+        </p:style>
+        <p:txBody>
+          <a:bodyPr rtlCol="0" anchor="ctr"/>
+          <a:lstStyle/>
+          <a:p>
+            <a:pPr algn="ctr"/>
+            <a:r>
+              <a:rPr lang="ko-KR" altLang="en-US" sz="1400" dirty="0"/>
+              <a:t>상쇄</a:t>
+            </a:r>
+          </a:p>
+        </p:txBody>
+      </p:sp>
+      <p:sp>
+        <p:nvSpPr>
+          <p:cNvPr id="14" name="직사각형 13">
+            <a:extLst>
+              <a:ext uri="{FF2B5EF4-FFF2-40B4-BE49-F238E27FC236}">
+                <a16:creationId xmlns:a16="http://schemas.microsoft.com/office/drawing/2014/main" id="{F86765E6-290E-41B3-8426-FEF3CF92BC2F}"/>
+              </a:ext>
+            </a:extLst>
+          </p:cNvPr>
+          <p:cNvSpPr/>
+          <p:nvPr/>
+        </p:nvSpPr>
+        <p:spPr>
+          <a:xfrm>
+            <a:off x="9478699" y="3326228"/>
+            <a:ext cx="792165" cy="220133"/>
+          </a:xfrm>
+          <a:prstGeom prst="rect">
+            <a:avLst/>
+          </a:prstGeom>
+        </p:spPr>
+        <p:style>
+          <a:lnRef idx="2">
+            <a:schemeClr val="accent1">
+              <a:shade val="50000"/>
+            </a:schemeClr>
+          </a:lnRef>
+          <a:fillRef idx="1">
+            <a:schemeClr val="accent1"/>
+          </a:fillRef>
+          <a:effectRef idx="0">
+            <a:schemeClr val="accent1"/>
+          </a:effectRef>
+          <a:fontRef idx="minor">
+            <a:schemeClr val="lt1"/>
+          </a:fontRef>
+        </p:style>
+        <p:txBody>
+          <a:bodyPr rtlCol="0" anchor="ctr"/>
+          <a:lstStyle/>
+          <a:p>
+            <a:pPr algn="ctr"/>
+            <a:r>
+              <a:rPr lang="ko-KR" altLang="en-US" sz="1400" dirty="0"/>
+              <a:t>합 시도</a:t>
+            </a:r>
+          </a:p>
+        </p:txBody>
+      </p:sp>
+      <p:sp>
+        <p:nvSpPr>
+          <p:cNvPr id="15" name="직사각형 14">
+            <a:extLst>
+              <a:ext uri="{FF2B5EF4-FFF2-40B4-BE49-F238E27FC236}">
+                <a16:creationId xmlns:a16="http://schemas.microsoft.com/office/drawing/2014/main" id="{05DAC428-37DF-4961-8BAA-5F50AA4E30C4}"/>
+              </a:ext>
+            </a:extLst>
+          </p:cNvPr>
+          <p:cNvSpPr/>
+          <p:nvPr/>
+        </p:nvSpPr>
+        <p:spPr>
+          <a:xfrm>
+            <a:off x="10410048" y="5991145"/>
+            <a:ext cx="982130" cy="220133"/>
+          </a:xfrm>
+          <a:prstGeom prst="rect">
+            <a:avLst/>
+          </a:prstGeom>
+        </p:spPr>
+        <p:style>
+          <a:lnRef idx="2">
+            <a:schemeClr val="accent1">
+              <a:shade val="50000"/>
+            </a:schemeClr>
+          </a:lnRef>
+          <a:fillRef idx="1">
+            <a:schemeClr val="accent1"/>
+          </a:fillRef>
+          <a:effectRef idx="0">
+            <a:schemeClr val="accent1"/>
+          </a:effectRef>
+          <a:fontRef idx="minor">
+            <a:schemeClr val="lt1"/>
+          </a:fontRef>
+        </p:style>
+        <p:txBody>
+          <a:bodyPr rtlCol="0" anchor="ctr"/>
+          <a:lstStyle/>
+          <a:p>
+            <a:pPr algn="ctr"/>
+            <a:r>
+              <a:rPr lang="ko-KR" altLang="en-US" sz="1400" dirty="0"/>
+              <a:t>명령 실행</a:t>
+            </a:r>
+          </a:p>
+        </p:txBody>
+      </p:sp>
+      <p:sp>
+        <p:nvSpPr>
+          <p:cNvPr id="16" name="직사각형 15">
+            <a:extLst>
+              <a:ext uri="{FF2B5EF4-FFF2-40B4-BE49-F238E27FC236}">
+                <a16:creationId xmlns:a16="http://schemas.microsoft.com/office/drawing/2014/main" id="{3DD43100-F68A-4ED9-9466-44EE2D1DE670}"/>
+              </a:ext>
+            </a:extLst>
+          </p:cNvPr>
+          <p:cNvSpPr/>
+          <p:nvPr/>
+        </p:nvSpPr>
+        <p:spPr>
+          <a:xfrm>
+            <a:off x="8199439" y="3973726"/>
+            <a:ext cx="1566334" cy="220133"/>
+          </a:xfrm>
+          <a:prstGeom prst="rect">
+            <a:avLst/>
+          </a:prstGeom>
+        </p:spPr>
+        <p:style>
+          <a:lnRef idx="2">
+            <a:schemeClr val="accent1">
+              <a:shade val="50000"/>
+            </a:schemeClr>
+          </a:lnRef>
+          <a:fillRef idx="1">
+            <a:schemeClr val="accent1"/>
+          </a:fillRef>
+          <a:effectRef idx="0">
+            <a:schemeClr val="accent1"/>
+          </a:effectRef>
+          <a:fontRef idx="minor">
+            <a:schemeClr val="lt1"/>
+          </a:fontRef>
+        </p:style>
+        <p:txBody>
+          <a:bodyPr rtlCol="0" anchor="ctr"/>
+          <a:lstStyle/>
+          <a:p>
+            <a:pPr algn="ctr"/>
+            <a:r>
+              <a:rPr lang="ko-KR" altLang="en-US" sz="1400" dirty="0"/>
+              <a:t>스킬 타겟 수감자</a:t>
+            </a:r>
+          </a:p>
+        </p:txBody>
+      </p:sp>
+      <p:sp>
+        <p:nvSpPr>
+          <p:cNvPr id="18" name="직사각형 17">
+            <a:extLst>
+              <a:ext uri="{FF2B5EF4-FFF2-40B4-BE49-F238E27FC236}">
+                <a16:creationId xmlns:a16="http://schemas.microsoft.com/office/drawing/2014/main" id="{90E45809-876B-44C4-808F-3FDB19D01B24}"/>
+              </a:ext>
+            </a:extLst>
+          </p:cNvPr>
+          <p:cNvSpPr/>
+          <p:nvPr/>
+        </p:nvSpPr>
+        <p:spPr>
+          <a:xfrm>
+            <a:off x="905933" y="1380064"/>
+            <a:ext cx="1032934" cy="220133"/>
+          </a:xfrm>
+          <a:prstGeom prst="rect">
+            <a:avLst/>
+          </a:prstGeom>
+        </p:spPr>
+        <p:style>
+          <a:lnRef idx="2">
+            <a:schemeClr val="accent1">
+              <a:shade val="50000"/>
+            </a:schemeClr>
+          </a:lnRef>
+          <a:fillRef idx="1">
+            <a:schemeClr val="accent1"/>
+          </a:fillRef>
+          <a:effectRef idx="0">
+            <a:schemeClr val="accent1"/>
+          </a:effectRef>
+          <a:fontRef idx="minor">
+            <a:schemeClr val="lt1"/>
+          </a:fontRef>
+        </p:style>
+        <p:txBody>
+          <a:bodyPr rtlCol="0" anchor="ctr"/>
+          <a:lstStyle/>
+          <a:p>
+            <a:pPr algn="ctr"/>
+            <a:r>
+              <a:rPr lang="ko-KR" altLang="en-US" sz="1400"/>
+              <a:t>집중 전투</a:t>
+            </a:r>
+            <a:endParaRPr lang="ko-KR" altLang="en-US" sz="1400" dirty="0"/>
+          </a:p>
+        </p:txBody>
+      </p:sp>
+      <p:sp>
+        <p:nvSpPr>
+          <p:cNvPr id="19" name="직사각형 18">
+            <a:extLst>
+              <a:ext uri="{FF2B5EF4-FFF2-40B4-BE49-F238E27FC236}">
+                <a16:creationId xmlns:a16="http://schemas.microsoft.com/office/drawing/2014/main" id="{E53CDACD-A25E-4850-BC22-DA4B13972A37}"/>
+              </a:ext>
+            </a:extLst>
+          </p:cNvPr>
+          <p:cNvSpPr/>
+          <p:nvPr/>
+        </p:nvSpPr>
+        <p:spPr>
+          <a:xfrm>
+            <a:off x="2624399" y="2527224"/>
+            <a:ext cx="982135" cy="220133"/>
+          </a:xfrm>
+          <a:prstGeom prst="rect">
+            <a:avLst/>
+          </a:prstGeom>
+        </p:spPr>
+        <p:style>
+          <a:lnRef idx="2">
+            <a:schemeClr val="accent1">
+              <a:shade val="50000"/>
+            </a:schemeClr>
+          </a:lnRef>
+          <a:fillRef idx="1">
+            <a:schemeClr val="accent1"/>
+          </a:fillRef>
+          <a:effectRef idx="0">
+            <a:schemeClr val="accent1"/>
+          </a:effectRef>
+          <a:fontRef idx="minor">
+            <a:schemeClr val="lt1"/>
+          </a:fontRef>
+        </p:style>
+        <p:txBody>
+          <a:bodyPr rtlCol="0" anchor="ctr"/>
+          <a:lstStyle/>
+          <a:p>
+            <a:pPr algn="ctr"/>
+            <a:r>
+              <a:rPr lang="ko-KR" altLang="en-US" sz="1400" dirty="0"/>
+              <a:t>스킬 선택</a:t>
+            </a:r>
+          </a:p>
+        </p:txBody>
+      </p:sp>
+      <p:sp>
+        <p:nvSpPr>
+          <p:cNvPr id="20" name="직사각형 19">
+            <a:extLst>
+              <a:ext uri="{FF2B5EF4-FFF2-40B4-BE49-F238E27FC236}">
+                <a16:creationId xmlns:a16="http://schemas.microsoft.com/office/drawing/2014/main" id="{9EA6E895-983B-4EF9-AF35-53DDA53675B7}"/>
+              </a:ext>
+            </a:extLst>
+          </p:cNvPr>
+          <p:cNvSpPr/>
+          <p:nvPr/>
+        </p:nvSpPr>
+        <p:spPr>
+          <a:xfrm>
+            <a:off x="4750066" y="2194931"/>
+            <a:ext cx="982135" cy="220133"/>
+          </a:xfrm>
+          <a:prstGeom prst="rect">
+            <a:avLst/>
+          </a:prstGeom>
+        </p:spPr>
+        <p:style>
+          <a:lnRef idx="2">
+            <a:schemeClr val="accent1">
+              <a:shade val="50000"/>
+            </a:schemeClr>
+          </a:lnRef>
+          <a:fillRef idx="1">
+            <a:schemeClr val="accent1"/>
+          </a:fillRef>
+          <a:effectRef idx="0">
+            <a:schemeClr val="accent1"/>
+          </a:effectRef>
+          <a:fontRef idx="minor">
+            <a:schemeClr val="lt1"/>
+          </a:fontRef>
+        </p:style>
+        <p:txBody>
+          <a:bodyPr rtlCol="0" anchor="ctr"/>
+          <a:lstStyle/>
+          <a:p>
+            <a:pPr algn="ctr"/>
+            <a:r>
+              <a:rPr lang="ko-KR" altLang="en-US" sz="1400" dirty="0"/>
+              <a:t>타겟 선택</a:t>
+            </a:r>
+          </a:p>
+        </p:txBody>
+      </p:sp>
+      <p:sp>
+        <p:nvSpPr>
+          <p:cNvPr id="21" name="직사각형 20">
+            <a:extLst>
+              <a:ext uri="{FF2B5EF4-FFF2-40B4-BE49-F238E27FC236}">
+                <a16:creationId xmlns:a16="http://schemas.microsoft.com/office/drawing/2014/main" id="{C727E231-6984-44F1-8BC8-6E588D4FBCBD}"/>
+              </a:ext>
+            </a:extLst>
+          </p:cNvPr>
+          <p:cNvSpPr/>
+          <p:nvPr/>
+        </p:nvSpPr>
+        <p:spPr>
+          <a:xfrm>
+            <a:off x="2726000" y="3046838"/>
+            <a:ext cx="1466856" cy="220133"/>
+          </a:xfrm>
+          <a:prstGeom prst="rect">
+            <a:avLst/>
+          </a:prstGeom>
+        </p:spPr>
+        <p:style>
+          <a:lnRef idx="2">
+            <a:schemeClr val="accent1">
+              <a:shade val="50000"/>
+            </a:schemeClr>
+          </a:lnRef>
+          <a:fillRef idx="1">
+            <a:schemeClr val="accent1"/>
+          </a:fillRef>
+          <a:effectRef idx="0">
+            <a:schemeClr val="accent1"/>
+          </a:effectRef>
+          <a:fontRef idx="minor">
+            <a:schemeClr val="lt1"/>
+          </a:fontRef>
+        </p:style>
+        <p:txBody>
+          <a:bodyPr rtlCol="0" anchor="ctr"/>
+          <a:lstStyle/>
+          <a:p>
+            <a:pPr algn="ctr"/>
+            <a:r>
+              <a:rPr lang="en-US" altLang="ko-KR" sz="1400" dirty="0"/>
+              <a:t>E.G.O</a:t>
+            </a:r>
+            <a:r>
+              <a:rPr lang="ko-KR" altLang="en-US" sz="1400" dirty="0"/>
+              <a:t> 스킬 생성</a:t>
+            </a:r>
+          </a:p>
+        </p:txBody>
+      </p:sp>
+      <p:sp>
+        <p:nvSpPr>
+          <p:cNvPr id="22" name="직사각형 21">
+            <a:extLst>
+              <a:ext uri="{FF2B5EF4-FFF2-40B4-BE49-F238E27FC236}">
+                <a16:creationId xmlns:a16="http://schemas.microsoft.com/office/drawing/2014/main" id="{2B848FF1-D934-4C4C-B8EB-578D54671AA0}"/>
+              </a:ext>
+            </a:extLst>
+          </p:cNvPr>
+          <p:cNvSpPr/>
+          <p:nvPr/>
+        </p:nvSpPr>
+        <p:spPr>
+          <a:xfrm>
+            <a:off x="4293389" y="3051064"/>
+            <a:ext cx="577859" cy="220133"/>
+          </a:xfrm>
+          <a:prstGeom prst="rect">
+            <a:avLst/>
+          </a:prstGeom>
+        </p:spPr>
+        <p:style>
+          <a:lnRef idx="2">
+            <a:schemeClr val="accent1">
+              <a:shade val="50000"/>
+            </a:schemeClr>
+          </a:lnRef>
+          <a:fillRef idx="1">
+            <a:schemeClr val="accent1"/>
+          </a:fillRef>
+          <a:effectRef idx="0">
+            <a:schemeClr val="accent1"/>
+          </a:effectRef>
+          <a:fontRef idx="minor">
+            <a:schemeClr val="lt1"/>
+          </a:fontRef>
+        </p:style>
+        <p:txBody>
+          <a:bodyPr rtlCol="0" anchor="ctr"/>
+          <a:lstStyle/>
+          <a:p>
+            <a:pPr algn="ctr"/>
+            <a:r>
+              <a:rPr lang="ko-KR" altLang="en-US" sz="1400"/>
+              <a:t>각성</a:t>
+            </a:r>
+            <a:endParaRPr lang="ko-KR" altLang="en-US" sz="1400" dirty="0"/>
+          </a:p>
+        </p:txBody>
+      </p:sp>
+      <p:sp>
+        <p:nvSpPr>
+          <p:cNvPr id="23" name="직사각형 22">
+            <a:extLst>
+              <a:ext uri="{FF2B5EF4-FFF2-40B4-BE49-F238E27FC236}">
+                <a16:creationId xmlns:a16="http://schemas.microsoft.com/office/drawing/2014/main" id="{297B19E5-19B0-4B59-B263-F40852E3CB19}"/>
+              </a:ext>
+            </a:extLst>
+          </p:cNvPr>
+          <p:cNvSpPr/>
+          <p:nvPr/>
+        </p:nvSpPr>
+        <p:spPr>
+          <a:xfrm>
+            <a:off x="4293389" y="3343159"/>
+            <a:ext cx="577859" cy="220133"/>
+          </a:xfrm>
+          <a:prstGeom prst="rect">
+            <a:avLst/>
+          </a:prstGeom>
+        </p:spPr>
+        <p:style>
+          <a:lnRef idx="2">
+            <a:schemeClr val="accent1">
+              <a:shade val="50000"/>
+            </a:schemeClr>
+          </a:lnRef>
+          <a:fillRef idx="1">
+            <a:schemeClr val="accent1"/>
+          </a:fillRef>
+          <a:effectRef idx="0">
+            <a:schemeClr val="accent1"/>
+          </a:effectRef>
+          <a:fontRef idx="minor">
+            <a:schemeClr val="lt1"/>
+          </a:fontRef>
+        </p:style>
+        <p:txBody>
+          <a:bodyPr rtlCol="0" anchor="ctr"/>
+          <a:lstStyle/>
+          <a:p>
+            <a:pPr algn="ctr"/>
+            <a:r>
+              <a:rPr lang="ko-KR" altLang="en-US" sz="1400" dirty="0"/>
+              <a:t>침식</a:t>
+            </a:r>
+          </a:p>
+        </p:txBody>
+      </p:sp>
+      <p:sp>
+        <p:nvSpPr>
+          <p:cNvPr id="24" name="직사각형 23">
+            <a:extLst>
+              <a:ext uri="{FF2B5EF4-FFF2-40B4-BE49-F238E27FC236}">
+                <a16:creationId xmlns:a16="http://schemas.microsoft.com/office/drawing/2014/main" id="{205D1DD2-8F19-4E2B-8625-FC8DFEB2602D}"/>
+              </a:ext>
+            </a:extLst>
+          </p:cNvPr>
+          <p:cNvSpPr/>
+          <p:nvPr/>
+        </p:nvSpPr>
+        <p:spPr>
+          <a:xfrm>
+            <a:off x="2726001" y="2787558"/>
+            <a:ext cx="1013878" cy="220133"/>
+          </a:xfrm>
+          <a:prstGeom prst="rect">
+            <a:avLst/>
+          </a:prstGeom>
+        </p:spPr>
+        <p:style>
+          <a:lnRef idx="2">
+            <a:schemeClr val="accent1">
+              <a:shade val="50000"/>
+            </a:schemeClr>
+          </a:lnRef>
+          <a:fillRef idx="1">
+            <a:schemeClr val="accent1"/>
+          </a:fillRef>
+          <a:effectRef idx="0">
+            <a:schemeClr val="accent1"/>
+          </a:effectRef>
+          <a:fontRef idx="minor">
+            <a:schemeClr val="lt1"/>
+          </a:fontRef>
+        </p:style>
+        <p:txBody>
+          <a:bodyPr rtlCol="0" anchor="ctr"/>
+          <a:lstStyle/>
+          <a:p>
+            <a:pPr algn="ctr"/>
+            <a:r>
+              <a:rPr lang="ko-KR" altLang="en-US" sz="1400"/>
+              <a:t>일반 스킬</a:t>
+            </a:r>
+            <a:endParaRPr lang="ko-KR" altLang="en-US" sz="1400" dirty="0"/>
+          </a:p>
+        </p:txBody>
+      </p:sp>
+      <p:sp>
+        <p:nvSpPr>
+          <p:cNvPr id="25" name="직사각형 24">
+            <a:extLst>
+              <a:ext uri="{FF2B5EF4-FFF2-40B4-BE49-F238E27FC236}">
+                <a16:creationId xmlns:a16="http://schemas.microsoft.com/office/drawing/2014/main" id="{0B056E04-13FC-4D07-B308-A132FA1B0278}"/>
+              </a:ext>
+            </a:extLst>
+          </p:cNvPr>
+          <p:cNvSpPr/>
+          <p:nvPr/>
+        </p:nvSpPr>
+        <p:spPr>
+          <a:xfrm>
+            <a:off x="5732201" y="2772512"/>
+            <a:ext cx="2405598" cy="220133"/>
+          </a:xfrm>
+          <a:prstGeom prst="rect">
+            <a:avLst/>
+          </a:prstGeom>
+        </p:spPr>
+        <p:style>
+          <a:lnRef idx="2">
+            <a:schemeClr val="accent1">
+              <a:shade val="50000"/>
+            </a:schemeClr>
+          </a:lnRef>
+          <a:fillRef idx="1">
+            <a:schemeClr val="accent1"/>
+          </a:fillRef>
+          <a:effectRef idx="0">
+            <a:schemeClr val="accent1"/>
+          </a:effectRef>
+          <a:fontRef idx="minor">
+            <a:schemeClr val="lt1"/>
+          </a:fontRef>
+        </p:style>
+        <p:txBody>
+          <a:bodyPr rtlCol="0" anchor="ctr"/>
+          <a:lstStyle/>
+          <a:p>
+            <a:pPr algn="ctr"/>
+            <a:r>
+              <a:rPr lang="ko-KR" altLang="en-US" sz="1400" dirty="0"/>
+              <a:t>수감자 속도 ≥ 타겟 속도</a:t>
+            </a:r>
+          </a:p>
+        </p:txBody>
+      </p:sp>
+      <p:sp>
+        <p:nvSpPr>
+          <p:cNvPr id="26" name="직사각형 25">
+            <a:extLst>
+              <a:ext uri="{FF2B5EF4-FFF2-40B4-BE49-F238E27FC236}">
+                <a16:creationId xmlns:a16="http://schemas.microsoft.com/office/drawing/2014/main" id="{7E0D14FD-038C-45E7-B26B-F38385720FD4}"/>
+              </a:ext>
+            </a:extLst>
+          </p:cNvPr>
+          <p:cNvSpPr/>
+          <p:nvPr/>
+        </p:nvSpPr>
+        <p:spPr>
+          <a:xfrm>
+            <a:off x="5732201" y="4083793"/>
+            <a:ext cx="2405598" cy="220133"/>
+          </a:xfrm>
+          <a:prstGeom prst="rect">
+            <a:avLst/>
+          </a:prstGeom>
+        </p:spPr>
+        <p:style>
+          <a:lnRef idx="2">
+            <a:schemeClr val="accent1">
+              <a:shade val="50000"/>
+            </a:schemeClr>
+          </a:lnRef>
+          <a:fillRef idx="1">
+            <a:schemeClr val="accent1"/>
+          </a:fillRef>
+          <a:effectRef idx="0">
+            <a:schemeClr val="accent1"/>
+          </a:effectRef>
+          <a:fontRef idx="minor">
+            <a:schemeClr val="lt1"/>
+          </a:fontRef>
+        </p:style>
+        <p:txBody>
+          <a:bodyPr rtlCol="0" anchor="ctr"/>
+          <a:lstStyle/>
+          <a:p>
+            <a:pPr algn="ctr"/>
+            <a:r>
+              <a:rPr lang="ko-KR" altLang="en-US" sz="1400" dirty="0"/>
+              <a:t>수감자 속도 ＜ 타겟 속도</a:t>
+            </a:r>
+          </a:p>
+        </p:txBody>
+      </p:sp>
+      <p:sp>
+        <p:nvSpPr>
+          <p:cNvPr id="27" name="직사각형 26">
+            <a:extLst>
+              <a:ext uri="{FF2B5EF4-FFF2-40B4-BE49-F238E27FC236}">
+                <a16:creationId xmlns:a16="http://schemas.microsoft.com/office/drawing/2014/main" id="{99F45442-B0E6-44DD-85C9-B12A517EA887}"/>
+              </a:ext>
+            </a:extLst>
+          </p:cNvPr>
+          <p:cNvSpPr/>
+          <p:nvPr/>
+        </p:nvSpPr>
+        <p:spPr>
+          <a:xfrm>
+            <a:off x="4192856" y="4273488"/>
+            <a:ext cx="850907" cy="220133"/>
+          </a:xfrm>
+          <a:prstGeom prst="rect">
+            <a:avLst/>
+          </a:prstGeom>
+        </p:spPr>
+        <p:style>
+          <a:lnRef idx="2">
+            <a:schemeClr val="accent1">
+              <a:shade val="50000"/>
+            </a:schemeClr>
+          </a:lnRef>
+          <a:fillRef idx="1">
+            <a:schemeClr val="accent1"/>
+          </a:fillRef>
+          <a:effectRef idx="0">
+            <a:schemeClr val="accent1"/>
+          </a:effectRef>
+          <a:fontRef idx="minor">
+            <a:schemeClr val="lt1"/>
+          </a:fontRef>
+        </p:style>
+        <p:txBody>
+          <a:bodyPr rtlCol="0" anchor="ctr"/>
+          <a:lstStyle/>
+          <a:p>
+            <a:pPr algn="ctr"/>
+            <a:r>
+              <a:rPr lang="ko-KR" altLang="en-US" sz="1400"/>
+              <a:t>합 가능</a:t>
+            </a:r>
+            <a:endParaRPr lang="ko-KR" altLang="en-US" sz="1400" dirty="0"/>
+          </a:p>
+        </p:txBody>
+      </p:sp>
+      <p:sp>
+        <p:nvSpPr>
+          <p:cNvPr id="28" name="직사각형 27">
+            <a:extLst>
+              <a:ext uri="{FF2B5EF4-FFF2-40B4-BE49-F238E27FC236}">
+                <a16:creationId xmlns:a16="http://schemas.microsoft.com/office/drawing/2014/main" id="{38D5FC6F-0F21-4EF0-867A-50755AEC53C5}"/>
+              </a:ext>
+            </a:extLst>
+          </p:cNvPr>
+          <p:cNvSpPr/>
+          <p:nvPr/>
+        </p:nvSpPr>
+        <p:spPr>
+          <a:xfrm>
+            <a:off x="7496442" y="3056130"/>
+            <a:ext cx="1882773" cy="220133"/>
+          </a:xfrm>
+          <a:prstGeom prst="rect">
+            <a:avLst/>
+          </a:prstGeom>
+        </p:spPr>
+        <p:style>
+          <a:lnRef idx="2">
+            <a:schemeClr val="accent1">
+              <a:shade val="50000"/>
+            </a:schemeClr>
+          </a:lnRef>
+          <a:fillRef idx="1">
+            <a:schemeClr val="accent1"/>
+          </a:fillRef>
+          <a:effectRef idx="0">
+            <a:schemeClr val="accent1"/>
+          </a:effectRef>
+          <a:fontRef idx="minor">
+            <a:schemeClr val="lt1"/>
+          </a:fontRef>
+        </p:style>
+        <p:txBody>
+          <a:bodyPr rtlCol="0" anchor="ctr"/>
+          <a:lstStyle/>
+          <a:p>
+            <a:pPr algn="ctr"/>
+            <a:r>
+              <a:rPr lang="ko-KR" altLang="en-US" sz="1400" dirty="0"/>
+              <a:t>이전 합 시도 수감자</a:t>
+            </a:r>
+          </a:p>
+        </p:txBody>
+      </p:sp>
+      <p:sp>
+        <p:nvSpPr>
+          <p:cNvPr id="29" name="직사각형 28">
+            <a:extLst>
+              <a:ext uri="{FF2B5EF4-FFF2-40B4-BE49-F238E27FC236}">
+                <a16:creationId xmlns:a16="http://schemas.microsoft.com/office/drawing/2014/main" id="{F7D2441F-2897-413B-BE50-DAF957155623}"/>
+              </a:ext>
+            </a:extLst>
+          </p:cNvPr>
+          <p:cNvSpPr/>
+          <p:nvPr/>
+        </p:nvSpPr>
+        <p:spPr>
+          <a:xfrm>
+            <a:off x="7145600" y="3326228"/>
+            <a:ext cx="2236257" cy="220133"/>
+          </a:xfrm>
+          <a:prstGeom prst="rect">
+            <a:avLst/>
+          </a:prstGeom>
+        </p:spPr>
+        <p:style>
+          <a:lnRef idx="2">
+            <a:schemeClr val="accent1">
+              <a:shade val="50000"/>
+            </a:schemeClr>
+          </a:lnRef>
+          <a:fillRef idx="1">
+            <a:schemeClr val="accent1"/>
+          </a:fillRef>
+          <a:effectRef idx="0">
+            <a:schemeClr val="accent1"/>
+          </a:effectRef>
+          <a:fontRef idx="minor">
+            <a:schemeClr val="lt1"/>
+          </a:fontRef>
+        </p:style>
+        <p:txBody>
+          <a:bodyPr rtlCol="0" anchor="ctr"/>
+          <a:lstStyle/>
+          <a:p>
+            <a:pPr algn="ctr"/>
+            <a:r>
+              <a:rPr lang="ko-KR" altLang="en-US" sz="1400" dirty="0"/>
+              <a:t>스킬 타겟 본인으로 변경</a:t>
+            </a:r>
+          </a:p>
+        </p:txBody>
+      </p:sp>
+      <p:sp>
+        <p:nvSpPr>
+          <p:cNvPr id="30" name="직사각형 29">
+            <a:extLst>
+              <a:ext uri="{FF2B5EF4-FFF2-40B4-BE49-F238E27FC236}">
+                <a16:creationId xmlns:a16="http://schemas.microsoft.com/office/drawing/2014/main" id="{7EBF12CF-EB1F-4A9C-A3FD-316BCD0C1D60}"/>
+              </a:ext>
+            </a:extLst>
+          </p:cNvPr>
+          <p:cNvSpPr/>
+          <p:nvPr/>
+        </p:nvSpPr>
+        <p:spPr>
+          <a:xfrm>
+            <a:off x="5015438" y="2474312"/>
+            <a:ext cx="1433525" cy="220133"/>
+          </a:xfrm>
+          <a:prstGeom prst="rect">
+            <a:avLst/>
+          </a:prstGeom>
+        </p:spPr>
+        <p:style>
+          <a:lnRef idx="2">
+            <a:schemeClr val="accent1">
+              <a:shade val="50000"/>
+            </a:schemeClr>
+          </a:lnRef>
+          <a:fillRef idx="1">
+            <a:schemeClr val="accent1"/>
+          </a:fillRef>
+          <a:effectRef idx="0">
+            <a:schemeClr val="accent1"/>
+          </a:effectRef>
+          <a:fontRef idx="minor">
+            <a:schemeClr val="lt1"/>
+          </a:fontRef>
+        </p:style>
+        <p:txBody>
+          <a:bodyPr rtlCol="0" anchor="ctr"/>
+          <a:lstStyle/>
+          <a:p>
+            <a:pPr algn="ctr"/>
+            <a:r>
+              <a:rPr lang="ko-KR" altLang="en-US" sz="1400" dirty="0"/>
+              <a:t>공격 유형 타겟</a:t>
+            </a:r>
+          </a:p>
+        </p:txBody>
+      </p:sp>
+      <p:sp>
+        <p:nvSpPr>
+          <p:cNvPr id="32" name="직사각형 31">
+            <a:extLst>
+              <a:ext uri="{FF2B5EF4-FFF2-40B4-BE49-F238E27FC236}">
+                <a16:creationId xmlns:a16="http://schemas.microsoft.com/office/drawing/2014/main" id="{92639F8A-772A-4652-B4C3-05549C47EA4B}"/>
+              </a:ext>
+            </a:extLst>
+          </p:cNvPr>
+          <p:cNvSpPr/>
+          <p:nvPr/>
+        </p:nvSpPr>
+        <p:spPr>
+          <a:xfrm>
+            <a:off x="5010406" y="4630936"/>
+            <a:ext cx="1433525" cy="220133"/>
+          </a:xfrm>
+          <a:prstGeom prst="rect">
+            <a:avLst/>
+          </a:prstGeom>
+        </p:spPr>
+        <p:style>
+          <a:lnRef idx="2">
+            <a:schemeClr val="accent1">
+              <a:shade val="50000"/>
+            </a:schemeClr>
+          </a:lnRef>
+          <a:fillRef idx="1">
+            <a:schemeClr val="accent1"/>
+          </a:fillRef>
+          <a:effectRef idx="0">
+            <a:schemeClr val="accent1"/>
+          </a:effectRef>
+          <a:fontRef idx="minor">
+            <a:schemeClr val="lt1"/>
+          </a:fontRef>
+        </p:style>
+        <p:txBody>
+          <a:bodyPr rtlCol="0" anchor="ctr"/>
+          <a:lstStyle/>
+          <a:p>
+            <a:pPr algn="ctr"/>
+            <a:r>
+              <a:rPr lang="ko-KR" altLang="en-US" sz="1400" dirty="0"/>
+              <a:t>수비 유형 타겟</a:t>
+            </a:r>
+          </a:p>
+        </p:txBody>
+      </p:sp>
+      <p:sp>
+        <p:nvSpPr>
+          <p:cNvPr id="33" name="직사각형 32">
+            <a:extLst>
+              <a:ext uri="{FF2B5EF4-FFF2-40B4-BE49-F238E27FC236}">
+                <a16:creationId xmlns:a16="http://schemas.microsoft.com/office/drawing/2014/main" id="{C15AB9BF-2779-47AD-B3FF-AB1A90152EE7}"/>
+              </a:ext>
+            </a:extLst>
+          </p:cNvPr>
+          <p:cNvSpPr/>
+          <p:nvPr/>
+        </p:nvSpPr>
+        <p:spPr>
+          <a:xfrm>
+            <a:off x="8862747" y="4520869"/>
+            <a:ext cx="1032935" cy="220133"/>
+          </a:xfrm>
+          <a:prstGeom prst="rect">
+            <a:avLst/>
+          </a:prstGeom>
+        </p:spPr>
+        <p:style>
+          <a:lnRef idx="2">
+            <a:schemeClr val="accent1">
+              <a:shade val="50000"/>
+            </a:schemeClr>
+          </a:lnRef>
+          <a:fillRef idx="1">
+            <a:schemeClr val="accent1"/>
+          </a:fillRef>
+          <a:effectRef idx="0">
+            <a:schemeClr val="accent1"/>
+          </a:effectRef>
+          <a:fontRef idx="minor">
+            <a:schemeClr val="lt1"/>
+          </a:fontRef>
+        </p:style>
+        <p:txBody>
+          <a:bodyPr rtlCol="0" anchor="ctr"/>
+          <a:lstStyle/>
+          <a:p>
+            <a:pPr algn="ctr"/>
+            <a:r>
+              <a:rPr lang="ko-KR" altLang="en-US" sz="1400" dirty="0"/>
+              <a:t>일반 공격</a:t>
+            </a:r>
+          </a:p>
+        </p:txBody>
+      </p:sp>
+      <p:sp>
+        <p:nvSpPr>
+          <p:cNvPr id="34" name="직사각형 33">
+            <a:extLst>
+              <a:ext uri="{FF2B5EF4-FFF2-40B4-BE49-F238E27FC236}">
+                <a16:creationId xmlns:a16="http://schemas.microsoft.com/office/drawing/2014/main" id="{1CC93FF9-42F8-4519-8A9B-4B00105E0CC5}"/>
+              </a:ext>
+            </a:extLst>
+          </p:cNvPr>
+          <p:cNvSpPr/>
+          <p:nvPr/>
+        </p:nvSpPr>
+        <p:spPr>
+          <a:xfrm>
+            <a:off x="2336004" y="2276423"/>
+            <a:ext cx="1558929" cy="220133"/>
+          </a:xfrm>
+          <a:prstGeom prst="rect">
+            <a:avLst/>
+          </a:prstGeom>
+        </p:spPr>
+        <p:style>
+          <a:lnRef idx="2">
+            <a:schemeClr val="accent1">
+              <a:shade val="50000"/>
+            </a:schemeClr>
+          </a:lnRef>
+          <a:fillRef idx="1">
+            <a:schemeClr val="accent1"/>
+          </a:fillRef>
+          <a:effectRef idx="0">
+            <a:schemeClr val="accent1"/>
+          </a:effectRef>
+          <a:fontRef idx="minor">
+            <a:schemeClr val="lt1"/>
+          </a:fontRef>
+        </p:style>
+        <p:txBody>
+          <a:bodyPr rtlCol="0" anchor="ctr"/>
+          <a:lstStyle/>
+          <a:p>
+            <a:pPr algn="ctr"/>
+            <a:r>
+              <a:rPr lang="ko-KR" altLang="en-US" sz="1400" dirty="0"/>
+              <a:t>수감자 일반 상태</a:t>
+            </a:r>
+          </a:p>
+        </p:txBody>
+      </p:sp>
+      <p:sp>
+        <p:nvSpPr>
+          <p:cNvPr id="36" name="직사각형 35">
+            <a:extLst>
+              <a:ext uri="{FF2B5EF4-FFF2-40B4-BE49-F238E27FC236}">
+                <a16:creationId xmlns:a16="http://schemas.microsoft.com/office/drawing/2014/main" id="{9658A267-5E24-4EDA-9C5A-50F0C2FAD084}"/>
+              </a:ext>
+            </a:extLst>
+          </p:cNvPr>
+          <p:cNvSpPr/>
+          <p:nvPr/>
+        </p:nvSpPr>
+        <p:spPr>
+          <a:xfrm>
+            <a:off x="2336003" y="5717407"/>
+            <a:ext cx="1558929" cy="220133"/>
+          </a:xfrm>
+          <a:prstGeom prst="rect">
+            <a:avLst/>
+          </a:prstGeom>
+        </p:spPr>
+        <p:style>
+          <a:lnRef idx="2">
+            <a:schemeClr val="accent1">
+              <a:shade val="50000"/>
+            </a:schemeClr>
+          </a:lnRef>
+          <a:fillRef idx="1">
+            <a:schemeClr val="accent1"/>
+          </a:fillRef>
+          <a:effectRef idx="0">
+            <a:schemeClr val="accent1"/>
+          </a:effectRef>
+          <a:fontRef idx="minor">
+            <a:schemeClr val="lt1"/>
+          </a:fontRef>
+        </p:style>
+        <p:txBody>
+          <a:bodyPr rtlCol="0" anchor="ctr"/>
+          <a:lstStyle/>
+          <a:p>
+            <a:pPr algn="ctr"/>
+            <a:r>
+              <a:rPr lang="ko-KR" altLang="en-US" sz="1400" dirty="0"/>
+              <a:t>수감자 침식 상태</a:t>
+            </a:r>
           </a:p>
         </p:txBody>
       </p:sp>
@@ -5033,6 +6366,771 @@
             </a:r>
             <a:r>
               <a:rPr lang="ko-KR" altLang="en-US" sz="2400" dirty="0"/>
+              <a:t>합 진행 구조</a:t>
+            </a:r>
+            <a:endParaRPr lang="en-US" altLang="ko-KR" sz="2400" dirty="0"/>
+          </a:p>
+        </p:txBody>
+      </p:sp>
+      <p:sp>
+        <p:nvSpPr>
+          <p:cNvPr id="31" name="직사각형 30">
+            <a:extLst>
+              <a:ext uri="{FF2B5EF4-FFF2-40B4-BE49-F238E27FC236}">
+                <a16:creationId xmlns:a16="http://schemas.microsoft.com/office/drawing/2014/main" id="{4F98D44E-EA8A-4318-A098-AA98DEDDCFD9}"/>
+              </a:ext>
+            </a:extLst>
+          </p:cNvPr>
+          <p:cNvSpPr/>
+          <p:nvPr/>
+        </p:nvSpPr>
+        <p:spPr>
+          <a:xfrm>
+            <a:off x="3724802" y="1650766"/>
+            <a:ext cx="821534" cy="220133"/>
+          </a:xfrm>
+          <a:prstGeom prst="rect">
+            <a:avLst/>
+          </a:prstGeom>
+        </p:spPr>
+        <p:style>
+          <a:lnRef idx="2">
+            <a:schemeClr val="accent1">
+              <a:shade val="50000"/>
+            </a:schemeClr>
+          </a:lnRef>
+          <a:fillRef idx="1">
+            <a:schemeClr val="accent1"/>
+          </a:fillRef>
+          <a:effectRef idx="0">
+            <a:schemeClr val="accent1"/>
+          </a:effectRef>
+          <a:fontRef idx="minor">
+            <a:schemeClr val="lt1"/>
+          </a:fontRef>
+        </p:style>
+        <p:txBody>
+          <a:bodyPr rtlCol="0" anchor="ctr"/>
+          <a:lstStyle/>
+          <a:p>
+            <a:pPr algn="ctr"/>
+            <a:r>
+              <a:rPr lang="ko-KR" altLang="en-US" sz="1400" dirty="0"/>
+              <a:t>합 진행</a:t>
+            </a:r>
+          </a:p>
+        </p:txBody>
+      </p:sp>
+      <p:sp>
+        <p:nvSpPr>
+          <p:cNvPr id="35" name="직사각형 34">
+            <a:extLst>
+              <a:ext uri="{FF2B5EF4-FFF2-40B4-BE49-F238E27FC236}">
+                <a16:creationId xmlns:a16="http://schemas.microsoft.com/office/drawing/2014/main" id="{8746F427-DC14-4141-A15E-002F6CD46EB6}"/>
+              </a:ext>
+            </a:extLst>
+          </p:cNvPr>
+          <p:cNvSpPr/>
+          <p:nvPr/>
+        </p:nvSpPr>
+        <p:spPr>
+          <a:xfrm>
+            <a:off x="1934235" y="1365191"/>
+            <a:ext cx="2201334" cy="220133"/>
+          </a:xfrm>
+          <a:prstGeom prst="rect">
+            <a:avLst/>
+          </a:prstGeom>
+        </p:spPr>
+        <p:style>
+          <a:lnRef idx="2">
+            <a:schemeClr val="accent1">
+              <a:shade val="50000"/>
+            </a:schemeClr>
+          </a:lnRef>
+          <a:fillRef idx="1">
+            <a:schemeClr val="accent1"/>
+          </a:fillRef>
+          <a:effectRef idx="0">
+            <a:schemeClr val="accent1"/>
+          </a:effectRef>
+          <a:fontRef idx="minor">
+            <a:schemeClr val="lt1"/>
+          </a:fontRef>
+        </p:style>
+        <p:txBody>
+          <a:bodyPr rtlCol="0" anchor="ctr"/>
+          <a:lstStyle/>
+          <a:p>
+            <a:pPr algn="ctr"/>
+            <a:r>
+              <a:rPr lang="ko-KR" altLang="en-US" sz="1400" dirty="0"/>
+              <a:t>공격자</a:t>
+            </a:r>
+            <a:r>
+              <a:rPr lang="en-US" altLang="ko-KR" sz="1400" dirty="0"/>
+              <a:t>/</a:t>
+            </a:r>
+            <a:r>
+              <a:rPr lang="ko-KR" altLang="en-US" sz="1400" dirty="0"/>
+              <a:t>방어자 상태 확인</a:t>
+            </a:r>
+          </a:p>
+        </p:txBody>
+      </p:sp>
+      <p:sp>
+        <p:nvSpPr>
+          <p:cNvPr id="37" name="직사각형 36">
+            <a:extLst>
+              <a:ext uri="{FF2B5EF4-FFF2-40B4-BE49-F238E27FC236}">
+                <a16:creationId xmlns:a16="http://schemas.microsoft.com/office/drawing/2014/main" id="{D3D9DFE0-8568-45C2-8186-1DD158F1B9B7}"/>
+              </a:ext>
+            </a:extLst>
+          </p:cNvPr>
+          <p:cNvSpPr/>
+          <p:nvPr/>
+        </p:nvSpPr>
+        <p:spPr>
+          <a:xfrm>
+            <a:off x="4690269" y="1650766"/>
+            <a:ext cx="965197" cy="220133"/>
+          </a:xfrm>
+          <a:prstGeom prst="rect">
+            <a:avLst/>
+          </a:prstGeom>
+        </p:spPr>
+        <p:style>
+          <a:lnRef idx="2">
+            <a:schemeClr val="accent1">
+              <a:shade val="50000"/>
+            </a:schemeClr>
+          </a:lnRef>
+          <a:fillRef idx="1">
+            <a:schemeClr val="accent1"/>
+          </a:fillRef>
+          <a:effectRef idx="0">
+            <a:schemeClr val="accent1"/>
+          </a:effectRef>
+          <a:fontRef idx="minor">
+            <a:schemeClr val="lt1"/>
+          </a:fontRef>
+        </p:style>
+        <p:txBody>
+          <a:bodyPr rtlCol="0" anchor="ctr"/>
+          <a:lstStyle/>
+          <a:p>
+            <a:pPr algn="ctr"/>
+            <a:r>
+              <a:rPr lang="ko-KR" altLang="en-US" sz="1400" dirty="0"/>
+              <a:t>위력 동일</a:t>
+            </a:r>
+          </a:p>
+        </p:txBody>
+      </p:sp>
+      <p:sp>
+        <p:nvSpPr>
+          <p:cNvPr id="38" name="직사각형 37">
+            <a:extLst>
+              <a:ext uri="{FF2B5EF4-FFF2-40B4-BE49-F238E27FC236}">
+                <a16:creationId xmlns:a16="http://schemas.microsoft.com/office/drawing/2014/main" id="{A60CF8D6-2581-4B9E-B7F3-845824A49195}"/>
+              </a:ext>
+            </a:extLst>
+          </p:cNvPr>
+          <p:cNvSpPr/>
+          <p:nvPr/>
+        </p:nvSpPr>
+        <p:spPr>
+          <a:xfrm>
+            <a:off x="5054603" y="1921699"/>
+            <a:ext cx="1354397" cy="220133"/>
+          </a:xfrm>
+          <a:prstGeom prst="rect">
+            <a:avLst/>
+          </a:prstGeom>
+        </p:spPr>
+        <p:style>
+          <a:lnRef idx="2">
+            <a:schemeClr val="accent1">
+              <a:shade val="50000"/>
+            </a:schemeClr>
+          </a:lnRef>
+          <a:fillRef idx="1">
+            <a:schemeClr val="accent1"/>
+          </a:fillRef>
+          <a:effectRef idx="0">
+            <a:schemeClr val="accent1"/>
+          </a:effectRef>
+          <a:fontRef idx="minor">
+            <a:schemeClr val="lt1"/>
+          </a:fontRef>
+        </p:style>
+        <p:txBody>
+          <a:bodyPr rtlCol="0" anchor="ctr"/>
+          <a:lstStyle/>
+          <a:p>
+            <a:pPr algn="ctr"/>
+            <a:r>
+              <a:rPr lang="ko-KR" altLang="en-US" sz="1400" dirty="0"/>
+              <a:t>코인 </a:t>
+            </a:r>
+            <a:r>
+              <a:rPr lang="en-US" altLang="ko-KR" sz="1400" dirty="0"/>
+              <a:t>1</a:t>
+            </a:r>
+            <a:r>
+              <a:rPr lang="ko-KR" altLang="en-US" sz="1400" dirty="0"/>
+              <a:t>개 파괴</a:t>
+            </a:r>
+          </a:p>
+        </p:txBody>
+      </p:sp>
+      <p:sp>
+        <p:nvSpPr>
+          <p:cNvPr id="39" name="직사각형 38">
+            <a:extLst>
+              <a:ext uri="{FF2B5EF4-FFF2-40B4-BE49-F238E27FC236}">
+                <a16:creationId xmlns:a16="http://schemas.microsoft.com/office/drawing/2014/main" id="{E6CC7CAE-0759-4D60-A572-350F050C160D}"/>
+              </a:ext>
+            </a:extLst>
+          </p:cNvPr>
+          <p:cNvSpPr/>
+          <p:nvPr/>
+        </p:nvSpPr>
+        <p:spPr>
+          <a:xfrm>
+            <a:off x="6544471" y="1760833"/>
+            <a:ext cx="1286930" cy="220133"/>
+          </a:xfrm>
+          <a:prstGeom prst="rect">
+            <a:avLst/>
+          </a:prstGeom>
+        </p:spPr>
+        <p:style>
+          <a:lnRef idx="2">
+            <a:schemeClr val="accent1">
+              <a:shade val="50000"/>
+            </a:schemeClr>
+          </a:lnRef>
+          <a:fillRef idx="1">
+            <a:schemeClr val="accent1"/>
+          </a:fillRef>
+          <a:effectRef idx="0">
+            <a:schemeClr val="accent1"/>
+          </a:effectRef>
+          <a:fontRef idx="minor">
+            <a:schemeClr val="lt1"/>
+          </a:fontRef>
+        </p:style>
+        <p:txBody>
+          <a:bodyPr rtlCol="0" anchor="ctr"/>
+          <a:lstStyle/>
+          <a:p>
+            <a:pPr algn="ctr"/>
+            <a:r>
+              <a:rPr lang="ko-KR" altLang="en-US" sz="1400"/>
+              <a:t>합 횟수 증가</a:t>
+            </a:r>
+            <a:endParaRPr lang="ko-KR" altLang="en-US" sz="1400" dirty="0"/>
+          </a:p>
+        </p:txBody>
+      </p:sp>
+      <p:sp>
+        <p:nvSpPr>
+          <p:cNvPr id="41" name="직사각형 40">
+            <a:extLst>
+              <a:ext uri="{FF2B5EF4-FFF2-40B4-BE49-F238E27FC236}">
+                <a16:creationId xmlns:a16="http://schemas.microsoft.com/office/drawing/2014/main" id="{89AFCDFB-6EC0-4738-B2E5-517FB1F927E2}"/>
+              </a:ext>
+            </a:extLst>
+          </p:cNvPr>
+          <p:cNvSpPr/>
+          <p:nvPr/>
+        </p:nvSpPr>
+        <p:spPr>
+          <a:xfrm>
+            <a:off x="837669" y="1365190"/>
+            <a:ext cx="1007799" cy="220133"/>
+          </a:xfrm>
+          <a:prstGeom prst="rect">
+            <a:avLst/>
+          </a:prstGeom>
+        </p:spPr>
+        <p:style>
+          <a:lnRef idx="2">
+            <a:schemeClr val="accent1">
+              <a:shade val="50000"/>
+            </a:schemeClr>
+          </a:lnRef>
+          <a:fillRef idx="1">
+            <a:schemeClr val="accent1"/>
+          </a:fillRef>
+          <a:effectRef idx="0">
+            <a:schemeClr val="accent1"/>
+          </a:effectRef>
+          <a:fontRef idx="minor">
+            <a:schemeClr val="lt1"/>
+          </a:fontRef>
+        </p:style>
+        <p:txBody>
+          <a:bodyPr rtlCol="0" anchor="ctr"/>
+          <a:lstStyle/>
+          <a:p>
+            <a:pPr algn="ctr"/>
+            <a:r>
+              <a:rPr lang="ko-KR" altLang="en-US" sz="1400" dirty="0"/>
+              <a:t>코인 확인</a:t>
+            </a:r>
+          </a:p>
+        </p:txBody>
+      </p:sp>
+      <p:sp>
+        <p:nvSpPr>
+          <p:cNvPr id="42" name="직사각형 41">
+            <a:extLst>
+              <a:ext uri="{FF2B5EF4-FFF2-40B4-BE49-F238E27FC236}">
+                <a16:creationId xmlns:a16="http://schemas.microsoft.com/office/drawing/2014/main" id="{023C9939-CFF9-4E03-9541-3692E3D20997}"/>
+              </a:ext>
+            </a:extLst>
+          </p:cNvPr>
+          <p:cNvSpPr/>
+          <p:nvPr/>
+        </p:nvSpPr>
+        <p:spPr>
+          <a:xfrm>
+            <a:off x="1341568" y="2615960"/>
+            <a:ext cx="2654699" cy="220133"/>
+          </a:xfrm>
+          <a:prstGeom prst="rect">
+            <a:avLst/>
+          </a:prstGeom>
+        </p:spPr>
+        <p:style>
+          <a:lnRef idx="2">
+            <a:schemeClr val="accent1">
+              <a:shade val="50000"/>
+            </a:schemeClr>
+          </a:lnRef>
+          <a:fillRef idx="1">
+            <a:schemeClr val="accent1"/>
+          </a:fillRef>
+          <a:effectRef idx="0">
+            <a:schemeClr val="accent1"/>
+          </a:effectRef>
+          <a:fontRef idx="minor">
+            <a:schemeClr val="lt1"/>
+          </a:fontRef>
+        </p:style>
+        <p:txBody>
+          <a:bodyPr rtlCol="0" anchor="ctr"/>
+          <a:lstStyle/>
+          <a:p>
+            <a:pPr algn="ctr"/>
+            <a:r>
+              <a:rPr lang="ko-KR" altLang="en-US" sz="1400" dirty="0"/>
+              <a:t>합 패배자 스킬 타겟으로 설정</a:t>
+            </a:r>
+          </a:p>
+        </p:txBody>
+      </p:sp>
+      <p:sp>
+        <p:nvSpPr>
+          <p:cNvPr id="43" name="직사각형 42">
+            <a:extLst>
+              <a:ext uri="{FF2B5EF4-FFF2-40B4-BE49-F238E27FC236}">
+                <a16:creationId xmlns:a16="http://schemas.microsoft.com/office/drawing/2014/main" id="{6C774094-507A-4B68-BD75-63708B418E58}"/>
+              </a:ext>
+            </a:extLst>
+          </p:cNvPr>
+          <p:cNvSpPr/>
+          <p:nvPr/>
+        </p:nvSpPr>
+        <p:spPr>
+          <a:xfrm>
+            <a:off x="3987134" y="3191219"/>
+            <a:ext cx="965468" cy="220133"/>
+          </a:xfrm>
+          <a:prstGeom prst="rect">
+            <a:avLst/>
+          </a:prstGeom>
+        </p:spPr>
+        <p:style>
+          <a:lnRef idx="2">
+            <a:schemeClr val="accent1">
+              <a:shade val="50000"/>
+            </a:schemeClr>
+          </a:lnRef>
+          <a:fillRef idx="1">
+            <a:schemeClr val="accent1"/>
+          </a:fillRef>
+          <a:effectRef idx="0">
+            <a:schemeClr val="accent1"/>
+          </a:effectRef>
+          <a:fontRef idx="minor">
+            <a:schemeClr val="lt1"/>
+          </a:fontRef>
+        </p:style>
+        <p:txBody>
+          <a:bodyPr rtlCol="0" anchor="ctr"/>
+          <a:lstStyle/>
+          <a:p>
+            <a:pPr algn="ctr"/>
+            <a:r>
+              <a:rPr lang="ko-KR" altLang="en-US" sz="1400" dirty="0"/>
+              <a:t>스킬 진행</a:t>
+            </a:r>
+          </a:p>
+        </p:txBody>
+      </p:sp>
+      <p:sp>
+        <p:nvSpPr>
+          <p:cNvPr id="44" name="직사각형 43">
+            <a:extLst>
+              <a:ext uri="{FF2B5EF4-FFF2-40B4-BE49-F238E27FC236}">
+                <a16:creationId xmlns:a16="http://schemas.microsoft.com/office/drawing/2014/main" id="{C1C80BFC-2034-477A-81E5-FC19B151C764}"/>
+              </a:ext>
+            </a:extLst>
+          </p:cNvPr>
+          <p:cNvSpPr/>
+          <p:nvPr/>
+        </p:nvSpPr>
+        <p:spPr>
+          <a:xfrm>
+            <a:off x="1229185" y="2907230"/>
+            <a:ext cx="1410099" cy="220133"/>
+          </a:xfrm>
+          <a:prstGeom prst="rect">
+            <a:avLst/>
+          </a:prstGeom>
+        </p:spPr>
+        <p:style>
+          <a:lnRef idx="2">
+            <a:schemeClr val="accent1">
+              <a:shade val="50000"/>
+            </a:schemeClr>
+          </a:lnRef>
+          <a:fillRef idx="1">
+            <a:schemeClr val="accent1"/>
+          </a:fillRef>
+          <a:effectRef idx="0">
+            <a:schemeClr val="accent1"/>
+          </a:effectRef>
+          <a:fontRef idx="minor">
+            <a:schemeClr val="lt1"/>
+          </a:fontRef>
+        </p:style>
+        <p:txBody>
+          <a:bodyPr rtlCol="0" anchor="ctr"/>
+          <a:lstStyle/>
+          <a:p>
+            <a:pPr algn="ctr"/>
+            <a:r>
+              <a:rPr lang="ko-KR" altLang="en-US" sz="1400"/>
+              <a:t>일반 공격 타겟</a:t>
+            </a:r>
+            <a:endParaRPr lang="ko-KR" altLang="en-US" sz="1400" dirty="0"/>
+          </a:p>
+        </p:txBody>
+      </p:sp>
+      <p:sp>
+        <p:nvSpPr>
+          <p:cNvPr id="45" name="직사각형 44">
+            <a:extLst>
+              <a:ext uri="{FF2B5EF4-FFF2-40B4-BE49-F238E27FC236}">
+                <a16:creationId xmlns:a16="http://schemas.microsoft.com/office/drawing/2014/main" id="{40C3CA10-8034-43E8-9B3F-E61485660BF3}"/>
+              </a:ext>
+            </a:extLst>
+          </p:cNvPr>
+          <p:cNvSpPr/>
+          <p:nvPr/>
+        </p:nvSpPr>
+        <p:spPr>
+          <a:xfrm>
+            <a:off x="4469868" y="3494830"/>
+            <a:ext cx="965468" cy="220133"/>
+          </a:xfrm>
+          <a:prstGeom prst="rect">
+            <a:avLst/>
+          </a:prstGeom>
+        </p:spPr>
+        <p:style>
+          <a:lnRef idx="2">
+            <a:schemeClr val="accent1">
+              <a:shade val="50000"/>
+            </a:schemeClr>
+          </a:lnRef>
+          <a:fillRef idx="1">
+            <a:schemeClr val="accent1"/>
+          </a:fillRef>
+          <a:effectRef idx="0">
+            <a:schemeClr val="accent1"/>
+          </a:effectRef>
+          <a:fontRef idx="minor">
+            <a:schemeClr val="lt1"/>
+          </a:fontRef>
+        </p:style>
+        <p:txBody>
+          <a:bodyPr rtlCol="0" anchor="ctr"/>
+          <a:lstStyle/>
+          <a:p>
+            <a:pPr algn="ctr"/>
+            <a:r>
+              <a:rPr lang="ko-KR" altLang="en-US" sz="1400" dirty="0"/>
+              <a:t>코인 토스</a:t>
+            </a:r>
+          </a:p>
+        </p:txBody>
+      </p:sp>
+      <p:sp>
+        <p:nvSpPr>
+          <p:cNvPr id="46" name="직사각형 45">
+            <a:extLst>
+              <a:ext uri="{FF2B5EF4-FFF2-40B4-BE49-F238E27FC236}">
+                <a16:creationId xmlns:a16="http://schemas.microsoft.com/office/drawing/2014/main" id="{5BB3F6FC-8A74-4541-86DE-EC6D18DABD15}"/>
+              </a:ext>
+            </a:extLst>
+          </p:cNvPr>
+          <p:cNvSpPr/>
+          <p:nvPr/>
+        </p:nvSpPr>
+        <p:spPr>
+          <a:xfrm>
+            <a:off x="4859466" y="3815615"/>
+            <a:ext cx="1439734" cy="220133"/>
+          </a:xfrm>
+          <a:prstGeom prst="rect">
+            <a:avLst/>
+          </a:prstGeom>
+        </p:spPr>
+        <p:style>
+          <a:lnRef idx="2">
+            <a:schemeClr val="accent1">
+              <a:shade val="50000"/>
+            </a:schemeClr>
+          </a:lnRef>
+          <a:fillRef idx="1">
+            <a:schemeClr val="accent1"/>
+          </a:fillRef>
+          <a:effectRef idx="0">
+            <a:schemeClr val="accent1"/>
+          </a:effectRef>
+          <a:fontRef idx="minor">
+            <a:schemeClr val="lt1"/>
+          </a:fontRef>
+        </p:style>
+        <p:txBody>
+          <a:bodyPr rtlCol="0" anchor="ctr"/>
+          <a:lstStyle/>
+          <a:p>
+            <a:pPr algn="ctr"/>
+            <a:r>
+              <a:rPr lang="ko-KR" altLang="en-US" sz="1400"/>
+              <a:t>스킬 효과 적용</a:t>
+            </a:r>
+            <a:endParaRPr lang="ko-KR" altLang="en-US" sz="1400" dirty="0"/>
+          </a:p>
+        </p:txBody>
+      </p:sp>
+      <p:sp>
+        <p:nvSpPr>
+          <p:cNvPr id="47" name="직사각형 46">
+            <a:extLst>
+              <a:ext uri="{FF2B5EF4-FFF2-40B4-BE49-F238E27FC236}">
+                <a16:creationId xmlns:a16="http://schemas.microsoft.com/office/drawing/2014/main" id="{C2D74B3F-319D-44FE-9651-BA51102119CE}"/>
+              </a:ext>
+            </a:extLst>
+          </p:cNvPr>
+          <p:cNvSpPr/>
+          <p:nvPr/>
+        </p:nvSpPr>
+        <p:spPr>
+          <a:xfrm>
+            <a:off x="5350535" y="4134497"/>
+            <a:ext cx="1837401" cy="220133"/>
+          </a:xfrm>
+          <a:prstGeom prst="rect">
+            <a:avLst/>
+          </a:prstGeom>
+        </p:spPr>
+        <p:style>
+          <a:lnRef idx="2">
+            <a:schemeClr val="accent1">
+              <a:shade val="50000"/>
+            </a:schemeClr>
+          </a:lnRef>
+          <a:fillRef idx="1">
+            <a:schemeClr val="accent1"/>
+          </a:fillRef>
+          <a:effectRef idx="0">
+            <a:schemeClr val="accent1"/>
+          </a:effectRef>
+          <a:fontRef idx="minor">
+            <a:schemeClr val="lt1"/>
+          </a:fontRef>
+        </p:style>
+        <p:txBody>
+          <a:bodyPr rtlCol="0" anchor="ctr"/>
+          <a:lstStyle/>
+          <a:p>
+            <a:pPr algn="ctr"/>
+            <a:r>
+              <a:rPr lang="ko-KR" altLang="en-US" sz="1400"/>
+              <a:t>모든 코인 토스 완료</a:t>
+            </a:r>
+            <a:endParaRPr lang="ko-KR" altLang="en-US" sz="1400" dirty="0"/>
+          </a:p>
+        </p:txBody>
+      </p:sp>
+      <p:sp>
+        <p:nvSpPr>
+          <p:cNvPr id="48" name="직사각형 47">
+            <a:extLst>
+              <a:ext uri="{FF2B5EF4-FFF2-40B4-BE49-F238E27FC236}">
+                <a16:creationId xmlns:a16="http://schemas.microsoft.com/office/drawing/2014/main" id="{95E9A30C-D7C1-4291-AE7E-AF1F55229428}"/>
+              </a:ext>
+            </a:extLst>
+          </p:cNvPr>
+          <p:cNvSpPr/>
+          <p:nvPr/>
+        </p:nvSpPr>
+        <p:spPr>
+          <a:xfrm>
+            <a:off x="7348667" y="4134496"/>
+            <a:ext cx="965468" cy="220133"/>
+          </a:xfrm>
+          <a:prstGeom prst="rect">
+            <a:avLst/>
+          </a:prstGeom>
+        </p:spPr>
+        <p:style>
+          <a:lnRef idx="2">
+            <a:schemeClr val="accent1">
+              <a:shade val="50000"/>
+            </a:schemeClr>
+          </a:lnRef>
+          <a:fillRef idx="1">
+            <a:schemeClr val="accent1"/>
+          </a:fillRef>
+          <a:effectRef idx="0">
+            <a:schemeClr val="accent1"/>
+          </a:effectRef>
+          <a:fontRef idx="minor">
+            <a:schemeClr val="lt1"/>
+          </a:fontRef>
+        </p:style>
+        <p:txBody>
+          <a:bodyPr rtlCol="0" anchor="ctr"/>
+          <a:lstStyle/>
+          <a:p>
+            <a:pPr algn="ctr"/>
+            <a:r>
+              <a:rPr lang="ko-KR" altLang="en-US" sz="1400" dirty="0"/>
+              <a:t>스킬 종료</a:t>
+            </a:r>
+          </a:p>
+        </p:txBody>
+      </p:sp>
+    </p:spTree>
+    <p:extLst>
+      <p:ext uri="{BB962C8B-B14F-4D97-AF65-F5344CB8AC3E}">
+        <p14:creationId xmlns:p14="http://schemas.microsoft.com/office/powerpoint/2010/main" val="3580687971"/>
+      </p:ext>
+    </p:extLst>
+  </p:cSld>
+  <p:clrMapOvr>
+    <a:masterClrMapping/>
+  </p:clrMapOvr>
+</p:sld>
+</file>
+
+<file path=ppt/slides/slide6.xml><?xml version="1.0" encoding="utf-8"?>
+<p:sld xmlns:a="http://schemas.openxmlformats.org/drawingml/2006/main" xmlns:r="http://schemas.openxmlformats.org/officeDocument/2006/relationships" xmlns:p="http://schemas.openxmlformats.org/presentationml/2006/main">
+  <p:cSld>
+    <p:spTree>
+      <p:nvGrpSpPr>
+        <p:cNvPr id="1" name="">
+          <a:extLst>
+            <a:ext uri="{FF2B5EF4-FFF2-40B4-BE49-F238E27FC236}">
+              <a16:creationId xmlns:a16="http://schemas.microsoft.com/office/drawing/2014/main" id="{D21DAEA7-79E3-502E-509C-DF5DDCA8B6BC}"/>
+            </a:ext>
+          </a:extLst>
+        </p:cNvPr>
+        <p:cNvGrpSpPr/>
+        <p:nvPr/>
+      </p:nvGrpSpPr>
+      <p:grpSpPr>
+        <a:xfrm>
+          <a:off x="0" y="0"/>
+          <a:ext cx="0" cy="0"/>
+          <a:chOff x="0" y="0"/>
+          <a:chExt cx="0" cy="0"/>
+        </a:xfrm>
+      </p:grpSpPr>
+      <p:sp>
+        <p:nvSpPr>
+          <p:cNvPr id="4" name="제목 1">
+            <a:extLst>
+              <a:ext uri="{FF2B5EF4-FFF2-40B4-BE49-F238E27FC236}">
+                <a16:creationId xmlns:a16="http://schemas.microsoft.com/office/drawing/2014/main" id="{636482B7-5B29-4FB0-B905-DE64440A7328}"/>
+              </a:ext>
+            </a:extLst>
+          </p:cNvPr>
+          <p:cNvSpPr txBox="1">
+            <a:spLocks/>
+          </p:cNvSpPr>
+          <p:nvPr/>
+        </p:nvSpPr>
+        <p:spPr>
+          <a:xfrm>
+            <a:off x="695324" y="387600"/>
+            <a:ext cx="10801351" cy="628400"/>
+          </a:xfrm>
+          <a:prstGeom prst="rect">
+            <a:avLst/>
+          </a:prstGeom>
+        </p:spPr>
+        <p:txBody>
+          <a:bodyPr vert="horz" lIns="91440" tIns="45720" rIns="91440" bIns="45720" rtlCol="0" anchor="ctr">
+            <a:normAutofit/>
+          </a:bodyPr>
+          <a:lstStyle>
+            <a:lvl1pPr algn="ctr" defTabSz="914400" rtl="0" eaLnBrk="1" latinLnBrk="1" hangingPunct="1">
+              <a:lnSpc>
+                <a:spcPct val="90000"/>
+              </a:lnSpc>
+              <a:spcBef>
+                <a:spcPct val="0"/>
+              </a:spcBef>
+              <a:buNone/>
+              <a:defRPr sz="6000" kern="1200">
+                <a:solidFill>
+                  <a:schemeClr val="tx1"/>
+                </a:solidFill>
+                <a:latin typeface="+mj-lt"/>
+                <a:ea typeface="+mj-ea"/>
+                <a:cs typeface="+mj-cs"/>
+              </a:defRPr>
+            </a:lvl1pPr>
+          </a:lstStyle>
+          <a:p>
+            <a:pPr algn="l">
+              <a:lnSpc>
+                <a:spcPct val="100000"/>
+              </a:lnSpc>
+            </a:pPr>
+            <a:r>
+              <a:rPr lang="ko-KR" altLang="en-US" sz="3200" dirty="0"/>
+              <a:t>합 시스템 </a:t>
+            </a:r>
+            <a:r>
+              <a:rPr lang="en-US" altLang="ko-KR" sz="3200" dirty="0"/>
+              <a:t>–</a:t>
+            </a:r>
+            <a:r>
+              <a:rPr lang="en-US" altLang="ko-KR" sz="2400" dirty="0"/>
+              <a:t> </a:t>
+            </a:r>
+            <a:r>
+              <a:rPr lang="ko-KR" altLang="en-US" sz="2400" dirty="0"/>
               <a:t>규칙 및 상세 설명</a:t>
             </a:r>
             <a:endParaRPr lang="en-US" altLang="ko-KR" sz="2400" dirty="0"/>
@@ -5054,7 +7152,7 @@
           <p:nvPr>
             <p:extLst>
               <p:ext uri="{D42A27DB-BD31-4B8C-83A1-F6EECF244321}">
-                <p14:modId xmlns:p14="http://schemas.microsoft.com/office/powerpoint/2010/main" val="1609611577"/>
+                <p14:modId xmlns:p14="http://schemas.microsoft.com/office/powerpoint/2010/main" val="1760270780"/>
               </p:ext>
             </p:extLst>
           </p:nvPr>
@@ -5091,7 +7189,7 @@
                             <a:schemeClr val="tx1"/>
                           </a:solidFill>
                         </a:rPr>
-                        <a:t>합 시스템 규칙</a:t>
+                        <a:t>합 시도 조건</a:t>
                       </a:r>
                     </a:p>
                   </a:txBody>
@@ -5138,6 +7236,54 @@
                     <a:lstStyle/>
                     <a:p>
                       <a:pPr latinLnBrk="1"/>
+                      <a:r>
+                        <a:rPr lang="ko-KR" altLang="en-US" sz="1200" b="0" dirty="0">
+                          <a:solidFill>
+                            <a:schemeClr val="tx1"/>
+                          </a:solidFill>
+                        </a:rPr>
+                        <a:t>방어자가 공격자의 스킬 타겟</a:t>
+                      </a:r>
+                      <a:r>
+                        <a:rPr lang="en-US" altLang="ko-KR" sz="1200" b="0" dirty="0">
+                          <a:solidFill>
+                            <a:schemeClr val="tx1"/>
+                          </a:solidFill>
+                        </a:rPr>
+                        <a:t>(</a:t>
+                      </a:r>
+                      <a:r>
+                        <a:rPr lang="ko-KR" altLang="en-US" sz="1200" b="0" dirty="0">
+                          <a:solidFill>
+                            <a:schemeClr val="tx1"/>
+                          </a:solidFill>
+                        </a:rPr>
+                        <a:t>광역 스킬일 경우 메인 타겟</a:t>
+                      </a:r>
+                      <a:r>
+                        <a:rPr lang="en-US" altLang="ko-KR" sz="1200" b="0" dirty="0">
+                          <a:solidFill>
+                            <a:schemeClr val="tx1"/>
+                          </a:solidFill>
+                        </a:rPr>
+                        <a:t>)</a:t>
+                      </a:r>
+                      <a:r>
+                        <a:rPr lang="ko-KR" altLang="en-US" sz="1200" b="0" dirty="0">
+                          <a:solidFill>
+                            <a:schemeClr val="tx1"/>
+                          </a:solidFill>
+                        </a:rPr>
+                        <a:t>이거나 방어자의 속도가 공격자의 속도 보다 높아야 한다</a:t>
+                      </a:r>
+                      <a:r>
+                        <a:rPr lang="en-US" altLang="ko-KR" sz="1200" b="0" dirty="0">
+                          <a:solidFill>
+                            <a:schemeClr val="tx1"/>
+                          </a:solidFill>
+                        </a:rPr>
+                        <a:t>.</a:t>
+                      </a:r>
                       <a:endParaRPr lang="ko-KR" altLang="en-US" sz="1200" b="0" dirty="0">
                         <a:solidFill>
                           <a:schemeClr val="tx1"/>
@@ -5194,6 +7340,70 @@
                     <a:lstStyle/>
                     <a:p>
                       <a:pPr latinLnBrk="1"/>
+                      <a:r>
+                        <a:rPr lang="ko-KR" altLang="en-US" sz="1200" b="0" dirty="0">
+                          <a:solidFill>
+                            <a:schemeClr val="tx1"/>
+                          </a:solidFill>
+                        </a:rPr>
+                        <a:t>공격 스킬과 수비 스킬은 특수한 경우</a:t>
+                      </a:r>
+                      <a:r>
+                        <a:rPr lang="en-US" altLang="ko-KR" sz="1200" b="0" dirty="0">
+                          <a:solidFill>
+                            <a:schemeClr val="tx1"/>
+                          </a:solidFill>
+                        </a:rPr>
+                        <a:t>(</a:t>
+                      </a:r>
+                      <a:r>
+                        <a:rPr lang="ko-KR" altLang="en-US" sz="1200" b="0" dirty="0">
+                          <a:solidFill>
+                            <a:schemeClr val="tx1"/>
+                          </a:solidFill>
+                        </a:rPr>
+                        <a:t>합 가능 반격</a:t>
+                      </a:r>
+                      <a:r>
+                        <a:rPr lang="en-US" altLang="ko-KR" sz="1200" b="0" dirty="0">
+                          <a:solidFill>
+                            <a:schemeClr val="tx1"/>
+                          </a:solidFill>
+                        </a:rPr>
+                        <a:t>, </a:t>
+                      </a:r>
+                      <a:r>
+                        <a:rPr lang="ko-KR" altLang="en-US" sz="1200" b="0" dirty="0">
+                          <a:solidFill>
+                            <a:schemeClr val="tx1"/>
+                          </a:solidFill>
+                        </a:rPr>
+                        <a:t>합 가능 방어 스킬</a:t>
+                      </a:r>
+                      <a:r>
+                        <a:rPr lang="en-US" altLang="ko-KR" sz="1200" b="0" dirty="0">
+                          <a:solidFill>
+                            <a:schemeClr val="tx1"/>
+                          </a:solidFill>
+                        </a:rPr>
+                        <a:t>)</a:t>
+                      </a:r>
+                      <a:r>
+                        <a:rPr lang="ko-KR" altLang="en-US" sz="1200" b="0" dirty="0">
+                          <a:solidFill>
+                            <a:schemeClr val="tx1"/>
+                          </a:solidFill>
+                        </a:rPr>
+                        <a:t>을 제외하면 합을 할 수 없다</a:t>
+                      </a:r>
+                      <a:r>
+                        <a:rPr lang="en-US" altLang="ko-KR" sz="1200" b="0" dirty="0">
+                          <a:solidFill>
+                            <a:schemeClr val="tx1"/>
+                          </a:solidFill>
+                        </a:rPr>
+                        <a:t>.</a:t>
+                      </a:r>
                       <a:endParaRPr lang="ko-KR" altLang="en-US" sz="1200" b="0" dirty="0">
                         <a:solidFill>
                           <a:schemeClr val="tx1"/>
@@ -5241,6 +7451,1032 @@
           </a:graphicData>
         </a:graphic>
       </p:graphicFrame>
+      <p:graphicFrame>
+        <p:nvGraphicFramePr>
+          <p:cNvPr id="5" name="표 2">
+            <a:extLst>
+              <a:ext uri="{FF2B5EF4-FFF2-40B4-BE49-F238E27FC236}">
+                <a16:creationId xmlns:a16="http://schemas.microsoft.com/office/drawing/2014/main" id="{54B29617-2DF3-4120-A33B-35D4FFF37AE7}"/>
+              </a:ext>
+            </a:extLst>
+          </p:cNvPr>
+          <p:cNvGraphicFramePr>
+            <a:graphicFrameLocks noGrp="1"/>
+          </p:cNvGraphicFramePr>
+          <p:nvPr>
+            <p:extLst>
+              <p:ext uri="{D42A27DB-BD31-4B8C-83A1-F6EECF244321}">
+                <p14:modId xmlns:p14="http://schemas.microsoft.com/office/powerpoint/2010/main" val="2584279"/>
+              </p:ext>
+            </p:extLst>
+          </p:nvPr>
+        </p:nvGraphicFramePr>
+        <p:xfrm>
+          <a:off x="1480978" y="2308012"/>
+          <a:ext cx="9230043" cy="1828800"/>
+        </p:xfrm>
+        <a:graphic>
+          <a:graphicData uri="http://schemas.openxmlformats.org/drawingml/2006/table">
+            <a:tbl>
+              <a:tblPr firstRow="1" bandRow="1">
+                <a:tableStyleId>{5C22544A-7EE6-4342-B048-85BDC9FD1C3A}</a:tableStyleId>
+              </a:tblPr>
+              <a:tblGrid>
+                <a:gridCol w="9230043">
+                  <a:extLst>
+                    <a:ext uri="{9D8B030D-6E8A-4147-A177-3AD203B41FA5}">
+                      <a16:colId xmlns:a16="http://schemas.microsoft.com/office/drawing/2014/main" val="1841855998"/>
+                    </a:ext>
+                  </a:extLst>
+                </a:gridCol>
+              </a:tblGrid>
+              <a:tr h="0">
+                <a:tc>
+                  <a:txBody>
+                    <a:bodyPr/>
+                    <a:lstStyle/>
+                    <a:p>
+                      <a:pPr latinLnBrk="1"/>
+                      <a:r>
+                        <a:rPr lang="ko-KR" altLang="en-US" sz="1200" b="1" dirty="0">
+                          <a:solidFill>
+                            <a:schemeClr val="tx1"/>
+                          </a:solidFill>
+                        </a:rPr>
+                        <a:t>합 진행 규칙</a:t>
+                      </a:r>
+                    </a:p>
+                  </a:txBody>
+                  <a:tcPr>
+                    <a:lnL w="12700" cmpd="sng">
+                      <a:noFill/>
+                    </a:lnL>
+                    <a:lnR w="12700" cmpd="sng">
+                      <a:noFill/>
+                    </a:lnR>
+                    <a:lnT w="12700" cmpd="sng">
+                      <a:noFill/>
+                    </a:lnT>
+                    <a:lnB w="12700" cap="flat" cmpd="sng" algn="ctr">
+                      <a:solidFill>
+                        <a:schemeClr val="tx1"/>
+                      </a:solidFill>
+                      <a:prstDash val="solid"/>
+                      <a:round/>
+                      <a:headEnd type="none" w="med" len="med"/>
+                      <a:tailEnd type="none" w="med" len="med"/>
+                    </a:lnB>
+                    <a:lnTlToBr w="12700" cmpd="sng">
+                      <a:noFill/>
+                      <a:prstDash val="solid"/>
+                    </a:lnTlToBr>
+                    <a:lnBlToTr w="12700" cmpd="sng">
+                      <a:noFill/>
+                      <a:prstDash val="solid"/>
+                    </a:lnBlToTr>
+                    <a:noFill/>
+                  </a:tcPr>
+                </a:tc>
+                <a:extLst>
+                  <a:ext uri="{0D108BD9-81ED-4DB2-BD59-A6C34878D82A}">
+                    <a16:rowId xmlns:a16="http://schemas.microsoft.com/office/drawing/2014/main" val="1491086624"/>
+                  </a:ext>
+                </a:extLst>
+              </a:tr>
+              <a:tr h="0">
+                <a:tc>
+                  <a:txBody>
+                    <a:bodyPr/>
+                    <a:lstStyle/>
+                    <a:p>
+                      <a:pPr latinLnBrk="1"/>
+                      <a:r>
+                        <a:rPr lang="ko-KR" altLang="en-US" sz="1200" b="0" dirty="0">
+                          <a:solidFill>
+                            <a:schemeClr val="tx1"/>
+                          </a:solidFill>
+                        </a:rPr>
+                        <a:t>합 진행 중 방어자 또는 공격자가 행동 불능 상태</a:t>
+                      </a:r>
+                      <a:r>
+                        <a:rPr lang="en-US" altLang="ko-KR" sz="1200" b="0" dirty="0">
+                          <a:solidFill>
+                            <a:schemeClr val="tx1"/>
+                          </a:solidFill>
+                        </a:rPr>
+                        <a:t>(</a:t>
+                      </a:r>
+                      <a:r>
+                        <a:rPr lang="ko-KR" altLang="en-US" sz="1200" b="0" dirty="0">
+                          <a:solidFill>
+                            <a:schemeClr val="tx1"/>
+                          </a:solidFill>
+                        </a:rPr>
+                        <a:t>패닉</a:t>
+                      </a:r>
+                      <a:r>
+                        <a:rPr lang="en-US" altLang="ko-KR" sz="1200" b="0" dirty="0">
+                          <a:solidFill>
+                            <a:schemeClr val="tx1"/>
+                          </a:solidFill>
+                        </a:rPr>
+                        <a:t>, </a:t>
+                      </a:r>
+                      <a:r>
+                        <a:rPr lang="ko-KR" altLang="en-US" sz="1200" b="0" dirty="0">
+                          <a:solidFill>
+                            <a:schemeClr val="tx1"/>
+                          </a:solidFill>
+                        </a:rPr>
+                        <a:t>흐트러짐 등</a:t>
+                      </a:r>
+                      <a:r>
+                        <a:rPr lang="en-US" altLang="ko-KR" sz="1200" b="0" dirty="0">
+                          <a:solidFill>
+                            <a:schemeClr val="tx1"/>
+                          </a:solidFill>
+                        </a:rPr>
+                        <a:t>)</a:t>
+                      </a:r>
+                      <a:r>
+                        <a:rPr lang="ko-KR" altLang="en-US" sz="1200" b="0" dirty="0">
+                          <a:solidFill>
+                            <a:schemeClr val="tx1"/>
+                          </a:solidFill>
+                        </a:rPr>
+                        <a:t>에 따질 경우 합을 종료한다</a:t>
+                      </a:r>
+                      <a:r>
+                        <a:rPr lang="en-US" altLang="ko-KR" sz="1200" b="0" dirty="0">
+                          <a:solidFill>
+                            <a:schemeClr val="tx1"/>
+                          </a:solidFill>
+                        </a:rPr>
+                        <a:t>.</a:t>
+                      </a:r>
+                      <a:endParaRPr lang="ko-KR" altLang="en-US" sz="1200" b="0" dirty="0">
+                        <a:solidFill>
+                          <a:schemeClr val="tx1"/>
+                        </a:solidFill>
+                      </a:endParaRPr>
+                    </a:p>
+                  </a:txBody>
+                  <a:tcPr>
+                    <a:lnL w="12700" cmpd="sng">
+                      <a:noFill/>
+                    </a:lnL>
+                    <a:lnR w="12700" cmpd="sng">
+                      <a:noFill/>
+                    </a:lnR>
+                    <a:lnT w="12700" cap="flat" cmpd="sng" algn="ctr">
+                      <a:solidFill>
+                        <a:schemeClr val="tx1"/>
+                      </a:solidFill>
+                      <a:prstDash val="solid"/>
+                      <a:round/>
+                      <a:headEnd type="none" w="med" len="med"/>
+                      <a:tailEnd type="none" w="med" len="med"/>
+                    </a:lnT>
+                    <a:lnB w="12700" cap="flat" cmpd="sng" algn="ctr">
+                      <a:solidFill>
+                        <a:schemeClr val="tx1"/>
+                      </a:solidFill>
+                      <a:prstDash val="solid"/>
+                      <a:round/>
+                      <a:headEnd type="none" w="med" len="med"/>
+                      <a:tailEnd type="none" w="med" len="med"/>
+                    </a:lnB>
+                    <a:lnTlToBr w="12700" cmpd="sng">
+                      <a:noFill/>
+                      <a:prstDash val="solid"/>
+                    </a:lnTlToBr>
+                    <a:lnBlToTr w="12700" cmpd="sng">
+                      <a:noFill/>
+                      <a:prstDash val="solid"/>
+                    </a:lnBlToTr>
+                    <a:noFill/>
+                  </a:tcPr>
+                </a:tc>
+                <a:extLst>
+                  <a:ext uri="{0D108BD9-81ED-4DB2-BD59-A6C34878D82A}">
+                    <a16:rowId xmlns:a16="http://schemas.microsoft.com/office/drawing/2014/main" val="1743730106"/>
+                  </a:ext>
+                </a:extLst>
+              </a:tr>
+              <a:tr h="0">
+                <a:tc>
+                  <a:txBody>
+                    <a:bodyPr/>
+                    <a:lstStyle/>
+                    <a:p>
+                      <a:pPr latinLnBrk="1"/>
+                      <a:r>
+                        <a:rPr lang="ko-KR" altLang="en-US" sz="1200" b="0" dirty="0">
+                          <a:solidFill>
+                            <a:schemeClr val="tx1"/>
+                          </a:solidFill>
+                        </a:rPr>
+                        <a:t>합 진행 시 코인 시스템으로 방어자와 공격자의 스킬 위력을 계산한다</a:t>
+                      </a:r>
+                      <a:r>
+                        <a:rPr lang="en-US" altLang="ko-KR" sz="1200" b="0" dirty="0">
+                          <a:solidFill>
+                            <a:schemeClr val="tx1"/>
+                          </a:solidFill>
+                        </a:rPr>
+                        <a:t>.</a:t>
+                      </a:r>
+                      <a:endParaRPr lang="ko-KR" altLang="en-US" sz="1200" b="0" dirty="0">
+                        <a:solidFill>
+                          <a:schemeClr val="tx1"/>
+                        </a:solidFill>
+                      </a:endParaRPr>
+                    </a:p>
+                  </a:txBody>
+                  <a:tcPr>
+                    <a:lnL w="12700" cmpd="sng">
+                      <a:noFill/>
+                    </a:lnL>
+                    <a:lnR w="12700" cmpd="sng">
+                      <a:noFill/>
+                    </a:lnR>
+                    <a:lnT w="12700" cap="flat" cmpd="sng" algn="ctr">
+                      <a:solidFill>
+                        <a:schemeClr val="tx1"/>
+                      </a:solidFill>
+                      <a:prstDash val="solid"/>
+                      <a:round/>
+                      <a:headEnd type="none" w="med" len="med"/>
+                      <a:tailEnd type="none" w="med" len="med"/>
+                    </a:lnT>
+                    <a:lnB w="12700" cap="flat" cmpd="sng" algn="ctr">
+                      <a:solidFill>
+                        <a:schemeClr val="tx1"/>
+                      </a:solidFill>
+                      <a:prstDash val="solid"/>
+                      <a:round/>
+                      <a:headEnd type="none" w="med" len="med"/>
+                      <a:tailEnd type="none" w="med" len="med"/>
+                    </a:lnB>
+                    <a:lnTlToBr w="12700" cmpd="sng">
+                      <a:noFill/>
+                      <a:prstDash val="solid"/>
+                    </a:lnTlToBr>
+                    <a:lnBlToTr w="12700" cmpd="sng">
+                      <a:noFill/>
+                      <a:prstDash val="solid"/>
+                    </a:lnBlToTr>
+                    <a:noFill/>
+                  </a:tcPr>
+                </a:tc>
+                <a:extLst>
+                  <a:ext uri="{0D108BD9-81ED-4DB2-BD59-A6C34878D82A}">
+                    <a16:rowId xmlns:a16="http://schemas.microsoft.com/office/drawing/2014/main" val="3226441806"/>
+                  </a:ext>
+                </a:extLst>
+              </a:tr>
+              <a:tr h="0">
+                <a:tc>
+                  <a:txBody>
+                    <a:bodyPr/>
+                    <a:lstStyle/>
+                    <a:p>
+                      <a:pPr latinLnBrk="1"/>
+                      <a:r>
+                        <a:rPr lang="ko-KR" altLang="en-US" sz="1200" b="0" dirty="0">
+                          <a:solidFill>
+                            <a:schemeClr val="tx1"/>
+                          </a:solidFill>
+                        </a:rPr>
+                        <a:t>방어자와 공격자의 스킬 위력이 같을 경우 합을 무승부로 판정하고 합 횟수가 </a:t>
+                      </a:r>
+                      <a:r>
+                        <a:rPr lang="en-US" altLang="ko-KR" sz="1200" b="0" dirty="0">
+                          <a:solidFill>
+                            <a:schemeClr val="tx1"/>
+                          </a:solidFill>
+                        </a:rPr>
+                        <a:t>1 </a:t>
+                      </a:r>
+                      <a:r>
+                        <a:rPr lang="ko-KR" altLang="en-US" sz="1200" b="0" dirty="0">
+                          <a:solidFill>
+                            <a:schemeClr val="tx1"/>
+                          </a:solidFill>
+                        </a:rPr>
+                        <a:t>증가한다</a:t>
+                      </a:r>
+                      <a:r>
+                        <a:rPr lang="en-US" altLang="ko-KR" sz="1200" b="0" dirty="0">
+                          <a:solidFill>
+                            <a:schemeClr val="tx1"/>
+                          </a:solidFill>
+                        </a:rPr>
+                        <a:t>.</a:t>
+                      </a:r>
+                      <a:endParaRPr lang="ko-KR" altLang="en-US" sz="1200" b="0" dirty="0">
+                        <a:solidFill>
+                          <a:schemeClr val="tx1"/>
+                        </a:solidFill>
+                      </a:endParaRPr>
+                    </a:p>
+                  </a:txBody>
+                  <a:tcPr>
+                    <a:lnL w="12700" cmpd="sng">
+                      <a:noFill/>
+                    </a:lnL>
+                    <a:lnR w="12700" cmpd="sng">
+                      <a:noFill/>
+                    </a:lnR>
+                    <a:lnT w="12700" cap="flat" cmpd="sng" algn="ctr">
+                      <a:solidFill>
+                        <a:schemeClr val="tx1"/>
+                      </a:solidFill>
+                      <a:prstDash val="solid"/>
+                      <a:round/>
+                      <a:headEnd type="none" w="med" len="med"/>
+                      <a:tailEnd type="none" w="med" len="med"/>
+                    </a:lnT>
+                    <a:lnB w="12700" cap="flat" cmpd="sng" algn="ctr">
+                      <a:solidFill>
+                        <a:schemeClr val="tx1"/>
+                      </a:solidFill>
+                      <a:prstDash val="solid"/>
+                      <a:round/>
+                      <a:headEnd type="none" w="med" len="med"/>
+                      <a:tailEnd type="none" w="med" len="med"/>
+                    </a:lnB>
+                    <a:lnTlToBr w="12700" cmpd="sng">
+                      <a:noFill/>
+                      <a:prstDash val="solid"/>
+                    </a:lnTlToBr>
+                    <a:lnBlToTr w="12700" cmpd="sng">
+                      <a:noFill/>
+                      <a:prstDash val="solid"/>
+                    </a:lnBlToTr>
+                    <a:noFill/>
+                  </a:tcPr>
+                </a:tc>
+                <a:extLst>
+                  <a:ext uri="{0D108BD9-81ED-4DB2-BD59-A6C34878D82A}">
+                    <a16:rowId xmlns:a16="http://schemas.microsoft.com/office/drawing/2014/main" val="3897351682"/>
+                  </a:ext>
+                </a:extLst>
+              </a:tr>
+              <a:tr h="0">
+                <a:tc>
+                  <a:txBody>
+                    <a:bodyPr/>
+                    <a:lstStyle/>
+                    <a:p>
+                      <a:pPr latinLnBrk="1"/>
+                      <a:r>
+                        <a:rPr lang="ko-KR" altLang="en-US" sz="1200" b="0" dirty="0">
+                          <a:solidFill>
+                            <a:schemeClr val="tx1"/>
+                          </a:solidFill>
+                        </a:rPr>
+                        <a:t>방어자와 공격자의 스킬 위력이 다를 경우 스킬 위력이 낮은 쪽의 코인을 </a:t>
+                      </a:r>
+                      <a:r>
+                        <a:rPr lang="en-US" altLang="ko-KR" sz="1200" b="0" dirty="0">
+                          <a:solidFill>
+                            <a:schemeClr val="tx1"/>
+                          </a:solidFill>
+                        </a:rPr>
+                        <a:t>1</a:t>
+                      </a:r>
+                      <a:r>
+                        <a:rPr lang="ko-KR" altLang="en-US" sz="1200" b="0" dirty="0">
+                          <a:solidFill>
+                            <a:schemeClr val="tx1"/>
+                          </a:solidFill>
+                        </a:rPr>
+                        <a:t>개 파괴하고 합 횟수가 </a:t>
+                      </a:r>
+                      <a:r>
+                        <a:rPr lang="en-US" altLang="ko-KR" sz="1200" b="0" dirty="0">
+                          <a:solidFill>
+                            <a:schemeClr val="tx1"/>
+                          </a:solidFill>
+                        </a:rPr>
+                        <a:t>1 </a:t>
+                      </a:r>
+                      <a:r>
+                        <a:rPr lang="ko-KR" altLang="en-US" sz="1200" b="0" dirty="0">
+                          <a:solidFill>
+                            <a:schemeClr val="tx1"/>
+                          </a:solidFill>
+                        </a:rPr>
+                        <a:t>증가한다</a:t>
+                      </a:r>
+                      <a:r>
+                        <a:rPr lang="en-US" altLang="ko-KR" sz="1200" b="0" dirty="0">
+                          <a:solidFill>
+                            <a:schemeClr val="tx1"/>
+                          </a:solidFill>
+                        </a:rPr>
+                        <a:t>.</a:t>
+                      </a:r>
+                    </a:p>
+                    <a:p>
+                      <a:pPr latinLnBrk="1"/>
+                      <a:r>
+                        <a:rPr lang="en-US" altLang="ko-KR" sz="1200" b="0" dirty="0">
+                          <a:solidFill>
+                            <a:schemeClr val="tx1"/>
+                          </a:solidFill>
+                        </a:rPr>
+                        <a:t>(</a:t>
+                      </a:r>
+                      <a:r>
+                        <a:rPr lang="ko-KR" altLang="en-US" sz="1200" b="0" dirty="0">
+                          <a:solidFill>
+                            <a:schemeClr val="tx1"/>
+                          </a:solidFill>
+                        </a:rPr>
+                        <a:t>파괴 불가 코인의 경우 합 패배 시 깨진 코인으로 변경 및 파괴된 것으로 판정한다</a:t>
+                      </a:r>
+                      <a:r>
+                        <a:rPr lang="en-US" altLang="ko-KR" sz="1200" b="0" dirty="0">
+                          <a:solidFill>
+                            <a:schemeClr val="tx1"/>
+                          </a:solidFill>
+                        </a:rPr>
+                        <a:t>.)</a:t>
+                      </a:r>
+                      <a:endParaRPr lang="ko-KR" altLang="en-US" sz="1200" b="0" dirty="0">
+                        <a:solidFill>
+                          <a:schemeClr val="tx1"/>
+                        </a:solidFill>
+                      </a:endParaRPr>
+                    </a:p>
+                  </a:txBody>
+                  <a:tcPr>
+                    <a:lnL w="12700" cmpd="sng">
+                      <a:noFill/>
+                    </a:lnL>
+                    <a:lnR w="12700" cmpd="sng">
+                      <a:noFill/>
+                    </a:lnR>
+                    <a:lnT w="12700" cap="flat" cmpd="sng" algn="ctr">
+                      <a:solidFill>
+                        <a:schemeClr val="tx1"/>
+                      </a:solidFill>
+                      <a:prstDash val="solid"/>
+                      <a:round/>
+                      <a:headEnd type="none" w="med" len="med"/>
+                      <a:tailEnd type="none" w="med" len="med"/>
+                    </a:lnT>
+                    <a:lnB w="12700" cap="flat" cmpd="sng" algn="ctr">
+                      <a:solidFill>
+                        <a:schemeClr val="tx1"/>
+                      </a:solidFill>
+                      <a:prstDash val="solid"/>
+                      <a:round/>
+                      <a:headEnd type="none" w="med" len="med"/>
+                      <a:tailEnd type="none" w="med" len="med"/>
+                    </a:lnB>
+                    <a:lnTlToBr w="12700" cmpd="sng">
+                      <a:noFill/>
+                      <a:prstDash val="solid"/>
+                    </a:lnTlToBr>
+                    <a:lnBlToTr w="12700" cmpd="sng">
+                      <a:noFill/>
+                      <a:prstDash val="solid"/>
+                    </a:lnBlToTr>
+                    <a:noFill/>
+                  </a:tcPr>
+                </a:tc>
+                <a:extLst>
+                  <a:ext uri="{0D108BD9-81ED-4DB2-BD59-A6C34878D82A}">
+                    <a16:rowId xmlns:a16="http://schemas.microsoft.com/office/drawing/2014/main" val="2452091508"/>
+                  </a:ext>
+                </a:extLst>
+              </a:tr>
+              <a:tr h="0">
+                <a:tc>
+                  <a:txBody>
+                    <a:bodyPr/>
+                    <a:lstStyle/>
+                    <a:p>
+                      <a:pPr latinLnBrk="1"/>
+                      <a:r>
+                        <a:rPr lang="ko-KR" altLang="en-US" sz="1200" b="0" dirty="0">
+                          <a:solidFill>
+                            <a:schemeClr val="tx1"/>
+                          </a:solidFill>
+                        </a:rPr>
+                        <a:t>방어자와 공격자 둘 중에 한쪽의 코인이 모두 파괴될 때까지 합을 반복한다</a:t>
+                      </a:r>
+                      <a:r>
+                        <a:rPr lang="en-US" altLang="ko-KR" sz="1200" b="0" dirty="0">
+                          <a:solidFill>
+                            <a:schemeClr val="tx1"/>
+                          </a:solidFill>
+                        </a:rPr>
+                        <a:t>.</a:t>
+                      </a:r>
+                      <a:endParaRPr lang="ko-KR" altLang="en-US" sz="1200" b="0" dirty="0">
+                        <a:solidFill>
+                          <a:schemeClr val="tx1"/>
+                        </a:solidFill>
+                      </a:endParaRPr>
+                    </a:p>
+                  </a:txBody>
+                  <a:tcPr>
+                    <a:lnL w="12700" cmpd="sng">
+                      <a:noFill/>
+                    </a:lnL>
+                    <a:lnR w="12700" cmpd="sng">
+                      <a:noFill/>
+                    </a:lnR>
+                    <a:lnT w="12700" cap="flat" cmpd="sng" algn="ctr">
+                      <a:solidFill>
+                        <a:schemeClr val="tx1"/>
+                      </a:solidFill>
+                      <a:prstDash val="solid"/>
+                      <a:round/>
+                      <a:headEnd type="none" w="med" len="med"/>
+                      <a:tailEnd type="none" w="med" len="med"/>
+                    </a:lnT>
+                    <a:lnB w="12700" cmpd="sng">
+                      <a:noFill/>
+                    </a:lnB>
+                    <a:lnTlToBr w="12700" cmpd="sng">
+                      <a:noFill/>
+                      <a:prstDash val="solid"/>
+                    </a:lnTlToBr>
+                    <a:lnBlToTr w="12700" cmpd="sng">
+                      <a:noFill/>
+                      <a:prstDash val="solid"/>
+                    </a:lnBlToTr>
+                    <a:noFill/>
+                  </a:tcPr>
+                </a:tc>
+                <a:extLst>
+                  <a:ext uri="{0D108BD9-81ED-4DB2-BD59-A6C34878D82A}">
+                    <a16:rowId xmlns:a16="http://schemas.microsoft.com/office/drawing/2014/main" val="3781543556"/>
+                  </a:ext>
+                </a:extLst>
+              </a:tr>
+            </a:tbl>
+          </a:graphicData>
+        </a:graphic>
+      </p:graphicFrame>
+      <p:graphicFrame>
+        <p:nvGraphicFramePr>
+          <p:cNvPr id="6" name="표 2">
+            <a:extLst>
+              <a:ext uri="{FF2B5EF4-FFF2-40B4-BE49-F238E27FC236}">
+                <a16:creationId xmlns:a16="http://schemas.microsoft.com/office/drawing/2014/main" id="{B81519BB-B99B-496C-B89A-B86150BFD145}"/>
+              </a:ext>
+            </a:extLst>
+          </p:cNvPr>
+          <p:cNvGraphicFramePr>
+            <a:graphicFrameLocks noGrp="1"/>
+          </p:cNvGraphicFramePr>
+          <p:nvPr>
+            <p:extLst>
+              <p:ext uri="{D42A27DB-BD31-4B8C-83A1-F6EECF244321}">
+                <p14:modId xmlns:p14="http://schemas.microsoft.com/office/powerpoint/2010/main" val="2404661826"/>
+              </p:ext>
+            </p:extLst>
+          </p:nvPr>
+        </p:nvGraphicFramePr>
+        <p:xfrm>
+          <a:off x="1480978" y="4167294"/>
+          <a:ext cx="9230043" cy="1097280"/>
+        </p:xfrm>
+        <a:graphic>
+          <a:graphicData uri="http://schemas.openxmlformats.org/drawingml/2006/table">
+            <a:tbl>
+              <a:tblPr firstRow="1" bandRow="1">
+                <a:tableStyleId>{5C22544A-7EE6-4342-B048-85BDC9FD1C3A}</a:tableStyleId>
+              </a:tblPr>
+              <a:tblGrid>
+                <a:gridCol w="9230043">
+                  <a:extLst>
+                    <a:ext uri="{9D8B030D-6E8A-4147-A177-3AD203B41FA5}">
+                      <a16:colId xmlns:a16="http://schemas.microsoft.com/office/drawing/2014/main" val="1841855998"/>
+                    </a:ext>
+                  </a:extLst>
+                </a:gridCol>
+              </a:tblGrid>
+              <a:tr h="0">
+                <a:tc>
+                  <a:txBody>
+                    <a:bodyPr/>
+                    <a:lstStyle/>
+                    <a:p>
+                      <a:pPr latinLnBrk="1"/>
+                      <a:r>
+                        <a:rPr lang="ko-KR" altLang="en-US" sz="1200" b="1" dirty="0">
+                          <a:solidFill>
+                            <a:schemeClr val="tx1"/>
+                          </a:solidFill>
+                        </a:rPr>
+                        <a:t>합 종료 규칙</a:t>
+                      </a:r>
+                    </a:p>
+                  </a:txBody>
+                  <a:tcPr>
+                    <a:lnL w="12700" cmpd="sng">
+                      <a:noFill/>
+                    </a:lnL>
+                    <a:lnR w="12700" cmpd="sng">
+                      <a:noFill/>
+                    </a:lnR>
+                    <a:lnT w="12700" cmpd="sng">
+                      <a:noFill/>
+                    </a:lnT>
+                    <a:lnB w="12700" cap="flat" cmpd="sng" algn="ctr">
+                      <a:solidFill>
+                        <a:schemeClr val="tx1"/>
+                      </a:solidFill>
+                      <a:prstDash val="solid"/>
+                      <a:round/>
+                      <a:headEnd type="none" w="med" len="med"/>
+                      <a:tailEnd type="none" w="med" len="med"/>
+                    </a:lnB>
+                    <a:lnTlToBr w="12700" cmpd="sng">
+                      <a:noFill/>
+                      <a:prstDash val="solid"/>
+                    </a:lnTlToBr>
+                    <a:lnBlToTr w="12700" cmpd="sng">
+                      <a:noFill/>
+                      <a:prstDash val="solid"/>
+                    </a:lnBlToTr>
+                    <a:noFill/>
+                  </a:tcPr>
+                </a:tc>
+                <a:extLst>
+                  <a:ext uri="{0D108BD9-81ED-4DB2-BD59-A6C34878D82A}">
+                    <a16:rowId xmlns:a16="http://schemas.microsoft.com/office/drawing/2014/main" val="1491086624"/>
+                  </a:ext>
+                </a:extLst>
+              </a:tr>
+              <a:tr h="0">
+                <a:tc>
+                  <a:txBody>
+                    <a:bodyPr/>
+                    <a:lstStyle/>
+                    <a:p>
+                      <a:pPr latinLnBrk="1"/>
+                      <a:r>
+                        <a:rPr lang="ko-KR" altLang="en-US" sz="1200" b="0" dirty="0">
+                          <a:solidFill>
+                            <a:schemeClr val="tx1"/>
+                          </a:solidFill>
+                        </a:rPr>
+                        <a:t>방어자와 공격자 둘 중에 한쪽의 코인이 모두 파괴되면 합을 종료한다</a:t>
+                      </a:r>
+                      <a:r>
+                        <a:rPr lang="en-US" altLang="ko-KR" sz="1200" b="0" dirty="0">
+                          <a:solidFill>
+                            <a:schemeClr val="tx1"/>
+                          </a:solidFill>
+                        </a:rPr>
+                        <a:t>.</a:t>
+                      </a:r>
+                      <a:endParaRPr lang="ko-KR" altLang="en-US" sz="1200" b="0" dirty="0">
+                        <a:solidFill>
+                          <a:schemeClr val="tx1"/>
+                        </a:solidFill>
+                      </a:endParaRPr>
+                    </a:p>
+                  </a:txBody>
+                  <a:tcPr>
+                    <a:lnL w="12700" cmpd="sng">
+                      <a:noFill/>
+                    </a:lnL>
+                    <a:lnR w="12700" cmpd="sng">
+                      <a:noFill/>
+                    </a:lnR>
+                    <a:lnT w="12700" cap="flat" cmpd="sng" algn="ctr">
+                      <a:solidFill>
+                        <a:schemeClr val="tx1"/>
+                      </a:solidFill>
+                      <a:prstDash val="solid"/>
+                      <a:round/>
+                      <a:headEnd type="none" w="med" len="med"/>
+                      <a:tailEnd type="none" w="med" len="med"/>
+                    </a:lnT>
+                    <a:lnB w="12700" cap="flat" cmpd="sng" algn="ctr">
+                      <a:solidFill>
+                        <a:schemeClr val="tx1"/>
+                      </a:solidFill>
+                      <a:prstDash val="solid"/>
+                      <a:round/>
+                      <a:headEnd type="none" w="med" len="med"/>
+                      <a:tailEnd type="none" w="med" len="med"/>
+                    </a:lnB>
+                    <a:lnTlToBr w="12700" cmpd="sng">
+                      <a:noFill/>
+                      <a:prstDash val="solid"/>
+                    </a:lnTlToBr>
+                    <a:lnBlToTr w="12700" cmpd="sng">
+                      <a:noFill/>
+                      <a:prstDash val="solid"/>
+                    </a:lnBlToTr>
+                    <a:noFill/>
+                  </a:tcPr>
+                </a:tc>
+                <a:extLst>
+                  <a:ext uri="{0D108BD9-81ED-4DB2-BD59-A6C34878D82A}">
+                    <a16:rowId xmlns:a16="http://schemas.microsoft.com/office/drawing/2014/main" val="1632200975"/>
+                  </a:ext>
+                </a:extLst>
+              </a:tr>
+              <a:tr h="0">
+                <a:tc>
+                  <a:txBody>
+                    <a:bodyPr/>
+                    <a:lstStyle/>
+                    <a:p>
+                      <a:pPr latinLnBrk="1"/>
+                      <a:r>
+                        <a:rPr lang="ko-KR" altLang="en-US" sz="1200" b="0" dirty="0">
+                          <a:solidFill>
+                            <a:schemeClr val="tx1"/>
+                          </a:solidFill>
+                        </a:rPr>
+                        <a:t>합 종료 후 남은 코인의 개수에 따라서 스킬을 진행한다</a:t>
+                      </a:r>
+                      <a:r>
+                        <a:rPr lang="en-US" altLang="ko-KR" sz="1200" b="0" dirty="0">
+                          <a:solidFill>
+                            <a:schemeClr val="tx1"/>
+                          </a:solidFill>
+                        </a:rPr>
+                        <a:t>.</a:t>
+                      </a:r>
+                      <a:endParaRPr lang="ko-KR" altLang="en-US" sz="1200" b="0" dirty="0">
+                        <a:solidFill>
+                          <a:schemeClr val="tx1"/>
+                        </a:solidFill>
+                      </a:endParaRPr>
+                    </a:p>
+                  </a:txBody>
+                  <a:tcPr>
+                    <a:lnL w="12700" cmpd="sng">
+                      <a:noFill/>
+                    </a:lnL>
+                    <a:lnR w="12700" cmpd="sng">
+                      <a:noFill/>
+                    </a:lnR>
+                    <a:lnT w="12700" cap="flat" cmpd="sng" algn="ctr">
+                      <a:solidFill>
+                        <a:schemeClr val="tx1"/>
+                      </a:solidFill>
+                      <a:prstDash val="solid"/>
+                      <a:round/>
+                      <a:headEnd type="none" w="med" len="med"/>
+                      <a:tailEnd type="none" w="med" len="med"/>
+                    </a:lnT>
+                    <a:lnB w="12700" cap="flat" cmpd="sng" algn="ctr">
+                      <a:solidFill>
+                        <a:schemeClr val="tx1"/>
+                      </a:solidFill>
+                      <a:prstDash val="solid"/>
+                      <a:round/>
+                      <a:headEnd type="none" w="med" len="med"/>
+                      <a:tailEnd type="none" w="med" len="med"/>
+                    </a:lnB>
+                    <a:lnTlToBr w="12700" cmpd="sng">
+                      <a:noFill/>
+                      <a:prstDash val="solid"/>
+                    </a:lnTlToBr>
+                    <a:lnBlToTr w="12700" cmpd="sng">
+                      <a:noFill/>
+                      <a:prstDash val="solid"/>
+                    </a:lnBlToTr>
+                    <a:noFill/>
+                  </a:tcPr>
+                </a:tc>
+                <a:extLst>
+                  <a:ext uri="{0D108BD9-81ED-4DB2-BD59-A6C34878D82A}">
+                    <a16:rowId xmlns:a16="http://schemas.microsoft.com/office/drawing/2014/main" val="1743730106"/>
+                  </a:ext>
+                </a:extLst>
+              </a:tr>
+              <a:tr h="0">
+                <a:tc>
+                  <a:txBody>
+                    <a:bodyPr/>
+                    <a:lstStyle/>
+                    <a:p>
+                      <a:pPr latinLnBrk="1"/>
+                      <a:r>
+                        <a:rPr lang="ko-KR" altLang="en-US" sz="1200" b="0" dirty="0">
+                          <a:solidFill>
+                            <a:schemeClr val="tx1"/>
+                          </a:solidFill>
+                        </a:rPr>
+                        <a:t>스킬 진행 시 합을 진행한 숫자에 비례하여 스킬의 피해량이 증가한다</a:t>
+                      </a:r>
+                      <a:r>
+                        <a:rPr lang="en-US" altLang="ko-KR" sz="1200" b="0" dirty="0">
+                          <a:solidFill>
+                            <a:schemeClr val="tx1"/>
+                          </a:solidFill>
+                        </a:rPr>
+                        <a:t>. (</a:t>
+                      </a:r>
+                      <a:r>
+                        <a:rPr lang="ko-KR" altLang="en-US" sz="1200" b="0" dirty="0">
+                          <a:solidFill>
+                            <a:schemeClr val="tx1"/>
+                          </a:solidFill>
+                        </a:rPr>
+                        <a:t>진행한 합 횟수 당 </a:t>
+                      </a:r>
+                      <a:r>
+                        <a:rPr lang="en-US" altLang="ko-KR" sz="1200" b="0" dirty="0">
+                          <a:solidFill>
+                            <a:schemeClr val="tx1"/>
+                          </a:solidFill>
+                        </a:rPr>
+                        <a:t>3% </a:t>
+                      </a:r>
+                      <a:r>
+                        <a:rPr lang="ko-KR" altLang="en-US" sz="1200" b="0" dirty="0">
+                          <a:solidFill>
+                            <a:schemeClr val="tx1"/>
+                          </a:solidFill>
+                        </a:rPr>
+                        <a:t>증가</a:t>
+                      </a:r>
+                      <a:r>
+                        <a:rPr lang="en-US" altLang="ko-KR" sz="1200" b="0" dirty="0">
+                          <a:solidFill>
+                            <a:schemeClr val="tx1"/>
+                          </a:solidFill>
+                        </a:rPr>
+                        <a:t>)</a:t>
+                      </a:r>
+                      <a:endParaRPr lang="ko-KR" altLang="en-US" sz="1200" b="0" dirty="0">
+                        <a:solidFill>
+                          <a:schemeClr val="tx1"/>
+                        </a:solidFill>
+                      </a:endParaRPr>
+                    </a:p>
+                  </a:txBody>
+                  <a:tcPr>
+                    <a:lnL w="12700" cmpd="sng">
+                      <a:noFill/>
+                    </a:lnL>
+                    <a:lnR w="12700" cmpd="sng">
+                      <a:noFill/>
+                    </a:lnR>
+                    <a:lnT w="12700" cap="flat" cmpd="sng" algn="ctr">
+                      <a:solidFill>
+                        <a:schemeClr val="tx1"/>
+                      </a:solidFill>
+                      <a:prstDash val="solid"/>
+                      <a:round/>
+                      <a:headEnd type="none" w="med" len="med"/>
+                      <a:tailEnd type="none" w="med" len="med"/>
+                    </a:lnT>
+                    <a:lnB w="12700" cap="flat" cmpd="sng" algn="ctr">
+                      <a:solidFill>
+                        <a:schemeClr val="tx1"/>
+                      </a:solidFill>
+                      <a:prstDash val="solid"/>
+                      <a:round/>
+                      <a:headEnd type="none" w="med" len="med"/>
+                      <a:tailEnd type="none" w="med" len="med"/>
+                    </a:lnB>
+                    <a:lnTlToBr w="12700" cmpd="sng">
+                      <a:noFill/>
+                      <a:prstDash val="solid"/>
+                    </a:lnTlToBr>
+                    <a:lnBlToTr w="12700" cmpd="sng">
+                      <a:noFill/>
+                      <a:prstDash val="solid"/>
+                    </a:lnBlToTr>
+                    <a:noFill/>
+                  </a:tcPr>
+                </a:tc>
+                <a:extLst>
+                  <a:ext uri="{0D108BD9-81ED-4DB2-BD59-A6C34878D82A}">
+                    <a16:rowId xmlns:a16="http://schemas.microsoft.com/office/drawing/2014/main" val="3226441806"/>
+                  </a:ext>
+                </a:extLst>
+              </a:tr>
+            </a:tbl>
+          </a:graphicData>
+        </a:graphic>
+      </p:graphicFrame>
+      <p:sp>
+        <p:nvSpPr>
+          <p:cNvPr id="3" name="TextBox 2">
+            <a:extLst>
+              <a:ext uri="{FF2B5EF4-FFF2-40B4-BE49-F238E27FC236}">
+                <a16:creationId xmlns:a16="http://schemas.microsoft.com/office/drawing/2014/main" id="{9BF30A06-4565-46E4-9F75-F36E9529B799}"/>
+              </a:ext>
+            </a:extLst>
+          </p:cNvPr>
+          <p:cNvSpPr txBox="1"/>
+          <p:nvPr/>
+        </p:nvSpPr>
+        <p:spPr>
+          <a:xfrm>
+            <a:off x="1480978" y="5473356"/>
+            <a:ext cx="9144000" cy="400110"/>
+          </a:xfrm>
+          <a:prstGeom prst="rect">
+            <a:avLst/>
+          </a:prstGeom>
+          <a:noFill/>
+        </p:spPr>
+        <p:txBody>
+          <a:bodyPr wrap="square" rtlCol="0">
+            <a:spAutoFit/>
+          </a:bodyPr>
+          <a:lstStyle/>
+          <a:p>
+            <a:r>
+              <a:rPr lang="ko-KR" altLang="en-US" sz="1000" dirty="0"/>
+              <a:t>코인 시스템 </a:t>
+            </a:r>
+            <a:r>
+              <a:rPr lang="en-US" altLang="ko-KR" sz="1000" dirty="0"/>
+              <a:t>: Limbus Company</a:t>
+            </a:r>
+            <a:r>
+              <a:rPr lang="ko-KR" altLang="en-US" sz="1000" dirty="0"/>
+              <a:t>의 모든 스킬은 코인을 가지고 있으며</a:t>
+            </a:r>
+            <a:r>
+              <a:rPr lang="en-US" altLang="ko-KR" sz="1000" dirty="0"/>
+              <a:t>, </a:t>
+            </a:r>
+            <a:r>
+              <a:rPr lang="ko-KR" altLang="en-US" sz="1000" dirty="0"/>
+              <a:t>스킬 진행 시 코인 토스를 진행하고</a:t>
+            </a:r>
+            <a:r>
+              <a:rPr lang="en-US" altLang="ko-KR" sz="1000" dirty="0"/>
+              <a:t>, </a:t>
+            </a:r>
+            <a:r>
+              <a:rPr lang="ko-KR" altLang="en-US" sz="1000" dirty="0"/>
+              <a:t>코인 토스의 결과에 따라서 스킬 효과를 적용한다</a:t>
+            </a:r>
+            <a:r>
+              <a:rPr lang="en-US" altLang="ko-KR" sz="1000" dirty="0"/>
+              <a:t>.</a:t>
+            </a:r>
+          </a:p>
+          <a:p>
+            <a:r>
+              <a:rPr lang="en-US" altLang="ko-KR" sz="1000" dirty="0"/>
+              <a:t>[</a:t>
+            </a:r>
+            <a:r>
+              <a:rPr lang="ko-KR" altLang="en-US" sz="1000" dirty="0"/>
+              <a:t>코인 토스 시 앞면이 나올 확률 </a:t>
+            </a:r>
+            <a:r>
+              <a:rPr lang="en-US" altLang="ko-KR" sz="1000" dirty="0"/>
+              <a:t>: </a:t>
+            </a:r>
+            <a:r>
+              <a:rPr lang="ko-KR" altLang="en-US" sz="1000" dirty="0"/>
+              <a:t>기본 </a:t>
+            </a:r>
+            <a:r>
+              <a:rPr lang="en-US" altLang="ko-KR" sz="1000" dirty="0"/>
+              <a:t>50% + </a:t>
+            </a:r>
+            <a:r>
+              <a:rPr lang="ko-KR" altLang="en-US" sz="1000" dirty="0"/>
+              <a:t>스킬 사용자의 정신력 </a:t>
+            </a:r>
+            <a:r>
+              <a:rPr lang="en-US" altLang="ko-KR" sz="1000" dirty="0"/>
+              <a:t>(-45 ~ +45, </a:t>
+            </a:r>
+            <a:r>
+              <a:rPr lang="ko-KR" altLang="en-US" sz="1000" dirty="0"/>
+              <a:t>정신력을 가지지 않을 경우 </a:t>
+            </a:r>
+            <a:r>
+              <a:rPr lang="en-US" altLang="ko-KR" sz="1000" dirty="0"/>
+              <a:t>0</a:t>
+            </a:r>
+            <a:r>
+              <a:rPr lang="ko-KR" altLang="en-US" sz="1000" dirty="0"/>
+              <a:t>으로 계산한다</a:t>
+            </a:r>
+            <a:r>
+              <a:rPr lang="en-US" altLang="ko-KR" sz="1000" dirty="0"/>
+              <a:t>.)]</a:t>
+            </a:r>
+          </a:p>
+        </p:txBody>
+      </p:sp>
     </p:spTree>
     <p:extLst>
       <p:ext uri="{BB962C8B-B14F-4D97-AF65-F5344CB8AC3E}">

--- a/기획/문서 베이스.pptx
+++ b/기획/문서 베이스.pptx
@@ -14,9 +14,9 @@
     <p:sldId id="256" r:id="rId2"/>
     <p:sldId id="387" r:id="rId3"/>
     <p:sldId id="386" r:id="rId4"/>
-    <p:sldId id="388" r:id="rId5"/>
-    <p:sldId id="390" r:id="rId6"/>
-    <p:sldId id="389" r:id="rId7"/>
+    <p:sldId id="389" r:id="rId5"/>
+    <p:sldId id="391" r:id="rId6"/>
+    <p:sldId id="392" r:id="rId7"/>
   </p:sldIdLst>
   <p:sldSz cx="12192000" cy="6858000"/>
   <p:notesSz cx="6858000" cy="9144000"/>
@@ -312,7 +312,7 @@
           <a:p>
             <a:fld id="{4E9214C1-2863-45BA-A7C5-D5EA3C3D4C30}" type="datetimeFigureOut">
               <a:rPr lang="ko-KR" altLang="en-US" smtClean="0"/>
-              <a:t>2025-01-21</a:t>
+              <a:t>2025-01-22</a:t>
             </a:fld>
             <a:endParaRPr lang="ko-KR" altLang="en-US"/>
           </a:p>
@@ -477,7 +477,7 @@
           <a:p>
             <a:fld id="{8F563C85-90F6-445D-9B5B-8ABB00FB3043}" type="datetimeFigureOut">
               <a:rPr lang="ko-KR" altLang="en-US" smtClean="0"/>
-              <a:t>2025-01-21</a:t>
+              <a:t>2025-01-22</a:t>
             </a:fld>
             <a:endParaRPr lang="ko-KR" altLang="en-US"/>
           </a:p>
@@ -968,7 +968,7 @@
             </a:pPr>
             <a:fld id="{B9320F77-B9A0-41C5-862A-B4B631284C64}" type="datetime1">
               <a:rPr lang="en-GB" altLang="en-US"/>
-              <a:t>21/01/2025</a:t>
+              <a:t>22/01/2025</a:t>
             </a:fld>
             <a:endParaRPr lang="ko-KR" altLang="en-US"/>
           </a:p>
@@ -1168,7 +1168,7 @@
             </a:pPr>
             <a:fld id="{B9320F77-B9A0-41C5-862A-B4B631284C64}" type="datetime1">
               <a:rPr lang="en-GB" altLang="en-US"/>
-              <a:t>21/01/2025</a:t>
+              <a:t>22/01/2025</a:t>
             </a:fld>
             <a:endParaRPr lang="ko-KR" altLang="en-US"/>
           </a:p>
@@ -1368,7 +1368,7 @@
             </a:pPr>
             <a:fld id="{B9320F77-B9A0-41C5-862A-B4B631284C64}" type="datetime1">
               <a:rPr lang="en-GB" altLang="en-US"/>
-              <a:t>21/01/2025</a:t>
+              <a:t>22/01/2025</a:t>
             </a:fld>
             <a:endParaRPr lang="ko-KR" altLang="en-US"/>
           </a:p>
@@ -1568,7 +1568,7 @@
             </a:pPr>
             <a:fld id="{B9320F77-B9A0-41C5-862A-B4B631284C64}" type="datetime1">
               <a:rPr lang="en-GB" altLang="en-US"/>
-              <a:t>21/01/2025</a:t>
+              <a:t>22/01/2025</a:t>
             </a:fld>
             <a:endParaRPr lang="ko-KR" altLang="en-US"/>
           </a:p>
@@ -1834,7 +1834,7 @@
             </a:pPr>
             <a:fld id="{B9320F77-B9A0-41C5-862A-B4B631284C64}" type="datetime1">
               <a:rPr lang="en-GB" altLang="en-US"/>
-              <a:t>21/01/2025</a:t>
+              <a:t>22/01/2025</a:t>
             </a:fld>
             <a:endParaRPr lang="ko-KR" altLang="en-US"/>
           </a:p>
@@ -2090,7 +2090,7 @@
             </a:pPr>
             <a:fld id="{B9320F77-B9A0-41C5-862A-B4B631284C64}" type="datetime1">
               <a:rPr lang="en-GB" altLang="en-US"/>
-              <a:t>21/01/2025</a:t>
+              <a:t>22/01/2025</a:t>
             </a:fld>
             <a:endParaRPr lang="ko-KR" altLang="en-US"/>
           </a:p>
@@ -2476,7 +2476,7 @@
             </a:pPr>
             <a:fld id="{B9320F77-B9A0-41C5-862A-B4B631284C64}" type="datetime1">
               <a:rPr lang="en-GB" altLang="en-US"/>
-              <a:t>21/01/2025</a:t>
+              <a:t>22/01/2025</a:t>
             </a:fld>
             <a:endParaRPr lang="ko-KR" altLang="en-US"/>
           </a:p>
@@ -2620,7 +2620,7 @@
             </a:pPr>
             <a:fld id="{B9320F77-B9A0-41C5-862A-B4B631284C64}" type="datetime1">
               <a:rPr lang="en-GB" altLang="en-US"/>
-              <a:t>21/01/2025</a:t>
+              <a:t>22/01/2025</a:t>
             </a:fld>
             <a:endParaRPr lang="ko-KR" altLang="en-US"/>
           </a:p>
@@ -2737,7 +2737,7 @@
             </a:pPr>
             <a:fld id="{B9320F77-B9A0-41C5-862A-B4B631284C64}" type="datetime1">
               <a:rPr lang="en-GB" altLang="en-US"/>
-              <a:t>21/01/2025</a:t>
+              <a:t>22/01/2025</a:t>
             </a:fld>
             <a:endParaRPr lang="ko-KR" altLang="en-US"/>
           </a:p>
@@ -3034,7 +3034,7 @@
             </a:pPr>
             <a:fld id="{B9320F77-B9A0-41C5-862A-B4B631284C64}" type="datetime1">
               <a:rPr lang="en-GB" altLang="en-US"/>
-              <a:t>21/01/2025</a:t>
+              <a:t>22/01/2025</a:t>
             </a:fld>
             <a:endParaRPr lang="ko-KR" altLang="en-US"/>
           </a:p>
@@ -3308,7 +3308,7 @@
             </a:pPr>
             <a:fld id="{B9320F77-B9A0-41C5-862A-B4B631284C64}" type="datetime1">
               <a:rPr lang="en-GB" altLang="en-US"/>
-              <a:t>21/01/2025</a:t>
+              <a:t>22/01/2025</a:t>
             </a:fld>
             <a:endParaRPr lang="ko-KR" altLang="en-US"/>
           </a:p>
@@ -3538,7 +3538,7 @@
             </a:pPr>
             <a:fld id="{B9320F77-B9A0-41C5-862A-B4B631284C64}" type="datetime1">
               <a:rPr lang="en-GB" altLang="en-US"/>
-              <a:t>21/01/2025</a:t>
+              <a:t>22/01/2025</a:t>
             </a:fld>
             <a:endParaRPr lang="ko-KR" altLang="en-US"/>
           </a:p>
@@ -4926,1340 +4926,1348 @@
             </a:r>
             <a:r>
               <a:rPr lang="ko-KR" altLang="en-US" sz="2400" dirty="0"/>
-              <a:t>수감자 명령 구조</a:t>
+              <a:t>규칙 및 상세 설명</a:t>
             </a:r>
             <a:endParaRPr lang="en-US" altLang="ko-KR" sz="2400" dirty="0"/>
           </a:p>
         </p:txBody>
       </p:sp>
-      <p:sp>
-        <p:nvSpPr>
-          <p:cNvPr id="2" name="직사각형 1">
+      <p:graphicFrame>
+        <p:nvGraphicFramePr>
+          <p:cNvPr id="2" name="표 2">
             <a:extLst>
               <a:ext uri="{FF2B5EF4-FFF2-40B4-BE49-F238E27FC236}">
-                <a16:creationId xmlns:a16="http://schemas.microsoft.com/office/drawing/2014/main" id="{3D7C7717-FBC4-4C14-B3EE-3E5592C7077C}"/>
+                <a16:creationId xmlns:a16="http://schemas.microsoft.com/office/drawing/2014/main" id="{6A2C91B7-E40B-48F3-BCCA-CD5820568456}"/>
               </a:ext>
             </a:extLst>
           </p:cNvPr>
-          <p:cNvSpPr/>
+          <p:cNvGraphicFramePr>
+            <a:graphicFrameLocks noGrp="1"/>
+          </p:cNvGraphicFramePr>
+          <p:nvPr>
+            <p:extLst>
+              <p:ext uri="{D42A27DB-BD31-4B8C-83A1-F6EECF244321}">
+                <p14:modId xmlns:p14="http://schemas.microsoft.com/office/powerpoint/2010/main" val="1760270780"/>
+              </p:ext>
+            </p:extLst>
+          </p:nvPr>
+        </p:nvGraphicFramePr>
+        <p:xfrm>
+          <a:off x="1480978" y="1456266"/>
+          <a:ext cx="9230043" cy="822960"/>
+        </p:xfrm>
+        <a:graphic>
+          <a:graphicData uri="http://schemas.openxmlformats.org/drawingml/2006/table">
+            <a:tbl>
+              <a:tblPr firstRow="1" bandRow="1">
+                <a:tableStyleId>{5C22544A-7EE6-4342-B048-85BDC9FD1C3A}</a:tableStyleId>
+              </a:tblPr>
+              <a:tblGrid>
+                <a:gridCol w="9230043">
+                  <a:extLst>
+                    <a:ext uri="{9D8B030D-6E8A-4147-A177-3AD203B41FA5}">
+                      <a16:colId xmlns:a16="http://schemas.microsoft.com/office/drawing/2014/main" val="1841855998"/>
+                    </a:ext>
+                  </a:extLst>
+                </a:gridCol>
+              </a:tblGrid>
+              <a:tr h="0">
+                <a:tc>
+                  <a:txBody>
+                    <a:bodyPr/>
+                    <a:lstStyle/>
+                    <a:p>
+                      <a:pPr latinLnBrk="1"/>
+                      <a:r>
+                        <a:rPr lang="ko-KR" altLang="en-US" sz="1200" b="1" dirty="0">
+                          <a:solidFill>
+                            <a:schemeClr val="tx1"/>
+                          </a:solidFill>
+                        </a:rPr>
+                        <a:t>합 시도 조건</a:t>
+                      </a:r>
+                    </a:p>
+                  </a:txBody>
+                  <a:tcPr>
+                    <a:lnL w="12700" cmpd="sng">
+                      <a:noFill/>
+                    </a:lnL>
+                    <a:lnR w="12700" cmpd="sng">
+                      <a:noFill/>
+                    </a:lnR>
+                    <a:lnT w="12700" cmpd="sng">
+                      <a:noFill/>
+                    </a:lnT>
+                    <a:lnB w="12700" cap="flat" cmpd="sng" algn="ctr">
+                      <a:solidFill>
+                        <a:schemeClr val="tx1"/>
+                      </a:solidFill>
+                      <a:prstDash val="solid"/>
+                      <a:round/>
+                      <a:headEnd type="none" w="med" len="med"/>
+                      <a:tailEnd type="none" w="med" len="med"/>
+                    </a:lnB>
+                    <a:lnTlToBr w="12700" cmpd="sng">
+                      <a:noFill/>
+                      <a:prstDash val="solid"/>
+                    </a:lnTlToBr>
+                    <a:lnBlToTr w="12700" cmpd="sng">
+                      <a:noFill/>
+                      <a:prstDash val="solid"/>
+                    </a:lnBlToTr>
+                    <a:noFill/>
+                  </a:tcPr>
+                </a:tc>
+                <a:extLst>
+                  <a:ext uri="{0D108BD9-81ED-4DB2-BD59-A6C34878D82A}">
+                    <a16:rowId xmlns:a16="http://schemas.microsoft.com/office/drawing/2014/main" val="1491086624"/>
+                  </a:ext>
+                </a:extLst>
+              </a:tr>
+              <a:tr h="0">
+                <a:tc>
+                  <a:txBody>
+                    <a:bodyPr/>
+                    <a:lstStyle/>
+                    <a:p>
+                      <a:pPr latinLnBrk="1"/>
+                      <a:r>
+                        <a:rPr lang="ko-KR" altLang="en-US" sz="1200" b="0" dirty="0">
+                          <a:solidFill>
+                            <a:schemeClr val="tx1"/>
+                          </a:solidFill>
+                        </a:rPr>
+                        <a:t>방어자가 공격자의 스킬 타겟</a:t>
+                      </a:r>
+                      <a:r>
+                        <a:rPr lang="en-US" altLang="ko-KR" sz="1200" b="0" dirty="0">
+                          <a:solidFill>
+                            <a:schemeClr val="tx1"/>
+                          </a:solidFill>
+                        </a:rPr>
+                        <a:t>(</a:t>
+                      </a:r>
+                      <a:r>
+                        <a:rPr lang="ko-KR" altLang="en-US" sz="1200" b="0" dirty="0">
+                          <a:solidFill>
+                            <a:schemeClr val="tx1"/>
+                          </a:solidFill>
+                        </a:rPr>
+                        <a:t>광역 스킬일 경우 메인 타겟</a:t>
+                      </a:r>
+                      <a:r>
+                        <a:rPr lang="en-US" altLang="ko-KR" sz="1200" b="0" dirty="0">
+                          <a:solidFill>
+                            <a:schemeClr val="tx1"/>
+                          </a:solidFill>
+                        </a:rPr>
+                        <a:t>)</a:t>
+                      </a:r>
+                      <a:r>
+                        <a:rPr lang="ko-KR" altLang="en-US" sz="1200" b="0" dirty="0">
+                          <a:solidFill>
+                            <a:schemeClr val="tx1"/>
+                          </a:solidFill>
+                        </a:rPr>
+                        <a:t>이거나 방어자의 속도가 공격자의 속도 보다 높아야 한다</a:t>
+                      </a:r>
+                      <a:r>
+                        <a:rPr lang="en-US" altLang="ko-KR" sz="1200" b="0" dirty="0">
+                          <a:solidFill>
+                            <a:schemeClr val="tx1"/>
+                          </a:solidFill>
+                        </a:rPr>
+                        <a:t>.</a:t>
+                      </a:r>
+                      <a:endParaRPr lang="ko-KR" altLang="en-US" sz="1200" b="0" dirty="0">
+                        <a:solidFill>
+                          <a:schemeClr val="tx1"/>
+                        </a:solidFill>
+                      </a:endParaRPr>
+                    </a:p>
+                  </a:txBody>
+                  <a:tcPr>
+                    <a:lnL w="12700" cmpd="sng">
+                      <a:noFill/>
+                    </a:lnL>
+                    <a:lnR w="12700" cmpd="sng">
+                      <a:noFill/>
+                    </a:lnR>
+                    <a:lnT w="12700" cap="flat" cmpd="sng" algn="ctr">
+                      <a:solidFill>
+                        <a:schemeClr val="tx1"/>
+                      </a:solidFill>
+                      <a:prstDash val="solid"/>
+                      <a:round/>
+                      <a:headEnd type="none" w="med" len="med"/>
+                      <a:tailEnd type="none" w="med" len="med"/>
+                    </a:lnT>
+                    <a:lnB w="12700" cap="flat" cmpd="sng" algn="ctr">
+                      <a:solidFill>
+                        <a:schemeClr val="tx1"/>
+                      </a:solidFill>
+                      <a:prstDash val="solid"/>
+                      <a:round/>
+                      <a:headEnd type="none" w="med" len="med"/>
+                      <a:tailEnd type="none" w="med" len="med"/>
+                    </a:lnB>
+                    <a:lnTlToBr w="12700" cmpd="sng">
+                      <a:noFill/>
+                      <a:prstDash val="solid"/>
+                    </a:lnTlToBr>
+                    <a:lnBlToTr w="12700" cmpd="sng">
+                      <a:noFill/>
+                      <a:prstDash val="solid"/>
+                    </a:lnBlToTr>
+                    <a:noFill/>
+                  </a:tcPr>
+                </a:tc>
+                <a:extLst>
+                  <a:ext uri="{0D108BD9-81ED-4DB2-BD59-A6C34878D82A}">
+                    <a16:rowId xmlns:a16="http://schemas.microsoft.com/office/drawing/2014/main" val="1743730106"/>
+                  </a:ext>
+                </a:extLst>
+              </a:tr>
+              <a:tr h="0">
+                <a:tc>
+                  <a:txBody>
+                    <a:bodyPr/>
+                    <a:lstStyle/>
+                    <a:p>
+                      <a:pPr latinLnBrk="1"/>
+                      <a:r>
+                        <a:rPr lang="ko-KR" altLang="en-US" sz="1200" b="0" dirty="0">
+                          <a:solidFill>
+                            <a:schemeClr val="tx1"/>
+                          </a:solidFill>
+                        </a:rPr>
+                        <a:t>공격 스킬과 수비 스킬은 특수한 경우</a:t>
+                      </a:r>
+                      <a:r>
+                        <a:rPr lang="en-US" altLang="ko-KR" sz="1200" b="0" dirty="0">
+                          <a:solidFill>
+                            <a:schemeClr val="tx1"/>
+                          </a:solidFill>
+                        </a:rPr>
+                        <a:t>(</a:t>
+                      </a:r>
+                      <a:r>
+                        <a:rPr lang="ko-KR" altLang="en-US" sz="1200" b="0" dirty="0">
+                          <a:solidFill>
+                            <a:schemeClr val="tx1"/>
+                          </a:solidFill>
+                        </a:rPr>
+                        <a:t>합 가능 반격</a:t>
+                      </a:r>
+                      <a:r>
+                        <a:rPr lang="en-US" altLang="ko-KR" sz="1200" b="0" dirty="0">
+                          <a:solidFill>
+                            <a:schemeClr val="tx1"/>
+                          </a:solidFill>
+                        </a:rPr>
+                        <a:t>, </a:t>
+                      </a:r>
+                      <a:r>
+                        <a:rPr lang="ko-KR" altLang="en-US" sz="1200" b="0" dirty="0">
+                          <a:solidFill>
+                            <a:schemeClr val="tx1"/>
+                          </a:solidFill>
+                        </a:rPr>
+                        <a:t>합 가능 방어 스킬</a:t>
+                      </a:r>
+                      <a:r>
+                        <a:rPr lang="en-US" altLang="ko-KR" sz="1200" b="0" dirty="0">
+                          <a:solidFill>
+                            <a:schemeClr val="tx1"/>
+                          </a:solidFill>
+                        </a:rPr>
+                        <a:t>)</a:t>
+                      </a:r>
+                      <a:r>
+                        <a:rPr lang="ko-KR" altLang="en-US" sz="1200" b="0" dirty="0">
+                          <a:solidFill>
+                            <a:schemeClr val="tx1"/>
+                          </a:solidFill>
+                        </a:rPr>
+                        <a:t>을 제외하면 합을 할 수 없다</a:t>
+                      </a:r>
+                      <a:r>
+                        <a:rPr lang="en-US" altLang="ko-KR" sz="1200" b="0" dirty="0">
+                          <a:solidFill>
+                            <a:schemeClr val="tx1"/>
+                          </a:solidFill>
+                        </a:rPr>
+                        <a:t>.</a:t>
+                      </a:r>
+                      <a:endParaRPr lang="ko-KR" altLang="en-US" sz="1200" b="0" dirty="0">
+                        <a:solidFill>
+                          <a:schemeClr val="tx1"/>
+                        </a:solidFill>
+                      </a:endParaRPr>
+                    </a:p>
+                  </a:txBody>
+                  <a:tcPr>
+                    <a:lnL w="12700" cmpd="sng">
+                      <a:noFill/>
+                    </a:lnL>
+                    <a:lnR w="12700" cmpd="sng">
+                      <a:noFill/>
+                    </a:lnR>
+                    <a:lnT w="12700" cap="flat" cmpd="sng" algn="ctr">
+                      <a:solidFill>
+                        <a:schemeClr val="tx1"/>
+                      </a:solidFill>
+                      <a:prstDash val="solid"/>
+                      <a:round/>
+                      <a:headEnd type="none" w="med" len="med"/>
+                      <a:tailEnd type="none" w="med" len="med"/>
+                    </a:lnT>
+                    <a:lnB w="12700" cmpd="sng">
+                      <a:noFill/>
+                    </a:lnB>
+                    <a:lnTlToBr w="12700" cmpd="sng">
+                      <a:noFill/>
+                      <a:prstDash val="solid"/>
+                    </a:lnTlToBr>
+                    <a:lnBlToTr w="12700" cmpd="sng">
+                      <a:noFill/>
+                      <a:prstDash val="solid"/>
+                    </a:lnBlToTr>
+                    <a:noFill/>
+                  </a:tcPr>
+                </a:tc>
+                <a:extLst>
+                  <a:ext uri="{0D108BD9-81ED-4DB2-BD59-A6C34878D82A}">
+                    <a16:rowId xmlns:a16="http://schemas.microsoft.com/office/drawing/2014/main" val="3226441806"/>
+                  </a:ext>
+                </a:extLst>
+              </a:tr>
+            </a:tbl>
+          </a:graphicData>
+        </a:graphic>
+      </p:graphicFrame>
+      <p:graphicFrame>
+        <p:nvGraphicFramePr>
+          <p:cNvPr id="5" name="표 2">
+            <a:extLst>
+              <a:ext uri="{FF2B5EF4-FFF2-40B4-BE49-F238E27FC236}">
+                <a16:creationId xmlns:a16="http://schemas.microsoft.com/office/drawing/2014/main" id="{54B29617-2DF3-4120-A33B-35D4FFF37AE7}"/>
+              </a:ext>
+            </a:extLst>
+          </p:cNvPr>
+          <p:cNvGraphicFramePr>
+            <a:graphicFrameLocks noGrp="1"/>
+          </p:cNvGraphicFramePr>
+          <p:nvPr>
+            <p:extLst>
+              <p:ext uri="{D42A27DB-BD31-4B8C-83A1-F6EECF244321}">
+                <p14:modId xmlns:p14="http://schemas.microsoft.com/office/powerpoint/2010/main" val="2584279"/>
+              </p:ext>
+            </p:extLst>
+          </p:nvPr>
+        </p:nvGraphicFramePr>
+        <p:xfrm>
+          <a:off x="1480978" y="2308012"/>
+          <a:ext cx="9230043" cy="1828800"/>
+        </p:xfrm>
+        <a:graphic>
+          <a:graphicData uri="http://schemas.openxmlformats.org/drawingml/2006/table">
+            <a:tbl>
+              <a:tblPr firstRow="1" bandRow="1">
+                <a:tableStyleId>{5C22544A-7EE6-4342-B048-85BDC9FD1C3A}</a:tableStyleId>
+              </a:tblPr>
+              <a:tblGrid>
+                <a:gridCol w="9230043">
+                  <a:extLst>
+                    <a:ext uri="{9D8B030D-6E8A-4147-A177-3AD203B41FA5}">
+                      <a16:colId xmlns:a16="http://schemas.microsoft.com/office/drawing/2014/main" val="1841855998"/>
+                    </a:ext>
+                  </a:extLst>
+                </a:gridCol>
+              </a:tblGrid>
+              <a:tr h="0">
+                <a:tc>
+                  <a:txBody>
+                    <a:bodyPr/>
+                    <a:lstStyle/>
+                    <a:p>
+                      <a:pPr latinLnBrk="1"/>
+                      <a:r>
+                        <a:rPr lang="ko-KR" altLang="en-US" sz="1200" b="1" dirty="0">
+                          <a:solidFill>
+                            <a:schemeClr val="tx1"/>
+                          </a:solidFill>
+                        </a:rPr>
+                        <a:t>합 진행 규칙</a:t>
+                      </a:r>
+                    </a:p>
+                  </a:txBody>
+                  <a:tcPr>
+                    <a:lnL w="12700" cmpd="sng">
+                      <a:noFill/>
+                    </a:lnL>
+                    <a:lnR w="12700" cmpd="sng">
+                      <a:noFill/>
+                    </a:lnR>
+                    <a:lnT w="12700" cmpd="sng">
+                      <a:noFill/>
+                    </a:lnT>
+                    <a:lnB w="12700" cap="flat" cmpd="sng" algn="ctr">
+                      <a:solidFill>
+                        <a:schemeClr val="tx1"/>
+                      </a:solidFill>
+                      <a:prstDash val="solid"/>
+                      <a:round/>
+                      <a:headEnd type="none" w="med" len="med"/>
+                      <a:tailEnd type="none" w="med" len="med"/>
+                    </a:lnB>
+                    <a:lnTlToBr w="12700" cmpd="sng">
+                      <a:noFill/>
+                      <a:prstDash val="solid"/>
+                    </a:lnTlToBr>
+                    <a:lnBlToTr w="12700" cmpd="sng">
+                      <a:noFill/>
+                      <a:prstDash val="solid"/>
+                    </a:lnBlToTr>
+                    <a:noFill/>
+                  </a:tcPr>
+                </a:tc>
+                <a:extLst>
+                  <a:ext uri="{0D108BD9-81ED-4DB2-BD59-A6C34878D82A}">
+                    <a16:rowId xmlns:a16="http://schemas.microsoft.com/office/drawing/2014/main" val="1491086624"/>
+                  </a:ext>
+                </a:extLst>
+              </a:tr>
+              <a:tr h="0">
+                <a:tc>
+                  <a:txBody>
+                    <a:bodyPr/>
+                    <a:lstStyle/>
+                    <a:p>
+                      <a:pPr latinLnBrk="1"/>
+                      <a:r>
+                        <a:rPr lang="ko-KR" altLang="en-US" sz="1200" b="0" dirty="0">
+                          <a:solidFill>
+                            <a:schemeClr val="tx1"/>
+                          </a:solidFill>
+                        </a:rPr>
+                        <a:t>합 진행 중 방어자 또는 공격자가 행동 불능 상태</a:t>
+                      </a:r>
+                      <a:r>
+                        <a:rPr lang="en-US" altLang="ko-KR" sz="1200" b="0" dirty="0">
+                          <a:solidFill>
+                            <a:schemeClr val="tx1"/>
+                          </a:solidFill>
+                        </a:rPr>
+                        <a:t>(</a:t>
+                      </a:r>
+                      <a:r>
+                        <a:rPr lang="ko-KR" altLang="en-US" sz="1200" b="0" dirty="0">
+                          <a:solidFill>
+                            <a:schemeClr val="tx1"/>
+                          </a:solidFill>
+                        </a:rPr>
+                        <a:t>패닉</a:t>
+                      </a:r>
+                      <a:r>
+                        <a:rPr lang="en-US" altLang="ko-KR" sz="1200" b="0" dirty="0">
+                          <a:solidFill>
+                            <a:schemeClr val="tx1"/>
+                          </a:solidFill>
+                        </a:rPr>
+                        <a:t>, </a:t>
+                      </a:r>
+                      <a:r>
+                        <a:rPr lang="ko-KR" altLang="en-US" sz="1200" b="0" dirty="0">
+                          <a:solidFill>
+                            <a:schemeClr val="tx1"/>
+                          </a:solidFill>
+                        </a:rPr>
+                        <a:t>흐트러짐 등</a:t>
+                      </a:r>
+                      <a:r>
+                        <a:rPr lang="en-US" altLang="ko-KR" sz="1200" b="0" dirty="0">
+                          <a:solidFill>
+                            <a:schemeClr val="tx1"/>
+                          </a:solidFill>
+                        </a:rPr>
+                        <a:t>)</a:t>
+                      </a:r>
+                      <a:r>
+                        <a:rPr lang="ko-KR" altLang="en-US" sz="1200" b="0" dirty="0">
+                          <a:solidFill>
+                            <a:schemeClr val="tx1"/>
+                          </a:solidFill>
+                        </a:rPr>
+                        <a:t>에 따질 경우 합을 종료한다</a:t>
+                      </a:r>
+                      <a:r>
+                        <a:rPr lang="en-US" altLang="ko-KR" sz="1200" b="0" dirty="0">
+                          <a:solidFill>
+                            <a:schemeClr val="tx1"/>
+                          </a:solidFill>
+                        </a:rPr>
+                        <a:t>.</a:t>
+                      </a:r>
+                      <a:endParaRPr lang="ko-KR" altLang="en-US" sz="1200" b="0" dirty="0">
+                        <a:solidFill>
+                          <a:schemeClr val="tx1"/>
+                        </a:solidFill>
+                      </a:endParaRPr>
+                    </a:p>
+                  </a:txBody>
+                  <a:tcPr>
+                    <a:lnL w="12700" cmpd="sng">
+                      <a:noFill/>
+                    </a:lnL>
+                    <a:lnR w="12700" cmpd="sng">
+                      <a:noFill/>
+                    </a:lnR>
+                    <a:lnT w="12700" cap="flat" cmpd="sng" algn="ctr">
+                      <a:solidFill>
+                        <a:schemeClr val="tx1"/>
+                      </a:solidFill>
+                      <a:prstDash val="solid"/>
+                      <a:round/>
+                      <a:headEnd type="none" w="med" len="med"/>
+                      <a:tailEnd type="none" w="med" len="med"/>
+                    </a:lnT>
+                    <a:lnB w="12700" cap="flat" cmpd="sng" algn="ctr">
+                      <a:solidFill>
+                        <a:schemeClr val="tx1"/>
+                      </a:solidFill>
+                      <a:prstDash val="solid"/>
+                      <a:round/>
+                      <a:headEnd type="none" w="med" len="med"/>
+                      <a:tailEnd type="none" w="med" len="med"/>
+                    </a:lnB>
+                    <a:lnTlToBr w="12700" cmpd="sng">
+                      <a:noFill/>
+                      <a:prstDash val="solid"/>
+                    </a:lnTlToBr>
+                    <a:lnBlToTr w="12700" cmpd="sng">
+                      <a:noFill/>
+                      <a:prstDash val="solid"/>
+                    </a:lnBlToTr>
+                    <a:noFill/>
+                  </a:tcPr>
+                </a:tc>
+                <a:extLst>
+                  <a:ext uri="{0D108BD9-81ED-4DB2-BD59-A6C34878D82A}">
+                    <a16:rowId xmlns:a16="http://schemas.microsoft.com/office/drawing/2014/main" val="1743730106"/>
+                  </a:ext>
+                </a:extLst>
+              </a:tr>
+              <a:tr h="0">
+                <a:tc>
+                  <a:txBody>
+                    <a:bodyPr/>
+                    <a:lstStyle/>
+                    <a:p>
+                      <a:pPr latinLnBrk="1"/>
+                      <a:r>
+                        <a:rPr lang="ko-KR" altLang="en-US" sz="1200" b="0" dirty="0">
+                          <a:solidFill>
+                            <a:schemeClr val="tx1"/>
+                          </a:solidFill>
+                        </a:rPr>
+                        <a:t>합 진행 시 코인 시스템으로 방어자와 공격자의 스킬 위력을 계산한다</a:t>
+                      </a:r>
+                      <a:r>
+                        <a:rPr lang="en-US" altLang="ko-KR" sz="1200" b="0" dirty="0">
+                          <a:solidFill>
+                            <a:schemeClr val="tx1"/>
+                          </a:solidFill>
+                        </a:rPr>
+                        <a:t>.</a:t>
+                      </a:r>
+                      <a:endParaRPr lang="ko-KR" altLang="en-US" sz="1200" b="0" dirty="0">
+                        <a:solidFill>
+                          <a:schemeClr val="tx1"/>
+                        </a:solidFill>
+                      </a:endParaRPr>
+                    </a:p>
+                  </a:txBody>
+                  <a:tcPr>
+                    <a:lnL w="12700" cmpd="sng">
+                      <a:noFill/>
+                    </a:lnL>
+                    <a:lnR w="12700" cmpd="sng">
+                      <a:noFill/>
+                    </a:lnR>
+                    <a:lnT w="12700" cap="flat" cmpd="sng" algn="ctr">
+                      <a:solidFill>
+                        <a:schemeClr val="tx1"/>
+                      </a:solidFill>
+                      <a:prstDash val="solid"/>
+                      <a:round/>
+                      <a:headEnd type="none" w="med" len="med"/>
+                      <a:tailEnd type="none" w="med" len="med"/>
+                    </a:lnT>
+                    <a:lnB w="12700" cap="flat" cmpd="sng" algn="ctr">
+                      <a:solidFill>
+                        <a:schemeClr val="tx1"/>
+                      </a:solidFill>
+                      <a:prstDash val="solid"/>
+                      <a:round/>
+                      <a:headEnd type="none" w="med" len="med"/>
+                      <a:tailEnd type="none" w="med" len="med"/>
+                    </a:lnB>
+                    <a:lnTlToBr w="12700" cmpd="sng">
+                      <a:noFill/>
+                      <a:prstDash val="solid"/>
+                    </a:lnTlToBr>
+                    <a:lnBlToTr w="12700" cmpd="sng">
+                      <a:noFill/>
+                      <a:prstDash val="solid"/>
+                    </a:lnBlToTr>
+                    <a:noFill/>
+                  </a:tcPr>
+                </a:tc>
+                <a:extLst>
+                  <a:ext uri="{0D108BD9-81ED-4DB2-BD59-A6C34878D82A}">
+                    <a16:rowId xmlns:a16="http://schemas.microsoft.com/office/drawing/2014/main" val="3226441806"/>
+                  </a:ext>
+                </a:extLst>
+              </a:tr>
+              <a:tr h="0">
+                <a:tc>
+                  <a:txBody>
+                    <a:bodyPr/>
+                    <a:lstStyle/>
+                    <a:p>
+                      <a:pPr latinLnBrk="1"/>
+                      <a:r>
+                        <a:rPr lang="ko-KR" altLang="en-US" sz="1200" b="0" dirty="0">
+                          <a:solidFill>
+                            <a:schemeClr val="tx1"/>
+                          </a:solidFill>
+                        </a:rPr>
+                        <a:t>방어자와 공격자의 스킬 위력이 같을 경우 합을 무승부로 판정하고 합 횟수가 </a:t>
+                      </a:r>
+                      <a:r>
+                        <a:rPr lang="en-US" altLang="ko-KR" sz="1200" b="0" dirty="0">
+                          <a:solidFill>
+                            <a:schemeClr val="tx1"/>
+                          </a:solidFill>
+                        </a:rPr>
+                        <a:t>1 </a:t>
+                      </a:r>
+                      <a:r>
+                        <a:rPr lang="ko-KR" altLang="en-US" sz="1200" b="0" dirty="0">
+                          <a:solidFill>
+                            <a:schemeClr val="tx1"/>
+                          </a:solidFill>
+                        </a:rPr>
+                        <a:t>증가한다</a:t>
+                      </a:r>
+                      <a:r>
+                        <a:rPr lang="en-US" altLang="ko-KR" sz="1200" b="0" dirty="0">
+                          <a:solidFill>
+                            <a:schemeClr val="tx1"/>
+                          </a:solidFill>
+                        </a:rPr>
+                        <a:t>.</a:t>
+                      </a:r>
+                      <a:endParaRPr lang="ko-KR" altLang="en-US" sz="1200" b="0" dirty="0">
+                        <a:solidFill>
+                          <a:schemeClr val="tx1"/>
+                        </a:solidFill>
+                      </a:endParaRPr>
+                    </a:p>
+                  </a:txBody>
+                  <a:tcPr>
+                    <a:lnL w="12700" cmpd="sng">
+                      <a:noFill/>
+                    </a:lnL>
+                    <a:lnR w="12700" cmpd="sng">
+                      <a:noFill/>
+                    </a:lnR>
+                    <a:lnT w="12700" cap="flat" cmpd="sng" algn="ctr">
+                      <a:solidFill>
+                        <a:schemeClr val="tx1"/>
+                      </a:solidFill>
+                      <a:prstDash val="solid"/>
+                      <a:round/>
+                      <a:headEnd type="none" w="med" len="med"/>
+                      <a:tailEnd type="none" w="med" len="med"/>
+                    </a:lnT>
+                    <a:lnB w="12700" cap="flat" cmpd="sng" algn="ctr">
+                      <a:solidFill>
+                        <a:schemeClr val="tx1"/>
+                      </a:solidFill>
+                      <a:prstDash val="solid"/>
+                      <a:round/>
+                      <a:headEnd type="none" w="med" len="med"/>
+                      <a:tailEnd type="none" w="med" len="med"/>
+                    </a:lnB>
+                    <a:lnTlToBr w="12700" cmpd="sng">
+                      <a:noFill/>
+                      <a:prstDash val="solid"/>
+                    </a:lnTlToBr>
+                    <a:lnBlToTr w="12700" cmpd="sng">
+                      <a:noFill/>
+                      <a:prstDash val="solid"/>
+                    </a:lnBlToTr>
+                    <a:noFill/>
+                  </a:tcPr>
+                </a:tc>
+                <a:extLst>
+                  <a:ext uri="{0D108BD9-81ED-4DB2-BD59-A6C34878D82A}">
+                    <a16:rowId xmlns:a16="http://schemas.microsoft.com/office/drawing/2014/main" val="3897351682"/>
+                  </a:ext>
+                </a:extLst>
+              </a:tr>
+              <a:tr h="0">
+                <a:tc>
+                  <a:txBody>
+                    <a:bodyPr/>
+                    <a:lstStyle/>
+                    <a:p>
+                      <a:pPr latinLnBrk="1"/>
+                      <a:r>
+                        <a:rPr lang="ko-KR" altLang="en-US" sz="1200" b="0" dirty="0">
+                          <a:solidFill>
+                            <a:schemeClr val="tx1"/>
+                          </a:solidFill>
+                        </a:rPr>
+                        <a:t>방어자와 공격자의 스킬 위력이 다를 경우 스킬 위력이 낮은 쪽의 코인을 </a:t>
+                      </a:r>
+                      <a:r>
+                        <a:rPr lang="en-US" altLang="ko-KR" sz="1200" b="0" dirty="0">
+                          <a:solidFill>
+                            <a:schemeClr val="tx1"/>
+                          </a:solidFill>
+                        </a:rPr>
+                        <a:t>1</a:t>
+                      </a:r>
+                      <a:r>
+                        <a:rPr lang="ko-KR" altLang="en-US" sz="1200" b="0" dirty="0">
+                          <a:solidFill>
+                            <a:schemeClr val="tx1"/>
+                          </a:solidFill>
+                        </a:rPr>
+                        <a:t>개 파괴하고 합 횟수가 </a:t>
+                      </a:r>
+                      <a:r>
+                        <a:rPr lang="en-US" altLang="ko-KR" sz="1200" b="0" dirty="0">
+                          <a:solidFill>
+                            <a:schemeClr val="tx1"/>
+                          </a:solidFill>
+                        </a:rPr>
+                        <a:t>1 </a:t>
+                      </a:r>
+                      <a:r>
+                        <a:rPr lang="ko-KR" altLang="en-US" sz="1200" b="0" dirty="0">
+                          <a:solidFill>
+                            <a:schemeClr val="tx1"/>
+                          </a:solidFill>
+                        </a:rPr>
+                        <a:t>증가한다</a:t>
+                      </a:r>
+                      <a:r>
+                        <a:rPr lang="en-US" altLang="ko-KR" sz="1200" b="0" dirty="0">
+                          <a:solidFill>
+                            <a:schemeClr val="tx1"/>
+                          </a:solidFill>
+                        </a:rPr>
+                        <a:t>.</a:t>
+                      </a:r>
+                    </a:p>
+                    <a:p>
+                      <a:pPr latinLnBrk="1"/>
+                      <a:r>
+                        <a:rPr lang="en-US" altLang="ko-KR" sz="1200" b="0" dirty="0">
+                          <a:solidFill>
+                            <a:schemeClr val="tx1"/>
+                          </a:solidFill>
+                        </a:rPr>
+                        <a:t>(</a:t>
+                      </a:r>
+                      <a:r>
+                        <a:rPr lang="ko-KR" altLang="en-US" sz="1200" b="0" dirty="0">
+                          <a:solidFill>
+                            <a:schemeClr val="tx1"/>
+                          </a:solidFill>
+                        </a:rPr>
+                        <a:t>파괴 불가 코인의 경우 합 패배 시 깨진 코인으로 변경 및 파괴된 것으로 판정한다</a:t>
+                      </a:r>
+                      <a:r>
+                        <a:rPr lang="en-US" altLang="ko-KR" sz="1200" b="0" dirty="0">
+                          <a:solidFill>
+                            <a:schemeClr val="tx1"/>
+                          </a:solidFill>
+                        </a:rPr>
+                        <a:t>.)</a:t>
+                      </a:r>
+                      <a:endParaRPr lang="ko-KR" altLang="en-US" sz="1200" b="0" dirty="0">
+                        <a:solidFill>
+                          <a:schemeClr val="tx1"/>
+                        </a:solidFill>
+                      </a:endParaRPr>
+                    </a:p>
+                  </a:txBody>
+                  <a:tcPr>
+                    <a:lnL w="12700" cmpd="sng">
+                      <a:noFill/>
+                    </a:lnL>
+                    <a:lnR w="12700" cmpd="sng">
+                      <a:noFill/>
+                    </a:lnR>
+                    <a:lnT w="12700" cap="flat" cmpd="sng" algn="ctr">
+                      <a:solidFill>
+                        <a:schemeClr val="tx1"/>
+                      </a:solidFill>
+                      <a:prstDash val="solid"/>
+                      <a:round/>
+                      <a:headEnd type="none" w="med" len="med"/>
+                      <a:tailEnd type="none" w="med" len="med"/>
+                    </a:lnT>
+                    <a:lnB w="12700" cap="flat" cmpd="sng" algn="ctr">
+                      <a:solidFill>
+                        <a:schemeClr val="tx1"/>
+                      </a:solidFill>
+                      <a:prstDash val="solid"/>
+                      <a:round/>
+                      <a:headEnd type="none" w="med" len="med"/>
+                      <a:tailEnd type="none" w="med" len="med"/>
+                    </a:lnB>
+                    <a:lnTlToBr w="12700" cmpd="sng">
+                      <a:noFill/>
+                      <a:prstDash val="solid"/>
+                    </a:lnTlToBr>
+                    <a:lnBlToTr w="12700" cmpd="sng">
+                      <a:noFill/>
+                      <a:prstDash val="solid"/>
+                    </a:lnBlToTr>
+                    <a:noFill/>
+                  </a:tcPr>
+                </a:tc>
+                <a:extLst>
+                  <a:ext uri="{0D108BD9-81ED-4DB2-BD59-A6C34878D82A}">
+                    <a16:rowId xmlns:a16="http://schemas.microsoft.com/office/drawing/2014/main" val="2452091508"/>
+                  </a:ext>
+                </a:extLst>
+              </a:tr>
+              <a:tr h="0">
+                <a:tc>
+                  <a:txBody>
+                    <a:bodyPr/>
+                    <a:lstStyle/>
+                    <a:p>
+                      <a:pPr latinLnBrk="1"/>
+                      <a:r>
+                        <a:rPr lang="ko-KR" altLang="en-US" sz="1200" b="0" dirty="0">
+                          <a:solidFill>
+                            <a:schemeClr val="tx1"/>
+                          </a:solidFill>
+                        </a:rPr>
+                        <a:t>방어자와 공격자 둘 중에 한쪽의 코인이 모두 파괴될 때까지 합을 반복한다</a:t>
+                      </a:r>
+                      <a:r>
+                        <a:rPr lang="en-US" altLang="ko-KR" sz="1200" b="0" dirty="0">
+                          <a:solidFill>
+                            <a:schemeClr val="tx1"/>
+                          </a:solidFill>
+                        </a:rPr>
+                        <a:t>.</a:t>
+                      </a:r>
+                      <a:endParaRPr lang="ko-KR" altLang="en-US" sz="1200" b="0" dirty="0">
+                        <a:solidFill>
+                          <a:schemeClr val="tx1"/>
+                        </a:solidFill>
+                      </a:endParaRPr>
+                    </a:p>
+                  </a:txBody>
+                  <a:tcPr>
+                    <a:lnL w="12700" cmpd="sng">
+                      <a:noFill/>
+                    </a:lnL>
+                    <a:lnR w="12700" cmpd="sng">
+                      <a:noFill/>
+                    </a:lnR>
+                    <a:lnT w="12700" cap="flat" cmpd="sng" algn="ctr">
+                      <a:solidFill>
+                        <a:schemeClr val="tx1"/>
+                      </a:solidFill>
+                      <a:prstDash val="solid"/>
+                      <a:round/>
+                      <a:headEnd type="none" w="med" len="med"/>
+                      <a:tailEnd type="none" w="med" len="med"/>
+                    </a:lnT>
+                    <a:lnB w="12700" cmpd="sng">
+                      <a:noFill/>
+                    </a:lnB>
+                    <a:lnTlToBr w="12700" cmpd="sng">
+                      <a:noFill/>
+                      <a:prstDash val="solid"/>
+                    </a:lnTlToBr>
+                    <a:lnBlToTr w="12700" cmpd="sng">
+                      <a:noFill/>
+                      <a:prstDash val="solid"/>
+                    </a:lnBlToTr>
+                    <a:noFill/>
+                  </a:tcPr>
+                </a:tc>
+                <a:extLst>
+                  <a:ext uri="{0D108BD9-81ED-4DB2-BD59-A6C34878D82A}">
+                    <a16:rowId xmlns:a16="http://schemas.microsoft.com/office/drawing/2014/main" val="3781543556"/>
+                  </a:ext>
+                </a:extLst>
+              </a:tr>
+            </a:tbl>
+          </a:graphicData>
+        </a:graphic>
+      </p:graphicFrame>
+      <p:graphicFrame>
+        <p:nvGraphicFramePr>
+          <p:cNvPr id="6" name="표 2">
+            <a:extLst>
+              <a:ext uri="{FF2B5EF4-FFF2-40B4-BE49-F238E27FC236}">
+                <a16:creationId xmlns:a16="http://schemas.microsoft.com/office/drawing/2014/main" id="{B81519BB-B99B-496C-B89A-B86150BFD145}"/>
+              </a:ext>
+            </a:extLst>
+          </p:cNvPr>
+          <p:cNvGraphicFramePr>
+            <a:graphicFrameLocks noGrp="1"/>
+          </p:cNvGraphicFramePr>
+          <p:nvPr>
+            <p:extLst>
+              <p:ext uri="{D42A27DB-BD31-4B8C-83A1-F6EECF244321}">
+                <p14:modId xmlns:p14="http://schemas.microsoft.com/office/powerpoint/2010/main" val="2404661826"/>
+              </p:ext>
+            </p:extLst>
+          </p:nvPr>
+        </p:nvGraphicFramePr>
+        <p:xfrm>
+          <a:off x="1480978" y="4167294"/>
+          <a:ext cx="9230043" cy="1097280"/>
+        </p:xfrm>
+        <a:graphic>
+          <a:graphicData uri="http://schemas.openxmlformats.org/drawingml/2006/table">
+            <a:tbl>
+              <a:tblPr firstRow="1" bandRow="1">
+                <a:tableStyleId>{5C22544A-7EE6-4342-B048-85BDC9FD1C3A}</a:tableStyleId>
+              </a:tblPr>
+              <a:tblGrid>
+                <a:gridCol w="9230043">
+                  <a:extLst>
+                    <a:ext uri="{9D8B030D-6E8A-4147-A177-3AD203B41FA5}">
+                      <a16:colId xmlns:a16="http://schemas.microsoft.com/office/drawing/2014/main" val="1841855998"/>
+                    </a:ext>
+                  </a:extLst>
+                </a:gridCol>
+              </a:tblGrid>
+              <a:tr h="0">
+                <a:tc>
+                  <a:txBody>
+                    <a:bodyPr/>
+                    <a:lstStyle/>
+                    <a:p>
+                      <a:pPr latinLnBrk="1"/>
+                      <a:r>
+                        <a:rPr lang="ko-KR" altLang="en-US" sz="1200" b="1" dirty="0">
+                          <a:solidFill>
+                            <a:schemeClr val="tx1"/>
+                          </a:solidFill>
+                        </a:rPr>
+                        <a:t>합 종료 규칙</a:t>
+                      </a:r>
+                    </a:p>
+                  </a:txBody>
+                  <a:tcPr>
+                    <a:lnL w="12700" cmpd="sng">
+                      <a:noFill/>
+                    </a:lnL>
+                    <a:lnR w="12700" cmpd="sng">
+                      <a:noFill/>
+                    </a:lnR>
+                    <a:lnT w="12700" cmpd="sng">
+                      <a:noFill/>
+                    </a:lnT>
+                    <a:lnB w="12700" cap="flat" cmpd="sng" algn="ctr">
+                      <a:solidFill>
+                        <a:schemeClr val="tx1"/>
+                      </a:solidFill>
+                      <a:prstDash val="solid"/>
+                      <a:round/>
+                      <a:headEnd type="none" w="med" len="med"/>
+                      <a:tailEnd type="none" w="med" len="med"/>
+                    </a:lnB>
+                    <a:lnTlToBr w="12700" cmpd="sng">
+                      <a:noFill/>
+                      <a:prstDash val="solid"/>
+                    </a:lnTlToBr>
+                    <a:lnBlToTr w="12700" cmpd="sng">
+                      <a:noFill/>
+                      <a:prstDash val="solid"/>
+                    </a:lnBlToTr>
+                    <a:noFill/>
+                  </a:tcPr>
+                </a:tc>
+                <a:extLst>
+                  <a:ext uri="{0D108BD9-81ED-4DB2-BD59-A6C34878D82A}">
+                    <a16:rowId xmlns:a16="http://schemas.microsoft.com/office/drawing/2014/main" val="1491086624"/>
+                  </a:ext>
+                </a:extLst>
+              </a:tr>
+              <a:tr h="0">
+                <a:tc>
+                  <a:txBody>
+                    <a:bodyPr/>
+                    <a:lstStyle/>
+                    <a:p>
+                      <a:pPr latinLnBrk="1"/>
+                      <a:r>
+                        <a:rPr lang="ko-KR" altLang="en-US" sz="1200" b="0" dirty="0">
+                          <a:solidFill>
+                            <a:schemeClr val="tx1"/>
+                          </a:solidFill>
+                        </a:rPr>
+                        <a:t>방어자와 공격자 둘 중에 한쪽의 코인이 모두 파괴되면 합을 종료한다</a:t>
+                      </a:r>
+                      <a:r>
+                        <a:rPr lang="en-US" altLang="ko-KR" sz="1200" b="0" dirty="0">
+                          <a:solidFill>
+                            <a:schemeClr val="tx1"/>
+                          </a:solidFill>
+                        </a:rPr>
+                        <a:t>.</a:t>
+                      </a:r>
+                      <a:endParaRPr lang="ko-KR" altLang="en-US" sz="1200" b="0" dirty="0">
+                        <a:solidFill>
+                          <a:schemeClr val="tx1"/>
+                        </a:solidFill>
+                      </a:endParaRPr>
+                    </a:p>
+                  </a:txBody>
+                  <a:tcPr>
+                    <a:lnL w="12700" cmpd="sng">
+                      <a:noFill/>
+                    </a:lnL>
+                    <a:lnR w="12700" cmpd="sng">
+                      <a:noFill/>
+                    </a:lnR>
+                    <a:lnT w="12700" cap="flat" cmpd="sng" algn="ctr">
+                      <a:solidFill>
+                        <a:schemeClr val="tx1"/>
+                      </a:solidFill>
+                      <a:prstDash val="solid"/>
+                      <a:round/>
+                      <a:headEnd type="none" w="med" len="med"/>
+                      <a:tailEnd type="none" w="med" len="med"/>
+                    </a:lnT>
+                    <a:lnB w="12700" cap="flat" cmpd="sng" algn="ctr">
+                      <a:solidFill>
+                        <a:schemeClr val="tx1"/>
+                      </a:solidFill>
+                      <a:prstDash val="solid"/>
+                      <a:round/>
+                      <a:headEnd type="none" w="med" len="med"/>
+                      <a:tailEnd type="none" w="med" len="med"/>
+                    </a:lnB>
+                    <a:lnTlToBr w="12700" cmpd="sng">
+                      <a:noFill/>
+                      <a:prstDash val="solid"/>
+                    </a:lnTlToBr>
+                    <a:lnBlToTr w="12700" cmpd="sng">
+                      <a:noFill/>
+                      <a:prstDash val="solid"/>
+                    </a:lnBlToTr>
+                    <a:noFill/>
+                  </a:tcPr>
+                </a:tc>
+                <a:extLst>
+                  <a:ext uri="{0D108BD9-81ED-4DB2-BD59-A6C34878D82A}">
+                    <a16:rowId xmlns:a16="http://schemas.microsoft.com/office/drawing/2014/main" val="1632200975"/>
+                  </a:ext>
+                </a:extLst>
+              </a:tr>
+              <a:tr h="0">
+                <a:tc>
+                  <a:txBody>
+                    <a:bodyPr/>
+                    <a:lstStyle/>
+                    <a:p>
+                      <a:pPr latinLnBrk="1"/>
+                      <a:r>
+                        <a:rPr lang="ko-KR" altLang="en-US" sz="1200" b="0" dirty="0">
+                          <a:solidFill>
+                            <a:schemeClr val="tx1"/>
+                          </a:solidFill>
+                        </a:rPr>
+                        <a:t>합 종료 후 남은 코인의 개수에 따라서 스킬을 진행한다</a:t>
+                      </a:r>
+                      <a:r>
+                        <a:rPr lang="en-US" altLang="ko-KR" sz="1200" b="0" dirty="0">
+                          <a:solidFill>
+                            <a:schemeClr val="tx1"/>
+                          </a:solidFill>
+                        </a:rPr>
+                        <a:t>.</a:t>
+                      </a:r>
+                      <a:endParaRPr lang="ko-KR" altLang="en-US" sz="1200" b="0" dirty="0">
+                        <a:solidFill>
+                          <a:schemeClr val="tx1"/>
+                        </a:solidFill>
+                      </a:endParaRPr>
+                    </a:p>
+                  </a:txBody>
+                  <a:tcPr>
+                    <a:lnL w="12700" cmpd="sng">
+                      <a:noFill/>
+                    </a:lnL>
+                    <a:lnR w="12700" cmpd="sng">
+                      <a:noFill/>
+                    </a:lnR>
+                    <a:lnT w="12700" cap="flat" cmpd="sng" algn="ctr">
+                      <a:solidFill>
+                        <a:schemeClr val="tx1"/>
+                      </a:solidFill>
+                      <a:prstDash val="solid"/>
+                      <a:round/>
+                      <a:headEnd type="none" w="med" len="med"/>
+                      <a:tailEnd type="none" w="med" len="med"/>
+                    </a:lnT>
+                    <a:lnB w="12700" cap="flat" cmpd="sng" algn="ctr">
+                      <a:solidFill>
+                        <a:schemeClr val="tx1"/>
+                      </a:solidFill>
+                      <a:prstDash val="solid"/>
+                      <a:round/>
+                      <a:headEnd type="none" w="med" len="med"/>
+                      <a:tailEnd type="none" w="med" len="med"/>
+                    </a:lnB>
+                    <a:lnTlToBr w="12700" cmpd="sng">
+                      <a:noFill/>
+                      <a:prstDash val="solid"/>
+                    </a:lnTlToBr>
+                    <a:lnBlToTr w="12700" cmpd="sng">
+                      <a:noFill/>
+                      <a:prstDash val="solid"/>
+                    </a:lnBlToTr>
+                    <a:noFill/>
+                  </a:tcPr>
+                </a:tc>
+                <a:extLst>
+                  <a:ext uri="{0D108BD9-81ED-4DB2-BD59-A6C34878D82A}">
+                    <a16:rowId xmlns:a16="http://schemas.microsoft.com/office/drawing/2014/main" val="1743730106"/>
+                  </a:ext>
+                </a:extLst>
+              </a:tr>
+              <a:tr h="0">
+                <a:tc>
+                  <a:txBody>
+                    <a:bodyPr/>
+                    <a:lstStyle/>
+                    <a:p>
+                      <a:pPr latinLnBrk="1"/>
+                      <a:r>
+                        <a:rPr lang="ko-KR" altLang="en-US" sz="1200" b="0" dirty="0">
+                          <a:solidFill>
+                            <a:schemeClr val="tx1"/>
+                          </a:solidFill>
+                        </a:rPr>
+                        <a:t>스킬 진행 시 합을 진행한 숫자에 비례하여 스킬의 피해량이 증가한다</a:t>
+                      </a:r>
+                      <a:r>
+                        <a:rPr lang="en-US" altLang="ko-KR" sz="1200" b="0" dirty="0">
+                          <a:solidFill>
+                            <a:schemeClr val="tx1"/>
+                          </a:solidFill>
+                        </a:rPr>
+                        <a:t>. (</a:t>
+                      </a:r>
+                      <a:r>
+                        <a:rPr lang="ko-KR" altLang="en-US" sz="1200" b="0" dirty="0">
+                          <a:solidFill>
+                            <a:schemeClr val="tx1"/>
+                          </a:solidFill>
+                        </a:rPr>
+                        <a:t>진행한 합 횟수 당 </a:t>
+                      </a:r>
+                      <a:r>
+                        <a:rPr lang="en-US" altLang="ko-KR" sz="1200" b="0" dirty="0">
+                          <a:solidFill>
+                            <a:schemeClr val="tx1"/>
+                          </a:solidFill>
+                        </a:rPr>
+                        <a:t>3% </a:t>
+                      </a:r>
+                      <a:r>
+                        <a:rPr lang="ko-KR" altLang="en-US" sz="1200" b="0" dirty="0">
+                          <a:solidFill>
+                            <a:schemeClr val="tx1"/>
+                          </a:solidFill>
+                        </a:rPr>
+                        <a:t>증가</a:t>
+                      </a:r>
+                      <a:r>
+                        <a:rPr lang="en-US" altLang="ko-KR" sz="1200" b="0" dirty="0">
+                          <a:solidFill>
+                            <a:schemeClr val="tx1"/>
+                          </a:solidFill>
+                        </a:rPr>
+                        <a:t>)</a:t>
+                      </a:r>
+                      <a:endParaRPr lang="ko-KR" altLang="en-US" sz="1200" b="0" dirty="0">
+                        <a:solidFill>
+                          <a:schemeClr val="tx1"/>
+                        </a:solidFill>
+                      </a:endParaRPr>
+                    </a:p>
+                  </a:txBody>
+                  <a:tcPr>
+                    <a:lnL w="12700" cmpd="sng">
+                      <a:noFill/>
+                    </a:lnL>
+                    <a:lnR w="12700" cmpd="sng">
+                      <a:noFill/>
+                    </a:lnR>
+                    <a:lnT w="12700" cap="flat" cmpd="sng" algn="ctr">
+                      <a:solidFill>
+                        <a:schemeClr val="tx1"/>
+                      </a:solidFill>
+                      <a:prstDash val="solid"/>
+                      <a:round/>
+                      <a:headEnd type="none" w="med" len="med"/>
+                      <a:tailEnd type="none" w="med" len="med"/>
+                    </a:lnT>
+                    <a:lnB w="12700" cap="flat" cmpd="sng" algn="ctr">
+                      <a:solidFill>
+                        <a:schemeClr val="tx1"/>
+                      </a:solidFill>
+                      <a:prstDash val="solid"/>
+                      <a:round/>
+                      <a:headEnd type="none" w="med" len="med"/>
+                      <a:tailEnd type="none" w="med" len="med"/>
+                    </a:lnB>
+                    <a:lnTlToBr w="12700" cmpd="sng">
+                      <a:noFill/>
+                      <a:prstDash val="solid"/>
+                    </a:lnTlToBr>
+                    <a:lnBlToTr w="12700" cmpd="sng">
+                      <a:noFill/>
+                      <a:prstDash val="solid"/>
+                    </a:lnBlToTr>
+                    <a:noFill/>
+                  </a:tcPr>
+                </a:tc>
+                <a:extLst>
+                  <a:ext uri="{0D108BD9-81ED-4DB2-BD59-A6C34878D82A}">
+                    <a16:rowId xmlns:a16="http://schemas.microsoft.com/office/drawing/2014/main" val="3226441806"/>
+                  </a:ext>
+                </a:extLst>
+              </a:tr>
+            </a:tbl>
+          </a:graphicData>
+        </a:graphic>
+      </p:graphicFrame>
+      <p:sp>
+        <p:nvSpPr>
+          <p:cNvPr id="3" name="TextBox 2">
+            <a:extLst>
+              <a:ext uri="{FF2B5EF4-FFF2-40B4-BE49-F238E27FC236}">
+                <a16:creationId xmlns:a16="http://schemas.microsoft.com/office/drawing/2014/main" id="{9BF30A06-4565-46E4-9F75-F36E9529B799}"/>
+              </a:ext>
+            </a:extLst>
+          </p:cNvPr>
+          <p:cNvSpPr txBox="1"/>
           <p:nvPr/>
         </p:nvSpPr>
         <p:spPr>
           <a:xfrm>
-            <a:off x="905933" y="1693331"/>
-            <a:ext cx="778934" cy="220133"/>
+            <a:off x="1480978" y="5473356"/>
+            <a:ext cx="9144000" cy="400110"/>
           </a:xfrm>
           <a:prstGeom prst="rect">
             <a:avLst/>
           </a:prstGeom>
-        </p:spPr>
-        <p:style>
-          <a:lnRef idx="2">
-            <a:schemeClr val="accent1">
-              <a:shade val="50000"/>
-            </a:schemeClr>
-          </a:lnRef>
-          <a:fillRef idx="1">
-            <a:schemeClr val="accent1"/>
-          </a:fillRef>
-          <a:effectRef idx="0">
-            <a:schemeClr val="accent1"/>
-          </a:effectRef>
-          <a:fontRef idx="minor">
-            <a:schemeClr val="lt1"/>
-          </a:fontRef>
-        </p:style>
-        <p:txBody>
-          <a:bodyPr rtlCol="0" anchor="ctr"/>
+          <a:noFill/>
+        </p:spPr>
+        <p:txBody>
+          <a:bodyPr wrap="square" rtlCol="0">
+            <a:spAutoFit/>
+          </a:bodyPr>
           <a:lstStyle/>
           <a:p>
-            <a:pPr algn="ctr"/>
-            <a:r>
-              <a:rPr lang="ko-KR" altLang="en-US" sz="1400" dirty="0"/>
-              <a:t>턴 시작</a:t>
-            </a:r>
-          </a:p>
-        </p:txBody>
-      </p:sp>
-      <p:sp>
-        <p:nvSpPr>
-          <p:cNvPr id="5" name="직사각형 4">
-            <a:extLst>
-              <a:ext uri="{FF2B5EF4-FFF2-40B4-BE49-F238E27FC236}">
-                <a16:creationId xmlns:a16="http://schemas.microsoft.com/office/drawing/2014/main" id="{6BA88DFE-7CAD-4829-BA91-8B4E824E9636}"/>
-              </a:ext>
-            </a:extLst>
-          </p:cNvPr>
-          <p:cNvSpPr/>
-          <p:nvPr/>
-        </p:nvSpPr>
-        <p:spPr>
-          <a:xfrm>
-            <a:off x="1024466" y="1972710"/>
-            <a:ext cx="1032934" cy="220133"/>
-          </a:xfrm>
-          <a:prstGeom prst="rect">
-            <a:avLst/>
-          </a:prstGeom>
-        </p:spPr>
-        <p:style>
-          <a:lnRef idx="2">
-            <a:schemeClr val="accent1">
-              <a:shade val="50000"/>
-            </a:schemeClr>
-          </a:lnRef>
-          <a:fillRef idx="1">
-            <a:schemeClr val="accent1"/>
-          </a:fillRef>
-          <a:effectRef idx="0">
-            <a:schemeClr val="accent1"/>
-          </a:effectRef>
-          <a:fontRef idx="minor">
-            <a:schemeClr val="lt1"/>
-          </a:fontRef>
-        </p:style>
-        <p:txBody>
-          <a:bodyPr rtlCol="0" anchor="ctr"/>
-          <a:lstStyle/>
-          <a:p>
-            <a:pPr algn="ctr"/>
-            <a:r>
-              <a:rPr lang="ko-KR" altLang="en-US" sz="1400" dirty="0"/>
-              <a:t>속도 분배</a:t>
-            </a:r>
-          </a:p>
-        </p:txBody>
-      </p:sp>
-      <p:sp>
-        <p:nvSpPr>
-          <p:cNvPr id="6" name="직사각형 5">
-            <a:extLst>
-              <a:ext uri="{FF2B5EF4-FFF2-40B4-BE49-F238E27FC236}">
-                <a16:creationId xmlns:a16="http://schemas.microsoft.com/office/drawing/2014/main" id="{CB8ECB02-431B-4951-80F9-1638DE055910}"/>
-              </a:ext>
-            </a:extLst>
-          </p:cNvPr>
-          <p:cNvSpPr/>
-          <p:nvPr/>
-        </p:nvSpPr>
-        <p:spPr>
-          <a:xfrm>
-            <a:off x="2174871" y="1972710"/>
-            <a:ext cx="1227667" cy="220133"/>
-          </a:xfrm>
-          <a:prstGeom prst="rect">
-            <a:avLst/>
-          </a:prstGeom>
-        </p:spPr>
-        <p:style>
-          <a:lnRef idx="2">
-            <a:schemeClr val="accent1">
-              <a:shade val="50000"/>
-            </a:schemeClr>
-          </a:lnRef>
-          <a:fillRef idx="1">
-            <a:schemeClr val="accent1"/>
-          </a:fillRef>
-          <a:effectRef idx="0">
-            <a:schemeClr val="accent1"/>
-          </a:effectRef>
-          <a:fontRef idx="minor">
-            <a:schemeClr val="lt1"/>
-          </a:fontRef>
-        </p:style>
-        <p:txBody>
-          <a:bodyPr rtlCol="0" anchor="ctr"/>
-          <a:lstStyle/>
-          <a:p>
-            <a:pPr algn="ctr"/>
-            <a:r>
-              <a:rPr lang="ko-KR" altLang="en-US" sz="1400"/>
-              <a:t>수감자 명령</a:t>
-            </a:r>
-            <a:endParaRPr lang="ko-KR" altLang="en-US" sz="1400" dirty="0"/>
-          </a:p>
-        </p:txBody>
-      </p:sp>
-      <p:sp>
-        <p:nvSpPr>
-          <p:cNvPr id="9" name="직사각형 8">
-            <a:extLst>
-              <a:ext uri="{FF2B5EF4-FFF2-40B4-BE49-F238E27FC236}">
-                <a16:creationId xmlns:a16="http://schemas.microsoft.com/office/drawing/2014/main" id="{15B60002-0718-4DAC-B9AF-D3011ED64A4B}"/>
-              </a:ext>
-            </a:extLst>
-          </p:cNvPr>
-          <p:cNvSpPr/>
-          <p:nvPr/>
-        </p:nvSpPr>
-        <p:spPr>
-          <a:xfrm>
-            <a:off x="5210700" y="5178079"/>
-            <a:ext cx="1032935" cy="220133"/>
-          </a:xfrm>
-          <a:prstGeom prst="rect">
-            <a:avLst/>
-          </a:prstGeom>
-        </p:spPr>
-        <p:style>
-          <a:lnRef idx="2">
-            <a:schemeClr val="accent1">
-              <a:shade val="50000"/>
-            </a:schemeClr>
-          </a:lnRef>
-          <a:fillRef idx="1">
-            <a:schemeClr val="accent1"/>
-          </a:fillRef>
-          <a:effectRef idx="0">
-            <a:schemeClr val="accent1"/>
-          </a:effectRef>
-          <a:fontRef idx="minor">
-            <a:schemeClr val="lt1"/>
-          </a:fontRef>
-        </p:style>
-        <p:txBody>
-          <a:bodyPr rtlCol="0" anchor="ctr"/>
-          <a:lstStyle/>
-          <a:p>
-            <a:pPr algn="ctr"/>
-            <a:r>
-              <a:rPr lang="ko-KR" altLang="en-US" sz="1400" dirty="0"/>
-              <a:t>일반 공격</a:t>
-            </a:r>
-          </a:p>
-        </p:txBody>
-      </p:sp>
-      <p:sp>
-        <p:nvSpPr>
-          <p:cNvPr id="10" name="직사각형 9">
-            <a:extLst>
-              <a:ext uri="{FF2B5EF4-FFF2-40B4-BE49-F238E27FC236}">
-                <a16:creationId xmlns:a16="http://schemas.microsoft.com/office/drawing/2014/main" id="{72C4706B-0592-4ADA-B43C-76AB30E6AFE9}"/>
-              </a:ext>
-            </a:extLst>
-          </p:cNvPr>
-          <p:cNvSpPr/>
-          <p:nvPr/>
-        </p:nvSpPr>
-        <p:spPr>
-          <a:xfrm>
-            <a:off x="9703076" y="5709272"/>
-            <a:ext cx="1689102" cy="220133"/>
-          </a:xfrm>
-          <a:prstGeom prst="rect">
-            <a:avLst/>
-          </a:prstGeom>
-        </p:spPr>
-        <p:style>
-          <a:lnRef idx="2">
-            <a:schemeClr val="accent1">
-              <a:shade val="50000"/>
-            </a:schemeClr>
-          </a:lnRef>
-          <a:fillRef idx="1">
-            <a:schemeClr val="accent1"/>
-          </a:fillRef>
-          <a:effectRef idx="0">
-            <a:schemeClr val="accent1"/>
-          </a:effectRef>
-          <a:fontRef idx="minor">
-            <a:schemeClr val="lt1"/>
-          </a:fontRef>
-        </p:style>
-        <p:txBody>
-          <a:bodyPr rtlCol="0" anchor="ctr"/>
-          <a:lstStyle/>
-          <a:p>
-            <a:pPr algn="ctr"/>
-            <a:r>
-              <a:rPr lang="ko-KR" altLang="en-US" sz="1400" dirty="0"/>
-              <a:t>모든 수감자 명령</a:t>
-            </a:r>
-          </a:p>
-        </p:txBody>
-      </p:sp>
-      <p:sp>
-        <p:nvSpPr>
-          <p:cNvPr id="12" name="직사각형 11">
-            <a:extLst>
-              <a:ext uri="{FF2B5EF4-FFF2-40B4-BE49-F238E27FC236}">
-                <a16:creationId xmlns:a16="http://schemas.microsoft.com/office/drawing/2014/main" id="{9EEF8BC8-0EDA-4BDD-83D0-9A18C0B25124}"/>
-              </a:ext>
-            </a:extLst>
-          </p:cNvPr>
-          <p:cNvSpPr/>
-          <p:nvPr/>
-        </p:nvSpPr>
-        <p:spPr>
-          <a:xfrm>
-            <a:off x="2726000" y="4595226"/>
-            <a:ext cx="1382187" cy="220133"/>
-          </a:xfrm>
-          <a:prstGeom prst="rect">
-            <a:avLst/>
-          </a:prstGeom>
-        </p:spPr>
-        <p:style>
-          <a:lnRef idx="2">
-            <a:schemeClr val="accent1">
-              <a:shade val="50000"/>
-            </a:schemeClr>
-          </a:lnRef>
-          <a:fillRef idx="1">
-            <a:schemeClr val="accent1"/>
-          </a:fillRef>
-          <a:effectRef idx="0">
-            <a:schemeClr val="accent1"/>
-          </a:effectRef>
-          <a:fontRef idx="minor">
-            <a:schemeClr val="lt1"/>
-          </a:fontRef>
-        </p:style>
-        <p:txBody>
-          <a:bodyPr rtlCol="0" anchor="ctr"/>
-          <a:lstStyle/>
-          <a:p>
-            <a:pPr algn="ctr"/>
-            <a:r>
-              <a:rPr lang="ko-KR" altLang="en-US" sz="1400" dirty="0"/>
-              <a:t>수비 스킬 생성</a:t>
-            </a:r>
-          </a:p>
-        </p:txBody>
-      </p:sp>
-      <p:sp>
-        <p:nvSpPr>
-          <p:cNvPr id="13" name="직사각형 12">
-            <a:extLst>
-              <a:ext uri="{FF2B5EF4-FFF2-40B4-BE49-F238E27FC236}">
-                <a16:creationId xmlns:a16="http://schemas.microsoft.com/office/drawing/2014/main" id="{BE631A94-33A1-4EE5-A15B-7ED28161FAC4}"/>
-              </a:ext>
-            </a:extLst>
-          </p:cNvPr>
-          <p:cNvSpPr/>
-          <p:nvPr/>
-        </p:nvSpPr>
-        <p:spPr>
-          <a:xfrm>
-            <a:off x="4317743" y="4851069"/>
-            <a:ext cx="601132" cy="220133"/>
-          </a:xfrm>
-          <a:prstGeom prst="rect">
-            <a:avLst/>
-          </a:prstGeom>
-        </p:spPr>
-        <p:style>
-          <a:lnRef idx="2">
-            <a:schemeClr val="accent1">
-              <a:shade val="50000"/>
-            </a:schemeClr>
-          </a:lnRef>
-          <a:fillRef idx="1">
-            <a:schemeClr val="accent1"/>
-          </a:fillRef>
-          <a:effectRef idx="0">
-            <a:schemeClr val="accent1"/>
-          </a:effectRef>
-          <a:fontRef idx="minor">
-            <a:schemeClr val="lt1"/>
-          </a:fontRef>
-        </p:style>
-        <p:txBody>
-          <a:bodyPr rtlCol="0" anchor="ctr"/>
-          <a:lstStyle/>
-          <a:p>
-            <a:pPr algn="ctr"/>
-            <a:r>
-              <a:rPr lang="ko-KR" altLang="en-US" sz="1400" dirty="0"/>
-              <a:t>상쇄</a:t>
-            </a:r>
-          </a:p>
-        </p:txBody>
-      </p:sp>
-      <p:sp>
-        <p:nvSpPr>
-          <p:cNvPr id="14" name="직사각형 13">
-            <a:extLst>
-              <a:ext uri="{FF2B5EF4-FFF2-40B4-BE49-F238E27FC236}">
-                <a16:creationId xmlns:a16="http://schemas.microsoft.com/office/drawing/2014/main" id="{F86765E6-290E-41B3-8426-FEF3CF92BC2F}"/>
-              </a:ext>
-            </a:extLst>
-          </p:cNvPr>
-          <p:cNvSpPr/>
-          <p:nvPr/>
-        </p:nvSpPr>
-        <p:spPr>
-          <a:xfrm>
-            <a:off x="9478699" y="3326228"/>
-            <a:ext cx="792165" cy="220133"/>
-          </a:xfrm>
-          <a:prstGeom prst="rect">
-            <a:avLst/>
-          </a:prstGeom>
-        </p:spPr>
-        <p:style>
-          <a:lnRef idx="2">
-            <a:schemeClr val="accent1">
-              <a:shade val="50000"/>
-            </a:schemeClr>
-          </a:lnRef>
-          <a:fillRef idx="1">
-            <a:schemeClr val="accent1"/>
-          </a:fillRef>
-          <a:effectRef idx="0">
-            <a:schemeClr val="accent1"/>
-          </a:effectRef>
-          <a:fontRef idx="minor">
-            <a:schemeClr val="lt1"/>
-          </a:fontRef>
-        </p:style>
-        <p:txBody>
-          <a:bodyPr rtlCol="0" anchor="ctr"/>
-          <a:lstStyle/>
-          <a:p>
-            <a:pPr algn="ctr"/>
-            <a:r>
-              <a:rPr lang="ko-KR" altLang="en-US" sz="1400" dirty="0"/>
-              <a:t>합 시도</a:t>
-            </a:r>
-          </a:p>
-        </p:txBody>
-      </p:sp>
-      <p:sp>
-        <p:nvSpPr>
-          <p:cNvPr id="15" name="직사각형 14">
-            <a:extLst>
-              <a:ext uri="{FF2B5EF4-FFF2-40B4-BE49-F238E27FC236}">
-                <a16:creationId xmlns:a16="http://schemas.microsoft.com/office/drawing/2014/main" id="{05DAC428-37DF-4961-8BAA-5F50AA4E30C4}"/>
-              </a:ext>
-            </a:extLst>
-          </p:cNvPr>
-          <p:cNvSpPr/>
-          <p:nvPr/>
-        </p:nvSpPr>
-        <p:spPr>
-          <a:xfrm>
-            <a:off x="10410048" y="5991145"/>
-            <a:ext cx="982130" cy="220133"/>
-          </a:xfrm>
-          <a:prstGeom prst="rect">
-            <a:avLst/>
-          </a:prstGeom>
-        </p:spPr>
-        <p:style>
-          <a:lnRef idx="2">
-            <a:schemeClr val="accent1">
-              <a:shade val="50000"/>
-            </a:schemeClr>
-          </a:lnRef>
-          <a:fillRef idx="1">
-            <a:schemeClr val="accent1"/>
-          </a:fillRef>
-          <a:effectRef idx="0">
-            <a:schemeClr val="accent1"/>
-          </a:effectRef>
-          <a:fontRef idx="minor">
-            <a:schemeClr val="lt1"/>
-          </a:fontRef>
-        </p:style>
-        <p:txBody>
-          <a:bodyPr rtlCol="0" anchor="ctr"/>
-          <a:lstStyle/>
-          <a:p>
-            <a:pPr algn="ctr"/>
-            <a:r>
-              <a:rPr lang="ko-KR" altLang="en-US" sz="1400" dirty="0"/>
-              <a:t>명령 실행</a:t>
-            </a:r>
-          </a:p>
-        </p:txBody>
-      </p:sp>
-      <p:sp>
-        <p:nvSpPr>
-          <p:cNvPr id="16" name="직사각형 15">
-            <a:extLst>
-              <a:ext uri="{FF2B5EF4-FFF2-40B4-BE49-F238E27FC236}">
-                <a16:creationId xmlns:a16="http://schemas.microsoft.com/office/drawing/2014/main" id="{3DD43100-F68A-4ED9-9466-44EE2D1DE670}"/>
-              </a:ext>
-            </a:extLst>
-          </p:cNvPr>
-          <p:cNvSpPr/>
-          <p:nvPr/>
-        </p:nvSpPr>
-        <p:spPr>
-          <a:xfrm>
-            <a:off x="8199439" y="3973726"/>
-            <a:ext cx="1566334" cy="220133"/>
-          </a:xfrm>
-          <a:prstGeom prst="rect">
-            <a:avLst/>
-          </a:prstGeom>
-        </p:spPr>
-        <p:style>
-          <a:lnRef idx="2">
-            <a:schemeClr val="accent1">
-              <a:shade val="50000"/>
-            </a:schemeClr>
-          </a:lnRef>
-          <a:fillRef idx="1">
-            <a:schemeClr val="accent1"/>
-          </a:fillRef>
-          <a:effectRef idx="0">
-            <a:schemeClr val="accent1"/>
-          </a:effectRef>
-          <a:fontRef idx="minor">
-            <a:schemeClr val="lt1"/>
-          </a:fontRef>
-        </p:style>
-        <p:txBody>
-          <a:bodyPr rtlCol="0" anchor="ctr"/>
-          <a:lstStyle/>
-          <a:p>
-            <a:pPr algn="ctr"/>
-            <a:r>
-              <a:rPr lang="ko-KR" altLang="en-US" sz="1400" dirty="0"/>
-              <a:t>스킬 타겟 수감자</a:t>
-            </a:r>
-          </a:p>
-        </p:txBody>
-      </p:sp>
-      <p:sp>
-        <p:nvSpPr>
-          <p:cNvPr id="18" name="직사각형 17">
-            <a:extLst>
-              <a:ext uri="{FF2B5EF4-FFF2-40B4-BE49-F238E27FC236}">
-                <a16:creationId xmlns:a16="http://schemas.microsoft.com/office/drawing/2014/main" id="{90E45809-876B-44C4-808F-3FDB19D01B24}"/>
-              </a:ext>
-            </a:extLst>
-          </p:cNvPr>
-          <p:cNvSpPr/>
-          <p:nvPr/>
-        </p:nvSpPr>
-        <p:spPr>
-          <a:xfrm>
-            <a:off x="905933" y="1380064"/>
-            <a:ext cx="1032934" cy="220133"/>
-          </a:xfrm>
-          <a:prstGeom prst="rect">
-            <a:avLst/>
-          </a:prstGeom>
-        </p:spPr>
-        <p:style>
-          <a:lnRef idx="2">
-            <a:schemeClr val="accent1">
-              <a:shade val="50000"/>
-            </a:schemeClr>
-          </a:lnRef>
-          <a:fillRef idx="1">
-            <a:schemeClr val="accent1"/>
-          </a:fillRef>
-          <a:effectRef idx="0">
-            <a:schemeClr val="accent1"/>
-          </a:effectRef>
-          <a:fontRef idx="minor">
-            <a:schemeClr val="lt1"/>
-          </a:fontRef>
-        </p:style>
-        <p:txBody>
-          <a:bodyPr rtlCol="0" anchor="ctr"/>
-          <a:lstStyle/>
-          <a:p>
-            <a:pPr algn="ctr"/>
-            <a:r>
-              <a:rPr lang="ko-KR" altLang="en-US" sz="1400"/>
-              <a:t>집중 전투</a:t>
-            </a:r>
-            <a:endParaRPr lang="ko-KR" altLang="en-US" sz="1400" dirty="0"/>
-          </a:p>
-        </p:txBody>
-      </p:sp>
-      <p:sp>
-        <p:nvSpPr>
-          <p:cNvPr id="19" name="직사각형 18">
-            <a:extLst>
-              <a:ext uri="{FF2B5EF4-FFF2-40B4-BE49-F238E27FC236}">
-                <a16:creationId xmlns:a16="http://schemas.microsoft.com/office/drawing/2014/main" id="{E53CDACD-A25E-4850-BC22-DA4B13972A37}"/>
-              </a:ext>
-            </a:extLst>
-          </p:cNvPr>
-          <p:cNvSpPr/>
-          <p:nvPr/>
-        </p:nvSpPr>
-        <p:spPr>
-          <a:xfrm>
-            <a:off x="2624399" y="2527224"/>
-            <a:ext cx="982135" cy="220133"/>
-          </a:xfrm>
-          <a:prstGeom prst="rect">
-            <a:avLst/>
-          </a:prstGeom>
-        </p:spPr>
-        <p:style>
-          <a:lnRef idx="2">
-            <a:schemeClr val="accent1">
-              <a:shade val="50000"/>
-            </a:schemeClr>
-          </a:lnRef>
-          <a:fillRef idx="1">
-            <a:schemeClr val="accent1"/>
-          </a:fillRef>
-          <a:effectRef idx="0">
-            <a:schemeClr val="accent1"/>
-          </a:effectRef>
-          <a:fontRef idx="minor">
-            <a:schemeClr val="lt1"/>
-          </a:fontRef>
-        </p:style>
-        <p:txBody>
-          <a:bodyPr rtlCol="0" anchor="ctr"/>
-          <a:lstStyle/>
-          <a:p>
-            <a:pPr algn="ctr"/>
-            <a:r>
-              <a:rPr lang="ko-KR" altLang="en-US" sz="1400" dirty="0"/>
-              <a:t>스킬 선택</a:t>
-            </a:r>
-          </a:p>
-        </p:txBody>
-      </p:sp>
-      <p:sp>
-        <p:nvSpPr>
-          <p:cNvPr id="20" name="직사각형 19">
-            <a:extLst>
-              <a:ext uri="{FF2B5EF4-FFF2-40B4-BE49-F238E27FC236}">
-                <a16:creationId xmlns:a16="http://schemas.microsoft.com/office/drawing/2014/main" id="{9EA6E895-983B-4EF9-AF35-53DDA53675B7}"/>
-              </a:ext>
-            </a:extLst>
-          </p:cNvPr>
-          <p:cNvSpPr/>
-          <p:nvPr/>
-        </p:nvSpPr>
-        <p:spPr>
-          <a:xfrm>
-            <a:off x="4750066" y="2194931"/>
-            <a:ext cx="982135" cy="220133"/>
-          </a:xfrm>
-          <a:prstGeom prst="rect">
-            <a:avLst/>
-          </a:prstGeom>
-        </p:spPr>
-        <p:style>
-          <a:lnRef idx="2">
-            <a:schemeClr val="accent1">
-              <a:shade val="50000"/>
-            </a:schemeClr>
-          </a:lnRef>
-          <a:fillRef idx="1">
-            <a:schemeClr val="accent1"/>
-          </a:fillRef>
-          <a:effectRef idx="0">
-            <a:schemeClr val="accent1"/>
-          </a:effectRef>
-          <a:fontRef idx="minor">
-            <a:schemeClr val="lt1"/>
-          </a:fontRef>
-        </p:style>
-        <p:txBody>
-          <a:bodyPr rtlCol="0" anchor="ctr"/>
-          <a:lstStyle/>
-          <a:p>
-            <a:pPr algn="ctr"/>
-            <a:r>
-              <a:rPr lang="ko-KR" altLang="en-US" sz="1400" dirty="0"/>
-              <a:t>타겟 선택</a:t>
-            </a:r>
-          </a:p>
-        </p:txBody>
-      </p:sp>
-      <p:sp>
-        <p:nvSpPr>
-          <p:cNvPr id="21" name="직사각형 20">
-            <a:extLst>
-              <a:ext uri="{FF2B5EF4-FFF2-40B4-BE49-F238E27FC236}">
-                <a16:creationId xmlns:a16="http://schemas.microsoft.com/office/drawing/2014/main" id="{C727E231-6984-44F1-8BC8-6E588D4FBCBD}"/>
-              </a:ext>
-            </a:extLst>
-          </p:cNvPr>
-          <p:cNvSpPr/>
-          <p:nvPr/>
-        </p:nvSpPr>
-        <p:spPr>
-          <a:xfrm>
-            <a:off x="2726000" y="3046838"/>
-            <a:ext cx="1466856" cy="220133"/>
-          </a:xfrm>
-          <a:prstGeom prst="rect">
-            <a:avLst/>
-          </a:prstGeom>
-        </p:spPr>
-        <p:style>
-          <a:lnRef idx="2">
-            <a:schemeClr val="accent1">
-              <a:shade val="50000"/>
-            </a:schemeClr>
-          </a:lnRef>
-          <a:fillRef idx="1">
-            <a:schemeClr val="accent1"/>
-          </a:fillRef>
-          <a:effectRef idx="0">
-            <a:schemeClr val="accent1"/>
-          </a:effectRef>
-          <a:fontRef idx="minor">
-            <a:schemeClr val="lt1"/>
-          </a:fontRef>
-        </p:style>
-        <p:txBody>
-          <a:bodyPr rtlCol="0" anchor="ctr"/>
-          <a:lstStyle/>
-          <a:p>
-            <a:pPr algn="ctr"/>
-            <a:r>
-              <a:rPr lang="en-US" altLang="ko-KR" sz="1400" dirty="0"/>
-              <a:t>E.G.O</a:t>
-            </a:r>
-            <a:r>
-              <a:rPr lang="ko-KR" altLang="en-US" sz="1400" dirty="0"/>
-              <a:t> 스킬 생성</a:t>
-            </a:r>
-          </a:p>
-        </p:txBody>
-      </p:sp>
-      <p:sp>
-        <p:nvSpPr>
-          <p:cNvPr id="22" name="직사각형 21">
-            <a:extLst>
-              <a:ext uri="{FF2B5EF4-FFF2-40B4-BE49-F238E27FC236}">
-                <a16:creationId xmlns:a16="http://schemas.microsoft.com/office/drawing/2014/main" id="{2B848FF1-D934-4C4C-B8EB-578D54671AA0}"/>
-              </a:ext>
-            </a:extLst>
-          </p:cNvPr>
-          <p:cNvSpPr/>
-          <p:nvPr/>
-        </p:nvSpPr>
-        <p:spPr>
-          <a:xfrm>
-            <a:off x="4293389" y="3051064"/>
-            <a:ext cx="577859" cy="220133"/>
-          </a:xfrm>
-          <a:prstGeom prst="rect">
-            <a:avLst/>
-          </a:prstGeom>
-        </p:spPr>
-        <p:style>
-          <a:lnRef idx="2">
-            <a:schemeClr val="accent1">
-              <a:shade val="50000"/>
-            </a:schemeClr>
-          </a:lnRef>
-          <a:fillRef idx="1">
-            <a:schemeClr val="accent1"/>
-          </a:fillRef>
-          <a:effectRef idx="0">
-            <a:schemeClr val="accent1"/>
-          </a:effectRef>
-          <a:fontRef idx="minor">
-            <a:schemeClr val="lt1"/>
-          </a:fontRef>
-        </p:style>
-        <p:txBody>
-          <a:bodyPr rtlCol="0" anchor="ctr"/>
-          <a:lstStyle/>
-          <a:p>
-            <a:pPr algn="ctr"/>
-            <a:r>
-              <a:rPr lang="ko-KR" altLang="en-US" sz="1400"/>
-              <a:t>각성</a:t>
-            </a:r>
-            <a:endParaRPr lang="ko-KR" altLang="en-US" sz="1400" dirty="0"/>
-          </a:p>
-        </p:txBody>
-      </p:sp>
-      <p:sp>
-        <p:nvSpPr>
-          <p:cNvPr id="23" name="직사각형 22">
-            <a:extLst>
-              <a:ext uri="{FF2B5EF4-FFF2-40B4-BE49-F238E27FC236}">
-                <a16:creationId xmlns:a16="http://schemas.microsoft.com/office/drawing/2014/main" id="{297B19E5-19B0-4B59-B263-F40852E3CB19}"/>
-              </a:ext>
-            </a:extLst>
-          </p:cNvPr>
-          <p:cNvSpPr/>
-          <p:nvPr/>
-        </p:nvSpPr>
-        <p:spPr>
-          <a:xfrm>
-            <a:off x="4293389" y="3343159"/>
-            <a:ext cx="577859" cy="220133"/>
-          </a:xfrm>
-          <a:prstGeom prst="rect">
-            <a:avLst/>
-          </a:prstGeom>
-        </p:spPr>
-        <p:style>
-          <a:lnRef idx="2">
-            <a:schemeClr val="accent1">
-              <a:shade val="50000"/>
-            </a:schemeClr>
-          </a:lnRef>
-          <a:fillRef idx="1">
-            <a:schemeClr val="accent1"/>
-          </a:fillRef>
-          <a:effectRef idx="0">
-            <a:schemeClr val="accent1"/>
-          </a:effectRef>
-          <a:fontRef idx="minor">
-            <a:schemeClr val="lt1"/>
-          </a:fontRef>
-        </p:style>
-        <p:txBody>
-          <a:bodyPr rtlCol="0" anchor="ctr"/>
-          <a:lstStyle/>
-          <a:p>
-            <a:pPr algn="ctr"/>
-            <a:r>
-              <a:rPr lang="ko-KR" altLang="en-US" sz="1400" dirty="0"/>
-              <a:t>침식</a:t>
-            </a:r>
-          </a:p>
-        </p:txBody>
-      </p:sp>
-      <p:sp>
-        <p:nvSpPr>
-          <p:cNvPr id="24" name="직사각형 23">
-            <a:extLst>
-              <a:ext uri="{FF2B5EF4-FFF2-40B4-BE49-F238E27FC236}">
-                <a16:creationId xmlns:a16="http://schemas.microsoft.com/office/drawing/2014/main" id="{205D1DD2-8F19-4E2B-8625-FC8DFEB2602D}"/>
-              </a:ext>
-            </a:extLst>
-          </p:cNvPr>
-          <p:cNvSpPr/>
-          <p:nvPr/>
-        </p:nvSpPr>
-        <p:spPr>
-          <a:xfrm>
-            <a:off x="2726001" y="2787558"/>
-            <a:ext cx="1013878" cy="220133"/>
-          </a:xfrm>
-          <a:prstGeom prst="rect">
-            <a:avLst/>
-          </a:prstGeom>
-        </p:spPr>
-        <p:style>
-          <a:lnRef idx="2">
-            <a:schemeClr val="accent1">
-              <a:shade val="50000"/>
-            </a:schemeClr>
-          </a:lnRef>
-          <a:fillRef idx="1">
-            <a:schemeClr val="accent1"/>
-          </a:fillRef>
-          <a:effectRef idx="0">
-            <a:schemeClr val="accent1"/>
-          </a:effectRef>
-          <a:fontRef idx="minor">
-            <a:schemeClr val="lt1"/>
-          </a:fontRef>
-        </p:style>
-        <p:txBody>
-          <a:bodyPr rtlCol="0" anchor="ctr"/>
-          <a:lstStyle/>
-          <a:p>
-            <a:pPr algn="ctr"/>
-            <a:r>
-              <a:rPr lang="ko-KR" altLang="en-US" sz="1400"/>
-              <a:t>일반 스킬</a:t>
-            </a:r>
-            <a:endParaRPr lang="ko-KR" altLang="en-US" sz="1400" dirty="0"/>
-          </a:p>
-        </p:txBody>
-      </p:sp>
-      <p:sp>
-        <p:nvSpPr>
-          <p:cNvPr id="25" name="직사각형 24">
-            <a:extLst>
-              <a:ext uri="{FF2B5EF4-FFF2-40B4-BE49-F238E27FC236}">
-                <a16:creationId xmlns:a16="http://schemas.microsoft.com/office/drawing/2014/main" id="{0B056E04-13FC-4D07-B308-A132FA1B0278}"/>
-              </a:ext>
-            </a:extLst>
-          </p:cNvPr>
-          <p:cNvSpPr/>
-          <p:nvPr/>
-        </p:nvSpPr>
-        <p:spPr>
-          <a:xfrm>
-            <a:off x="5732201" y="2772512"/>
-            <a:ext cx="2405598" cy="220133"/>
-          </a:xfrm>
-          <a:prstGeom prst="rect">
-            <a:avLst/>
-          </a:prstGeom>
-        </p:spPr>
-        <p:style>
-          <a:lnRef idx="2">
-            <a:schemeClr val="accent1">
-              <a:shade val="50000"/>
-            </a:schemeClr>
-          </a:lnRef>
-          <a:fillRef idx="1">
-            <a:schemeClr val="accent1"/>
-          </a:fillRef>
-          <a:effectRef idx="0">
-            <a:schemeClr val="accent1"/>
-          </a:effectRef>
-          <a:fontRef idx="minor">
-            <a:schemeClr val="lt1"/>
-          </a:fontRef>
-        </p:style>
-        <p:txBody>
-          <a:bodyPr rtlCol="0" anchor="ctr"/>
-          <a:lstStyle/>
-          <a:p>
-            <a:pPr algn="ctr"/>
-            <a:r>
-              <a:rPr lang="ko-KR" altLang="en-US" sz="1400" dirty="0"/>
-              <a:t>수감자 속도 ≥ 타겟 속도</a:t>
-            </a:r>
-          </a:p>
-        </p:txBody>
-      </p:sp>
-      <p:sp>
-        <p:nvSpPr>
-          <p:cNvPr id="26" name="직사각형 25">
-            <a:extLst>
-              <a:ext uri="{FF2B5EF4-FFF2-40B4-BE49-F238E27FC236}">
-                <a16:creationId xmlns:a16="http://schemas.microsoft.com/office/drawing/2014/main" id="{7E0D14FD-038C-45E7-B26B-F38385720FD4}"/>
-              </a:ext>
-            </a:extLst>
-          </p:cNvPr>
-          <p:cNvSpPr/>
-          <p:nvPr/>
-        </p:nvSpPr>
-        <p:spPr>
-          <a:xfrm>
-            <a:off x="5732201" y="4083793"/>
-            <a:ext cx="2405598" cy="220133"/>
-          </a:xfrm>
-          <a:prstGeom prst="rect">
-            <a:avLst/>
-          </a:prstGeom>
-        </p:spPr>
-        <p:style>
-          <a:lnRef idx="2">
-            <a:schemeClr val="accent1">
-              <a:shade val="50000"/>
-            </a:schemeClr>
-          </a:lnRef>
-          <a:fillRef idx="1">
-            <a:schemeClr val="accent1"/>
-          </a:fillRef>
-          <a:effectRef idx="0">
-            <a:schemeClr val="accent1"/>
-          </a:effectRef>
-          <a:fontRef idx="minor">
-            <a:schemeClr val="lt1"/>
-          </a:fontRef>
-        </p:style>
-        <p:txBody>
-          <a:bodyPr rtlCol="0" anchor="ctr"/>
-          <a:lstStyle/>
-          <a:p>
-            <a:pPr algn="ctr"/>
-            <a:r>
-              <a:rPr lang="ko-KR" altLang="en-US" sz="1400" dirty="0"/>
-              <a:t>수감자 속도 ＜ 타겟 속도</a:t>
-            </a:r>
-          </a:p>
-        </p:txBody>
-      </p:sp>
-      <p:sp>
-        <p:nvSpPr>
-          <p:cNvPr id="27" name="직사각형 26">
-            <a:extLst>
-              <a:ext uri="{FF2B5EF4-FFF2-40B4-BE49-F238E27FC236}">
-                <a16:creationId xmlns:a16="http://schemas.microsoft.com/office/drawing/2014/main" id="{99F45442-B0E6-44DD-85C9-B12A517EA887}"/>
-              </a:ext>
-            </a:extLst>
-          </p:cNvPr>
-          <p:cNvSpPr/>
-          <p:nvPr/>
-        </p:nvSpPr>
-        <p:spPr>
-          <a:xfrm>
-            <a:off x="4192856" y="4273488"/>
-            <a:ext cx="850907" cy="220133"/>
-          </a:xfrm>
-          <a:prstGeom prst="rect">
-            <a:avLst/>
-          </a:prstGeom>
-        </p:spPr>
-        <p:style>
-          <a:lnRef idx="2">
-            <a:schemeClr val="accent1">
-              <a:shade val="50000"/>
-            </a:schemeClr>
-          </a:lnRef>
-          <a:fillRef idx="1">
-            <a:schemeClr val="accent1"/>
-          </a:fillRef>
-          <a:effectRef idx="0">
-            <a:schemeClr val="accent1"/>
-          </a:effectRef>
-          <a:fontRef idx="minor">
-            <a:schemeClr val="lt1"/>
-          </a:fontRef>
-        </p:style>
-        <p:txBody>
-          <a:bodyPr rtlCol="0" anchor="ctr"/>
-          <a:lstStyle/>
-          <a:p>
-            <a:pPr algn="ctr"/>
-            <a:r>
-              <a:rPr lang="ko-KR" altLang="en-US" sz="1400"/>
-              <a:t>합 가능</a:t>
-            </a:r>
-            <a:endParaRPr lang="ko-KR" altLang="en-US" sz="1400" dirty="0"/>
-          </a:p>
-        </p:txBody>
-      </p:sp>
-      <p:sp>
-        <p:nvSpPr>
-          <p:cNvPr id="28" name="직사각형 27">
-            <a:extLst>
-              <a:ext uri="{FF2B5EF4-FFF2-40B4-BE49-F238E27FC236}">
-                <a16:creationId xmlns:a16="http://schemas.microsoft.com/office/drawing/2014/main" id="{38D5FC6F-0F21-4EF0-867A-50755AEC53C5}"/>
-              </a:ext>
-            </a:extLst>
-          </p:cNvPr>
-          <p:cNvSpPr/>
-          <p:nvPr/>
-        </p:nvSpPr>
-        <p:spPr>
-          <a:xfrm>
-            <a:off x="7496442" y="3056130"/>
-            <a:ext cx="1882773" cy="220133"/>
-          </a:xfrm>
-          <a:prstGeom prst="rect">
-            <a:avLst/>
-          </a:prstGeom>
-        </p:spPr>
-        <p:style>
-          <a:lnRef idx="2">
-            <a:schemeClr val="accent1">
-              <a:shade val="50000"/>
-            </a:schemeClr>
-          </a:lnRef>
-          <a:fillRef idx="1">
-            <a:schemeClr val="accent1"/>
-          </a:fillRef>
-          <a:effectRef idx="0">
-            <a:schemeClr val="accent1"/>
-          </a:effectRef>
-          <a:fontRef idx="minor">
-            <a:schemeClr val="lt1"/>
-          </a:fontRef>
-        </p:style>
-        <p:txBody>
-          <a:bodyPr rtlCol="0" anchor="ctr"/>
-          <a:lstStyle/>
-          <a:p>
-            <a:pPr algn="ctr"/>
-            <a:r>
-              <a:rPr lang="ko-KR" altLang="en-US" sz="1400" dirty="0"/>
-              <a:t>이전 합 시도 수감자</a:t>
-            </a:r>
-          </a:p>
-        </p:txBody>
-      </p:sp>
-      <p:sp>
-        <p:nvSpPr>
-          <p:cNvPr id="29" name="직사각형 28">
-            <a:extLst>
-              <a:ext uri="{FF2B5EF4-FFF2-40B4-BE49-F238E27FC236}">
-                <a16:creationId xmlns:a16="http://schemas.microsoft.com/office/drawing/2014/main" id="{F7D2441F-2897-413B-BE50-DAF957155623}"/>
-              </a:ext>
-            </a:extLst>
-          </p:cNvPr>
-          <p:cNvSpPr/>
-          <p:nvPr/>
-        </p:nvSpPr>
-        <p:spPr>
-          <a:xfrm>
-            <a:off x="7145600" y="3326228"/>
-            <a:ext cx="2236257" cy="220133"/>
-          </a:xfrm>
-          <a:prstGeom prst="rect">
-            <a:avLst/>
-          </a:prstGeom>
-        </p:spPr>
-        <p:style>
-          <a:lnRef idx="2">
-            <a:schemeClr val="accent1">
-              <a:shade val="50000"/>
-            </a:schemeClr>
-          </a:lnRef>
-          <a:fillRef idx="1">
-            <a:schemeClr val="accent1"/>
-          </a:fillRef>
-          <a:effectRef idx="0">
-            <a:schemeClr val="accent1"/>
-          </a:effectRef>
-          <a:fontRef idx="minor">
-            <a:schemeClr val="lt1"/>
-          </a:fontRef>
-        </p:style>
-        <p:txBody>
-          <a:bodyPr rtlCol="0" anchor="ctr"/>
-          <a:lstStyle/>
-          <a:p>
-            <a:pPr algn="ctr"/>
-            <a:r>
-              <a:rPr lang="ko-KR" altLang="en-US" sz="1400" dirty="0"/>
-              <a:t>스킬 타겟 본인으로 변경</a:t>
-            </a:r>
-          </a:p>
-        </p:txBody>
-      </p:sp>
-      <p:sp>
-        <p:nvSpPr>
-          <p:cNvPr id="30" name="직사각형 29">
-            <a:extLst>
-              <a:ext uri="{FF2B5EF4-FFF2-40B4-BE49-F238E27FC236}">
-                <a16:creationId xmlns:a16="http://schemas.microsoft.com/office/drawing/2014/main" id="{7EBF12CF-EB1F-4A9C-A3FD-316BCD0C1D60}"/>
-              </a:ext>
-            </a:extLst>
-          </p:cNvPr>
-          <p:cNvSpPr/>
-          <p:nvPr/>
-        </p:nvSpPr>
-        <p:spPr>
-          <a:xfrm>
-            <a:off x="5015438" y="2474312"/>
-            <a:ext cx="1433525" cy="220133"/>
-          </a:xfrm>
-          <a:prstGeom prst="rect">
-            <a:avLst/>
-          </a:prstGeom>
-        </p:spPr>
-        <p:style>
-          <a:lnRef idx="2">
-            <a:schemeClr val="accent1">
-              <a:shade val="50000"/>
-            </a:schemeClr>
-          </a:lnRef>
-          <a:fillRef idx="1">
-            <a:schemeClr val="accent1"/>
-          </a:fillRef>
-          <a:effectRef idx="0">
-            <a:schemeClr val="accent1"/>
-          </a:effectRef>
-          <a:fontRef idx="minor">
-            <a:schemeClr val="lt1"/>
-          </a:fontRef>
-        </p:style>
-        <p:txBody>
-          <a:bodyPr rtlCol="0" anchor="ctr"/>
-          <a:lstStyle/>
-          <a:p>
-            <a:pPr algn="ctr"/>
-            <a:r>
-              <a:rPr lang="ko-KR" altLang="en-US" sz="1400" dirty="0"/>
-              <a:t>공격 유형 타겟</a:t>
-            </a:r>
-          </a:p>
-        </p:txBody>
-      </p:sp>
-      <p:sp>
-        <p:nvSpPr>
-          <p:cNvPr id="32" name="직사각형 31">
-            <a:extLst>
-              <a:ext uri="{FF2B5EF4-FFF2-40B4-BE49-F238E27FC236}">
-                <a16:creationId xmlns:a16="http://schemas.microsoft.com/office/drawing/2014/main" id="{92639F8A-772A-4652-B4C3-05549C47EA4B}"/>
-              </a:ext>
-            </a:extLst>
-          </p:cNvPr>
-          <p:cNvSpPr/>
-          <p:nvPr/>
-        </p:nvSpPr>
-        <p:spPr>
-          <a:xfrm>
-            <a:off x="5010406" y="4630936"/>
-            <a:ext cx="1433525" cy="220133"/>
-          </a:xfrm>
-          <a:prstGeom prst="rect">
-            <a:avLst/>
-          </a:prstGeom>
-        </p:spPr>
-        <p:style>
-          <a:lnRef idx="2">
-            <a:schemeClr val="accent1">
-              <a:shade val="50000"/>
-            </a:schemeClr>
-          </a:lnRef>
-          <a:fillRef idx="1">
-            <a:schemeClr val="accent1"/>
-          </a:fillRef>
-          <a:effectRef idx="0">
-            <a:schemeClr val="accent1"/>
-          </a:effectRef>
-          <a:fontRef idx="minor">
-            <a:schemeClr val="lt1"/>
-          </a:fontRef>
-        </p:style>
-        <p:txBody>
-          <a:bodyPr rtlCol="0" anchor="ctr"/>
-          <a:lstStyle/>
-          <a:p>
-            <a:pPr algn="ctr"/>
-            <a:r>
-              <a:rPr lang="ko-KR" altLang="en-US" sz="1400" dirty="0"/>
-              <a:t>수비 유형 타겟</a:t>
-            </a:r>
-          </a:p>
-        </p:txBody>
-      </p:sp>
-      <p:sp>
-        <p:nvSpPr>
-          <p:cNvPr id="33" name="직사각형 32">
-            <a:extLst>
-              <a:ext uri="{FF2B5EF4-FFF2-40B4-BE49-F238E27FC236}">
-                <a16:creationId xmlns:a16="http://schemas.microsoft.com/office/drawing/2014/main" id="{C15AB9BF-2779-47AD-B3FF-AB1A90152EE7}"/>
-              </a:ext>
-            </a:extLst>
-          </p:cNvPr>
-          <p:cNvSpPr/>
-          <p:nvPr/>
-        </p:nvSpPr>
-        <p:spPr>
-          <a:xfrm>
-            <a:off x="8862747" y="4520869"/>
-            <a:ext cx="1032935" cy="220133"/>
-          </a:xfrm>
-          <a:prstGeom prst="rect">
-            <a:avLst/>
-          </a:prstGeom>
-        </p:spPr>
-        <p:style>
-          <a:lnRef idx="2">
-            <a:schemeClr val="accent1">
-              <a:shade val="50000"/>
-            </a:schemeClr>
-          </a:lnRef>
-          <a:fillRef idx="1">
-            <a:schemeClr val="accent1"/>
-          </a:fillRef>
-          <a:effectRef idx="0">
-            <a:schemeClr val="accent1"/>
-          </a:effectRef>
-          <a:fontRef idx="minor">
-            <a:schemeClr val="lt1"/>
-          </a:fontRef>
-        </p:style>
-        <p:txBody>
-          <a:bodyPr rtlCol="0" anchor="ctr"/>
-          <a:lstStyle/>
-          <a:p>
-            <a:pPr algn="ctr"/>
-            <a:r>
-              <a:rPr lang="ko-KR" altLang="en-US" sz="1400" dirty="0"/>
-              <a:t>일반 공격</a:t>
-            </a:r>
-          </a:p>
-        </p:txBody>
-      </p:sp>
-      <p:sp>
-        <p:nvSpPr>
-          <p:cNvPr id="34" name="직사각형 33">
-            <a:extLst>
-              <a:ext uri="{FF2B5EF4-FFF2-40B4-BE49-F238E27FC236}">
-                <a16:creationId xmlns:a16="http://schemas.microsoft.com/office/drawing/2014/main" id="{1CC93FF9-42F8-4519-8A9B-4B00105E0CC5}"/>
-              </a:ext>
-            </a:extLst>
-          </p:cNvPr>
-          <p:cNvSpPr/>
-          <p:nvPr/>
-        </p:nvSpPr>
-        <p:spPr>
-          <a:xfrm>
-            <a:off x="2336004" y="2276423"/>
-            <a:ext cx="1558929" cy="220133"/>
-          </a:xfrm>
-          <a:prstGeom prst="rect">
-            <a:avLst/>
-          </a:prstGeom>
-        </p:spPr>
-        <p:style>
-          <a:lnRef idx="2">
-            <a:schemeClr val="accent1">
-              <a:shade val="50000"/>
-            </a:schemeClr>
-          </a:lnRef>
-          <a:fillRef idx="1">
-            <a:schemeClr val="accent1"/>
-          </a:fillRef>
-          <a:effectRef idx="0">
-            <a:schemeClr val="accent1"/>
-          </a:effectRef>
-          <a:fontRef idx="minor">
-            <a:schemeClr val="lt1"/>
-          </a:fontRef>
-        </p:style>
-        <p:txBody>
-          <a:bodyPr rtlCol="0" anchor="ctr"/>
-          <a:lstStyle/>
-          <a:p>
-            <a:pPr algn="ctr"/>
-            <a:r>
-              <a:rPr lang="ko-KR" altLang="en-US" sz="1400" dirty="0"/>
-              <a:t>수감자 일반 상태</a:t>
-            </a:r>
-          </a:p>
-        </p:txBody>
-      </p:sp>
-      <p:sp>
-        <p:nvSpPr>
-          <p:cNvPr id="36" name="직사각형 35">
-            <a:extLst>
-              <a:ext uri="{FF2B5EF4-FFF2-40B4-BE49-F238E27FC236}">
-                <a16:creationId xmlns:a16="http://schemas.microsoft.com/office/drawing/2014/main" id="{9658A267-5E24-4EDA-9C5A-50F0C2FAD084}"/>
-              </a:ext>
-            </a:extLst>
-          </p:cNvPr>
-          <p:cNvSpPr/>
-          <p:nvPr/>
-        </p:nvSpPr>
-        <p:spPr>
-          <a:xfrm>
-            <a:off x="2336003" y="5717407"/>
-            <a:ext cx="1558929" cy="220133"/>
-          </a:xfrm>
-          <a:prstGeom prst="rect">
-            <a:avLst/>
-          </a:prstGeom>
-        </p:spPr>
-        <p:style>
-          <a:lnRef idx="2">
-            <a:schemeClr val="accent1">
-              <a:shade val="50000"/>
-            </a:schemeClr>
-          </a:lnRef>
-          <a:fillRef idx="1">
-            <a:schemeClr val="accent1"/>
-          </a:fillRef>
-          <a:effectRef idx="0">
-            <a:schemeClr val="accent1"/>
-          </a:effectRef>
-          <a:fontRef idx="minor">
-            <a:schemeClr val="lt1"/>
-          </a:fontRef>
-        </p:style>
-        <p:txBody>
-          <a:bodyPr rtlCol="0" anchor="ctr"/>
-          <a:lstStyle/>
-          <a:p>
-            <a:pPr algn="ctr"/>
-            <a:r>
-              <a:rPr lang="ko-KR" altLang="en-US" sz="1400" dirty="0"/>
-              <a:t>수감자 침식 상태</a:t>
+            <a:r>
+              <a:rPr lang="ko-KR" altLang="en-US" sz="1000" dirty="0"/>
+              <a:t>코인 시스템 </a:t>
+            </a:r>
+            <a:r>
+              <a:rPr lang="en-US" altLang="ko-KR" sz="1000" dirty="0"/>
+              <a:t>: Limbus Company</a:t>
+            </a:r>
+            <a:r>
+              <a:rPr lang="ko-KR" altLang="en-US" sz="1000" dirty="0"/>
+              <a:t>의 모든 스킬은 코인을 가지고 있으며</a:t>
+            </a:r>
+            <a:r>
+              <a:rPr lang="en-US" altLang="ko-KR" sz="1000" dirty="0"/>
+              <a:t>, </a:t>
+            </a:r>
+            <a:r>
+              <a:rPr lang="ko-KR" altLang="en-US" sz="1000" dirty="0"/>
+              <a:t>스킬 진행 시 코인 토스를 진행하고</a:t>
+            </a:r>
+            <a:r>
+              <a:rPr lang="en-US" altLang="ko-KR" sz="1000" dirty="0"/>
+              <a:t>, </a:t>
+            </a:r>
+            <a:r>
+              <a:rPr lang="ko-KR" altLang="en-US" sz="1000" dirty="0"/>
+              <a:t>코인 토스의 결과에 따라서 스킬 효과를 적용한다</a:t>
+            </a:r>
+            <a:r>
+              <a:rPr lang="en-US" altLang="ko-KR" sz="1000" dirty="0"/>
+              <a:t>.</a:t>
+            </a:r>
+          </a:p>
+          <a:p>
+            <a:r>
+              <a:rPr lang="en-US" altLang="ko-KR" sz="1000" dirty="0"/>
+              <a:t>[</a:t>
+            </a:r>
+            <a:r>
+              <a:rPr lang="ko-KR" altLang="en-US" sz="1000" dirty="0"/>
+              <a:t>코인 토스 시 앞면이 나올 확률 </a:t>
+            </a:r>
+            <a:r>
+              <a:rPr lang="en-US" altLang="ko-KR" sz="1000" dirty="0"/>
+              <a:t>: </a:t>
+            </a:r>
+            <a:r>
+              <a:rPr lang="ko-KR" altLang="en-US" sz="1000" dirty="0"/>
+              <a:t>기본 </a:t>
+            </a:r>
+            <a:r>
+              <a:rPr lang="en-US" altLang="ko-KR" sz="1000" dirty="0"/>
+              <a:t>50% + </a:t>
+            </a:r>
+            <a:r>
+              <a:rPr lang="ko-KR" altLang="en-US" sz="1000" dirty="0"/>
+              <a:t>스킬 사용자의 정신력 </a:t>
+            </a:r>
+            <a:r>
+              <a:rPr lang="en-US" altLang="ko-KR" sz="1000" dirty="0"/>
+              <a:t>(-45 ~ +45, </a:t>
+            </a:r>
+            <a:r>
+              <a:rPr lang="ko-KR" altLang="en-US" sz="1000" dirty="0"/>
+              <a:t>정신력을 가지지 않을 경우 </a:t>
+            </a:r>
+            <a:r>
+              <a:rPr lang="en-US" altLang="ko-KR" sz="1000" dirty="0"/>
+              <a:t>0</a:t>
+            </a:r>
+            <a:r>
+              <a:rPr lang="ko-KR" altLang="en-US" sz="1000" dirty="0"/>
+              <a:t>으로 계산한다</a:t>
+            </a:r>
+            <a:r>
+              <a:rPr lang="en-US" altLang="ko-KR" sz="1000" dirty="0"/>
+              <a:t>.)]</a:t>
             </a:r>
           </a:p>
         </p:txBody>
@@ -6267,7 +6275,7 @@
     </p:spTree>
     <p:extLst>
       <p:ext uri="{BB962C8B-B14F-4D97-AF65-F5344CB8AC3E}">
-        <p14:creationId xmlns:p14="http://schemas.microsoft.com/office/powerpoint/2010/main" val="2599529194"/>
+        <p14:creationId xmlns:p14="http://schemas.microsoft.com/office/powerpoint/2010/main" val="361688364"/>
       </p:ext>
     </p:extLst>
   </p:cSld>
@@ -6366,673 +6374,46 @@
             </a:r>
             <a:r>
               <a:rPr lang="ko-KR" altLang="en-US" sz="2400" dirty="0"/>
-              <a:t>합 진행 구조</a:t>
+              <a:t>스킬 타겟 선택 차트</a:t>
             </a:r>
             <a:endParaRPr lang="en-US" altLang="ko-KR" sz="2400" dirty="0"/>
           </a:p>
         </p:txBody>
       </p:sp>
-      <p:sp>
-        <p:nvSpPr>
-          <p:cNvPr id="31" name="직사각형 30">
+      <p:pic>
+        <p:nvPicPr>
+          <p:cNvPr id="7" name="그림 6">
             <a:extLst>
               <a:ext uri="{FF2B5EF4-FFF2-40B4-BE49-F238E27FC236}">
-                <a16:creationId xmlns:a16="http://schemas.microsoft.com/office/drawing/2014/main" id="{4F98D44E-EA8A-4318-A098-AA98DEDDCFD9}"/>
+                <a16:creationId xmlns:a16="http://schemas.microsoft.com/office/drawing/2014/main" id="{BEEE6006-2860-4F5F-A575-C6307788A61B}"/>
               </a:ext>
             </a:extLst>
           </p:cNvPr>
-          <p:cNvSpPr/>
+          <p:cNvPicPr>
+            <a:picLocks noChangeAspect="1"/>
+          </p:cNvPicPr>
           <p:nvPr/>
-        </p:nvSpPr>
-        <p:spPr>
-          <a:xfrm>
-            <a:off x="3724802" y="1650766"/>
-            <a:ext cx="821534" cy="220133"/>
+        </p:nvPicPr>
+        <p:blipFill>
+          <a:blip r:embed="rId2"/>
+          <a:stretch>
+            <a:fillRect/>
+          </a:stretch>
+        </p:blipFill>
+        <p:spPr>
+          <a:xfrm>
+            <a:off x="3446778" y="1268413"/>
+            <a:ext cx="5298443" cy="4968875"/>
           </a:xfrm>
           <a:prstGeom prst="rect">
             <a:avLst/>
           </a:prstGeom>
         </p:spPr>
-        <p:style>
-          <a:lnRef idx="2">
-            <a:schemeClr val="accent1">
-              <a:shade val="50000"/>
-            </a:schemeClr>
-          </a:lnRef>
-          <a:fillRef idx="1">
-            <a:schemeClr val="accent1"/>
-          </a:fillRef>
-          <a:effectRef idx="0">
-            <a:schemeClr val="accent1"/>
-          </a:effectRef>
-          <a:fontRef idx="minor">
-            <a:schemeClr val="lt1"/>
-          </a:fontRef>
-        </p:style>
-        <p:txBody>
-          <a:bodyPr rtlCol="0" anchor="ctr"/>
-          <a:lstStyle/>
-          <a:p>
-            <a:pPr algn="ctr"/>
-            <a:r>
-              <a:rPr lang="ko-KR" altLang="en-US" sz="1400" dirty="0"/>
-              <a:t>합 진행</a:t>
-            </a:r>
-          </a:p>
-        </p:txBody>
-      </p:sp>
-      <p:sp>
-        <p:nvSpPr>
-          <p:cNvPr id="35" name="직사각형 34">
-            <a:extLst>
-              <a:ext uri="{FF2B5EF4-FFF2-40B4-BE49-F238E27FC236}">
-                <a16:creationId xmlns:a16="http://schemas.microsoft.com/office/drawing/2014/main" id="{8746F427-DC14-4141-A15E-002F6CD46EB6}"/>
-              </a:ext>
-            </a:extLst>
-          </p:cNvPr>
-          <p:cNvSpPr/>
-          <p:nvPr/>
-        </p:nvSpPr>
-        <p:spPr>
-          <a:xfrm>
-            <a:off x="1934235" y="1365191"/>
-            <a:ext cx="2201334" cy="220133"/>
-          </a:xfrm>
-          <a:prstGeom prst="rect">
-            <a:avLst/>
-          </a:prstGeom>
-        </p:spPr>
-        <p:style>
-          <a:lnRef idx="2">
-            <a:schemeClr val="accent1">
-              <a:shade val="50000"/>
-            </a:schemeClr>
-          </a:lnRef>
-          <a:fillRef idx="1">
-            <a:schemeClr val="accent1"/>
-          </a:fillRef>
-          <a:effectRef idx="0">
-            <a:schemeClr val="accent1"/>
-          </a:effectRef>
-          <a:fontRef idx="minor">
-            <a:schemeClr val="lt1"/>
-          </a:fontRef>
-        </p:style>
-        <p:txBody>
-          <a:bodyPr rtlCol="0" anchor="ctr"/>
-          <a:lstStyle/>
-          <a:p>
-            <a:pPr algn="ctr"/>
-            <a:r>
-              <a:rPr lang="ko-KR" altLang="en-US" sz="1400" dirty="0"/>
-              <a:t>공격자</a:t>
-            </a:r>
-            <a:r>
-              <a:rPr lang="en-US" altLang="ko-KR" sz="1400" dirty="0"/>
-              <a:t>/</a:t>
-            </a:r>
-            <a:r>
-              <a:rPr lang="ko-KR" altLang="en-US" sz="1400" dirty="0"/>
-              <a:t>방어자 상태 확인</a:t>
-            </a:r>
-          </a:p>
-        </p:txBody>
-      </p:sp>
-      <p:sp>
-        <p:nvSpPr>
-          <p:cNvPr id="37" name="직사각형 36">
-            <a:extLst>
-              <a:ext uri="{FF2B5EF4-FFF2-40B4-BE49-F238E27FC236}">
-                <a16:creationId xmlns:a16="http://schemas.microsoft.com/office/drawing/2014/main" id="{D3D9DFE0-8568-45C2-8186-1DD158F1B9B7}"/>
-              </a:ext>
-            </a:extLst>
-          </p:cNvPr>
-          <p:cNvSpPr/>
-          <p:nvPr/>
-        </p:nvSpPr>
-        <p:spPr>
-          <a:xfrm>
-            <a:off x="4690269" y="1650766"/>
-            <a:ext cx="965197" cy="220133"/>
-          </a:xfrm>
-          <a:prstGeom prst="rect">
-            <a:avLst/>
-          </a:prstGeom>
-        </p:spPr>
-        <p:style>
-          <a:lnRef idx="2">
-            <a:schemeClr val="accent1">
-              <a:shade val="50000"/>
-            </a:schemeClr>
-          </a:lnRef>
-          <a:fillRef idx="1">
-            <a:schemeClr val="accent1"/>
-          </a:fillRef>
-          <a:effectRef idx="0">
-            <a:schemeClr val="accent1"/>
-          </a:effectRef>
-          <a:fontRef idx="minor">
-            <a:schemeClr val="lt1"/>
-          </a:fontRef>
-        </p:style>
-        <p:txBody>
-          <a:bodyPr rtlCol="0" anchor="ctr"/>
-          <a:lstStyle/>
-          <a:p>
-            <a:pPr algn="ctr"/>
-            <a:r>
-              <a:rPr lang="ko-KR" altLang="en-US" sz="1400" dirty="0"/>
-              <a:t>위력 동일</a:t>
-            </a:r>
-          </a:p>
-        </p:txBody>
-      </p:sp>
-      <p:sp>
-        <p:nvSpPr>
-          <p:cNvPr id="38" name="직사각형 37">
-            <a:extLst>
-              <a:ext uri="{FF2B5EF4-FFF2-40B4-BE49-F238E27FC236}">
-                <a16:creationId xmlns:a16="http://schemas.microsoft.com/office/drawing/2014/main" id="{A60CF8D6-2581-4B9E-B7F3-845824A49195}"/>
-              </a:ext>
-            </a:extLst>
-          </p:cNvPr>
-          <p:cNvSpPr/>
-          <p:nvPr/>
-        </p:nvSpPr>
-        <p:spPr>
-          <a:xfrm>
-            <a:off x="5054603" y="1921699"/>
-            <a:ext cx="1354397" cy="220133"/>
-          </a:xfrm>
-          <a:prstGeom prst="rect">
-            <a:avLst/>
-          </a:prstGeom>
-        </p:spPr>
-        <p:style>
-          <a:lnRef idx="2">
-            <a:schemeClr val="accent1">
-              <a:shade val="50000"/>
-            </a:schemeClr>
-          </a:lnRef>
-          <a:fillRef idx="1">
-            <a:schemeClr val="accent1"/>
-          </a:fillRef>
-          <a:effectRef idx="0">
-            <a:schemeClr val="accent1"/>
-          </a:effectRef>
-          <a:fontRef idx="minor">
-            <a:schemeClr val="lt1"/>
-          </a:fontRef>
-        </p:style>
-        <p:txBody>
-          <a:bodyPr rtlCol="0" anchor="ctr"/>
-          <a:lstStyle/>
-          <a:p>
-            <a:pPr algn="ctr"/>
-            <a:r>
-              <a:rPr lang="ko-KR" altLang="en-US" sz="1400" dirty="0"/>
-              <a:t>코인 </a:t>
-            </a:r>
-            <a:r>
-              <a:rPr lang="en-US" altLang="ko-KR" sz="1400" dirty="0"/>
-              <a:t>1</a:t>
-            </a:r>
-            <a:r>
-              <a:rPr lang="ko-KR" altLang="en-US" sz="1400" dirty="0"/>
-              <a:t>개 파괴</a:t>
-            </a:r>
-          </a:p>
-        </p:txBody>
-      </p:sp>
-      <p:sp>
-        <p:nvSpPr>
-          <p:cNvPr id="39" name="직사각형 38">
-            <a:extLst>
-              <a:ext uri="{FF2B5EF4-FFF2-40B4-BE49-F238E27FC236}">
-                <a16:creationId xmlns:a16="http://schemas.microsoft.com/office/drawing/2014/main" id="{E6CC7CAE-0759-4D60-A572-350F050C160D}"/>
-              </a:ext>
-            </a:extLst>
-          </p:cNvPr>
-          <p:cNvSpPr/>
-          <p:nvPr/>
-        </p:nvSpPr>
-        <p:spPr>
-          <a:xfrm>
-            <a:off x="6544471" y="1760833"/>
-            <a:ext cx="1286930" cy="220133"/>
-          </a:xfrm>
-          <a:prstGeom prst="rect">
-            <a:avLst/>
-          </a:prstGeom>
-        </p:spPr>
-        <p:style>
-          <a:lnRef idx="2">
-            <a:schemeClr val="accent1">
-              <a:shade val="50000"/>
-            </a:schemeClr>
-          </a:lnRef>
-          <a:fillRef idx="1">
-            <a:schemeClr val="accent1"/>
-          </a:fillRef>
-          <a:effectRef idx="0">
-            <a:schemeClr val="accent1"/>
-          </a:effectRef>
-          <a:fontRef idx="minor">
-            <a:schemeClr val="lt1"/>
-          </a:fontRef>
-        </p:style>
-        <p:txBody>
-          <a:bodyPr rtlCol="0" anchor="ctr"/>
-          <a:lstStyle/>
-          <a:p>
-            <a:pPr algn="ctr"/>
-            <a:r>
-              <a:rPr lang="ko-KR" altLang="en-US" sz="1400"/>
-              <a:t>합 횟수 증가</a:t>
-            </a:r>
-            <a:endParaRPr lang="ko-KR" altLang="en-US" sz="1400" dirty="0"/>
-          </a:p>
-        </p:txBody>
-      </p:sp>
-      <p:sp>
-        <p:nvSpPr>
-          <p:cNvPr id="41" name="직사각형 40">
-            <a:extLst>
-              <a:ext uri="{FF2B5EF4-FFF2-40B4-BE49-F238E27FC236}">
-                <a16:creationId xmlns:a16="http://schemas.microsoft.com/office/drawing/2014/main" id="{89AFCDFB-6EC0-4738-B2E5-517FB1F927E2}"/>
-              </a:ext>
-            </a:extLst>
-          </p:cNvPr>
-          <p:cNvSpPr/>
-          <p:nvPr/>
-        </p:nvSpPr>
-        <p:spPr>
-          <a:xfrm>
-            <a:off x="837669" y="1365190"/>
-            <a:ext cx="1007799" cy="220133"/>
-          </a:xfrm>
-          <a:prstGeom prst="rect">
-            <a:avLst/>
-          </a:prstGeom>
-        </p:spPr>
-        <p:style>
-          <a:lnRef idx="2">
-            <a:schemeClr val="accent1">
-              <a:shade val="50000"/>
-            </a:schemeClr>
-          </a:lnRef>
-          <a:fillRef idx="1">
-            <a:schemeClr val="accent1"/>
-          </a:fillRef>
-          <a:effectRef idx="0">
-            <a:schemeClr val="accent1"/>
-          </a:effectRef>
-          <a:fontRef idx="minor">
-            <a:schemeClr val="lt1"/>
-          </a:fontRef>
-        </p:style>
-        <p:txBody>
-          <a:bodyPr rtlCol="0" anchor="ctr"/>
-          <a:lstStyle/>
-          <a:p>
-            <a:pPr algn="ctr"/>
-            <a:r>
-              <a:rPr lang="ko-KR" altLang="en-US" sz="1400" dirty="0"/>
-              <a:t>코인 확인</a:t>
-            </a:r>
-          </a:p>
-        </p:txBody>
-      </p:sp>
-      <p:sp>
-        <p:nvSpPr>
-          <p:cNvPr id="42" name="직사각형 41">
-            <a:extLst>
-              <a:ext uri="{FF2B5EF4-FFF2-40B4-BE49-F238E27FC236}">
-                <a16:creationId xmlns:a16="http://schemas.microsoft.com/office/drawing/2014/main" id="{023C9939-CFF9-4E03-9541-3692E3D20997}"/>
-              </a:ext>
-            </a:extLst>
-          </p:cNvPr>
-          <p:cNvSpPr/>
-          <p:nvPr/>
-        </p:nvSpPr>
-        <p:spPr>
-          <a:xfrm>
-            <a:off x="1341568" y="2615960"/>
-            <a:ext cx="2654699" cy="220133"/>
-          </a:xfrm>
-          <a:prstGeom prst="rect">
-            <a:avLst/>
-          </a:prstGeom>
-        </p:spPr>
-        <p:style>
-          <a:lnRef idx="2">
-            <a:schemeClr val="accent1">
-              <a:shade val="50000"/>
-            </a:schemeClr>
-          </a:lnRef>
-          <a:fillRef idx="1">
-            <a:schemeClr val="accent1"/>
-          </a:fillRef>
-          <a:effectRef idx="0">
-            <a:schemeClr val="accent1"/>
-          </a:effectRef>
-          <a:fontRef idx="minor">
-            <a:schemeClr val="lt1"/>
-          </a:fontRef>
-        </p:style>
-        <p:txBody>
-          <a:bodyPr rtlCol="0" anchor="ctr"/>
-          <a:lstStyle/>
-          <a:p>
-            <a:pPr algn="ctr"/>
-            <a:r>
-              <a:rPr lang="ko-KR" altLang="en-US" sz="1400" dirty="0"/>
-              <a:t>합 패배자 스킬 타겟으로 설정</a:t>
-            </a:r>
-          </a:p>
-        </p:txBody>
-      </p:sp>
-      <p:sp>
-        <p:nvSpPr>
-          <p:cNvPr id="43" name="직사각형 42">
-            <a:extLst>
-              <a:ext uri="{FF2B5EF4-FFF2-40B4-BE49-F238E27FC236}">
-                <a16:creationId xmlns:a16="http://schemas.microsoft.com/office/drawing/2014/main" id="{6C774094-507A-4B68-BD75-63708B418E58}"/>
-              </a:ext>
-            </a:extLst>
-          </p:cNvPr>
-          <p:cNvSpPr/>
-          <p:nvPr/>
-        </p:nvSpPr>
-        <p:spPr>
-          <a:xfrm>
-            <a:off x="3987134" y="3191219"/>
-            <a:ext cx="965468" cy="220133"/>
-          </a:xfrm>
-          <a:prstGeom prst="rect">
-            <a:avLst/>
-          </a:prstGeom>
-        </p:spPr>
-        <p:style>
-          <a:lnRef idx="2">
-            <a:schemeClr val="accent1">
-              <a:shade val="50000"/>
-            </a:schemeClr>
-          </a:lnRef>
-          <a:fillRef idx="1">
-            <a:schemeClr val="accent1"/>
-          </a:fillRef>
-          <a:effectRef idx="0">
-            <a:schemeClr val="accent1"/>
-          </a:effectRef>
-          <a:fontRef idx="minor">
-            <a:schemeClr val="lt1"/>
-          </a:fontRef>
-        </p:style>
-        <p:txBody>
-          <a:bodyPr rtlCol="0" anchor="ctr"/>
-          <a:lstStyle/>
-          <a:p>
-            <a:pPr algn="ctr"/>
-            <a:r>
-              <a:rPr lang="ko-KR" altLang="en-US" sz="1400" dirty="0"/>
-              <a:t>스킬 진행</a:t>
-            </a:r>
-          </a:p>
-        </p:txBody>
-      </p:sp>
-      <p:sp>
-        <p:nvSpPr>
-          <p:cNvPr id="44" name="직사각형 43">
-            <a:extLst>
-              <a:ext uri="{FF2B5EF4-FFF2-40B4-BE49-F238E27FC236}">
-                <a16:creationId xmlns:a16="http://schemas.microsoft.com/office/drawing/2014/main" id="{C1C80BFC-2034-477A-81E5-FC19B151C764}"/>
-              </a:ext>
-            </a:extLst>
-          </p:cNvPr>
-          <p:cNvSpPr/>
-          <p:nvPr/>
-        </p:nvSpPr>
-        <p:spPr>
-          <a:xfrm>
-            <a:off x="1229185" y="2907230"/>
-            <a:ext cx="1410099" cy="220133"/>
-          </a:xfrm>
-          <a:prstGeom prst="rect">
-            <a:avLst/>
-          </a:prstGeom>
-        </p:spPr>
-        <p:style>
-          <a:lnRef idx="2">
-            <a:schemeClr val="accent1">
-              <a:shade val="50000"/>
-            </a:schemeClr>
-          </a:lnRef>
-          <a:fillRef idx="1">
-            <a:schemeClr val="accent1"/>
-          </a:fillRef>
-          <a:effectRef idx="0">
-            <a:schemeClr val="accent1"/>
-          </a:effectRef>
-          <a:fontRef idx="minor">
-            <a:schemeClr val="lt1"/>
-          </a:fontRef>
-        </p:style>
-        <p:txBody>
-          <a:bodyPr rtlCol="0" anchor="ctr"/>
-          <a:lstStyle/>
-          <a:p>
-            <a:pPr algn="ctr"/>
-            <a:r>
-              <a:rPr lang="ko-KR" altLang="en-US" sz="1400"/>
-              <a:t>일반 공격 타겟</a:t>
-            </a:r>
-            <a:endParaRPr lang="ko-KR" altLang="en-US" sz="1400" dirty="0"/>
-          </a:p>
-        </p:txBody>
-      </p:sp>
-      <p:sp>
-        <p:nvSpPr>
-          <p:cNvPr id="45" name="직사각형 44">
-            <a:extLst>
-              <a:ext uri="{FF2B5EF4-FFF2-40B4-BE49-F238E27FC236}">
-                <a16:creationId xmlns:a16="http://schemas.microsoft.com/office/drawing/2014/main" id="{40C3CA10-8034-43E8-9B3F-E61485660BF3}"/>
-              </a:ext>
-            </a:extLst>
-          </p:cNvPr>
-          <p:cNvSpPr/>
-          <p:nvPr/>
-        </p:nvSpPr>
-        <p:spPr>
-          <a:xfrm>
-            <a:off x="4469868" y="3494830"/>
-            <a:ext cx="965468" cy="220133"/>
-          </a:xfrm>
-          <a:prstGeom prst="rect">
-            <a:avLst/>
-          </a:prstGeom>
-        </p:spPr>
-        <p:style>
-          <a:lnRef idx="2">
-            <a:schemeClr val="accent1">
-              <a:shade val="50000"/>
-            </a:schemeClr>
-          </a:lnRef>
-          <a:fillRef idx="1">
-            <a:schemeClr val="accent1"/>
-          </a:fillRef>
-          <a:effectRef idx="0">
-            <a:schemeClr val="accent1"/>
-          </a:effectRef>
-          <a:fontRef idx="minor">
-            <a:schemeClr val="lt1"/>
-          </a:fontRef>
-        </p:style>
-        <p:txBody>
-          <a:bodyPr rtlCol="0" anchor="ctr"/>
-          <a:lstStyle/>
-          <a:p>
-            <a:pPr algn="ctr"/>
-            <a:r>
-              <a:rPr lang="ko-KR" altLang="en-US" sz="1400" dirty="0"/>
-              <a:t>코인 토스</a:t>
-            </a:r>
-          </a:p>
-        </p:txBody>
-      </p:sp>
-      <p:sp>
-        <p:nvSpPr>
-          <p:cNvPr id="46" name="직사각형 45">
-            <a:extLst>
-              <a:ext uri="{FF2B5EF4-FFF2-40B4-BE49-F238E27FC236}">
-                <a16:creationId xmlns:a16="http://schemas.microsoft.com/office/drawing/2014/main" id="{5BB3F6FC-8A74-4541-86DE-EC6D18DABD15}"/>
-              </a:ext>
-            </a:extLst>
-          </p:cNvPr>
-          <p:cNvSpPr/>
-          <p:nvPr/>
-        </p:nvSpPr>
-        <p:spPr>
-          <a:xfrm>
-            <a:off x="4859466" y="3815615"/>
-            <a:ext cx="1439734" cy="220133"/>
-          </a:xfrm>
-          <a:prstGeom prst="rect">
-            <a:avLst/>
-          </a:prstGeom>
-        </p:spPr>
-        <p:style>
-          <a:lnRef idx="2">
-            <a:schemeClr val="accent1">
-              <a:shade val="50000"/>
-            </a:schemeClr>
-          </a:lnRef>
-          <a:fillRef idx="1">
-            <a:schemeClr val="accent1"/>
-          </a:fillRef>
-          <a:effectRef idx="0">
-            <a:schemeClr val="accent1"/>
-          </a:effectRef>
-          <a:fontRef idx="minor">
-            <a:schemeClr val="lt1"/>
-          </a:fontRef>
-        </p:style>
-        <p:txBody>
-          <a:bodyPr rtlCol="0" anchor="ctr"/>
-          <a:lstStyle/>
-          <a:p>
-            <a:pPr algn="ctr"/>
-            <a:r>
-              <a:rPr lang="ko-KR" altLang="en-US" sz="1400"/>
-              <a:t>스킬 효과 적용</a:t>
-            </a:r>
-            <a:endParaRPr lang="ko-KR" altLang="en-US" sz="1400" dirty="0"/>
-          </a:p>
-        </p:txBody>
-      </p:sp>
-      <p:sp>
-        <p:nvSpPr>
-          <p:cNvPr id="47" name="직사각형 46">
-            <a:extLst>
-              <a:ext uri="{FF2B5EF4-FFF2-40B4-BE49-F238E27FC236}">
-                <a16:creationId xmlns:a16="http://schemas.microsoft.com/office/drawing/2014/main" id="{C2D74B3F-319D-44FE-9651-BA51102119CE}"/>
-              </a:ext>
-            </a:extLst>
-          </p:cNvPr>
-          <p:cNvSpPr/>
-          <p:nvPr/>
-        </p:nvSpPr>
-        <p:spPr>
-          <a:xfrm>
-            <a:off x="5350535" y="4134497"/>
-            <a:ext cx="1837401" cy="220133"/>
-          </a:xfrm>
-          <a:prstGeom prst="rect">
-            <a:avLst/>
-          </a:prstGeom>
-        </p:spPr>
-        <p:style>
-          <a:lnRef idx="2">
-            <a:schemeClr val="accent1">
-              <a:shade val="50000"/>
-            </a:schemeClr>
-          </a:lnRef>
-          <a:fillRef idx="1">
-            <a:schemeClr val="accent1"/>
-          </a:fillRef>
-          <a:effectRef idx="0">
-            <a:schemeClr val="accent1"/>
-          </a:effectRef>
-          <a:fontRef idx="minor">
-            <a:schemeClr val="lt1"/>
-          </a:fontRef>
-        </p:style>
-        <p:txBody>
-          <a:bodyPr rtlCol="0" anchor="ctr"/>
-          <a:lstStyle/>
-          <a:p>
-            <a:pPr algn="ctr"/>
-            <a:r>
-              <a:rPr lang="ko-KR" altLang="en-US" sz="1400"/>
-              <a:t>모든 코인 토스 완료</a:t>
-            </a:r>
-            <a:endParaRPr lang="ko-KR" altLang="en-US" sz="1400" dirty="0"/>
-          </a:p>
-        </p:txBody>
-      </p:sp>
-      <p:sp>
-        <p:nvSpPr>
-          <p:cNvPr id="48" name="직사각형 47">
-            <a:extLst>
-              <a:ext uri="{FF2B5EF4-FFF2-40B4-BE49-F238E27FC236}">
-                <a16:creationId xmlns:a16="http://schemas.microsoft.com/office/drawing/2014/main" id="{95E9A30C-D7C1-4291-AE7E-AF1F55229428}"/>
-              </a:ext>
-            </a:extLst>
-          </p:cNvPr>
-          <p:cNvSpPr/>
-          <p:nvPr/>
-        </p:nvSpPr>
-        <p:spPr>
-          <a:xfrm>
-            <a:off x="7348667" y="4134496"/>
-            <a:ext cx="965468" cy="220133"/>
-          </a:xfrm>
-          <a:prstGeom prst="rect">
-            <a:avLst/>
-          </a:prstGeom>
-        </p:spPr>
-        <p:style>
-          <a:lnRef idx="2">
-            <a:schemeClr val="accent1">
-              <a:shade val="50000"/>
-            </a:schemeClr>
-          </a:lnRef>
-          <a:fillRef idx="1">
-            <a:schemeClr val="accent1"/>
-          </a:fillRef>
-          <a:effectRef idx="0">
-            <a:schemeClr val="accent1"/>
-          </a:effectRef>
-          <a:fontRef idx="minor">
-            <a:schemeClr val="lt1"/>
-          </a:fontRef>
-        </p:style>
-        <p:txBody>
-          <a:bodyPr rtlCol="0" anchor="ctr"/>
-          <a:lstStyle/>
-          <a:p>
-            <a:pPr algn="ctr"/>
-            <a:r>
-              <a:rPr lang="ko-KR" altLang="en-US" sz="1400" dirty="0"/>
-              <a:t>스킬 종료</a:t>
-            </a:r>
-          </a:p>
-        </p:txBody>
-      </p:sp>
+      </p:pic>
     </p:spTree>
     <p:extLst>
       <p:ext uri="{BB962C8B-B14F-4D97-AF65-F5344CB8AC3E}">
-        <p14:creationId xmlns:p14="http://schemas.microsoft.com/office/powerpoint/2010/main" val="3580687971"/>
+        <p14:creationId xmlns:p14="http://schemas.microsoft.com/office/powerpoint/2010/main" val="3917389903"/>
       </p:ext>
     </p:extLst>
   </p:cSld>
@@ -7131,1356 +6512,46 @@
             </a:r>
             <a:r>
               <a:rPr lang="ko-KR" altLang="en-US" sz="2400" dirty="0"/>
-              <a:t>규칙 및 상세 설명</a:t>
+              <a:t>합 진행 차트</a:t>
             </a:r>
             <a:endParaRPr lang="en-US" altLang="ko-KR" sz="2400" dirty="0"/>
           </a:p>
         </p:txBody>
       </p:sp>
-      <p:graphicFrame>
-        <p:nvGraphicFramePr>
-          <p:cNvPr id="2" name="표 2">
+      <p:pic>
+        <p:nvPicPr>
+          <p:cNvPr id="8" name="그림 7">
             <a:extLst>
               <a:ext uri="{FF2B5EF4-FFF2-40B4-BE49-F238E27FC236}">
-                <a16:creationId xmlns:a16="http://schemas.microsoft.com/office/drawing/2014/main" id="{6A2C91B7-E40B-48F3-BCCA-CD5820568456}"/>
+                <a16:creationId xmlns:a16="http://schemas.microsoft.com/office/drawing/2014/main" id="{0D260828-11D7-404F-9F7A-0E734AD59A32}"/>
               </a:ext>
             </a:extLst>
           </p:cNvPr>
-          <p:cNvGraphicFramePr>
-            <a:graphicFrameLocks noGrp="1"/>
-          </p:cNvGraphicFramePr>
-          <p:nvPr>
-            <p:extLst>
-              <p:ext uri="{D42A27DB-BD31-4B8C-83A1-F6EECF244321}">
-                <p14:modId xmlns:p14="http://schemas.microsoft.com/office/powerpoint/2010/main" val="1760270780"/>
-              </p:ext>
-            </p:extLst>
-          </p:nvPr>
-        </p:nvGraphicFramePr>
-        <p:xfrm>
-          <a:off x="1480978" y="1456266"/>
-          <a:ext cx="9230043" cy="822960"/>
-        </p:xfrm>
-        <a:graphic>
-          <a:graphicData uri="http://schemas.openxmlformats.org/drawingml/2006/table">
-            <a:tbl>
-              <a:tblPr firstRow="1" bandRow="1">
-                <a:tableStyleId>{5C22544A-7EE6-4342-B048-85BDC9FD1C3A}</a:tableStyleId>
-              </a:tblPr>
-              <a:tblGrid>
-                <a:gridCol w="9230043">
-                  <a:extLst>
-                    <a:ext uri="{9D8B030D-6E8A-4147-A177-3AD203B41FA5}">
-                      <a16:colId xmlns:a16="http://schemas.microsoft.com/office/drawing/2014/main" val="1841855998"/>
-                    </a:ext>
-                  </a:extLst>
-                </a:gridCol>
-              </a:tblGrid>
-              <a:tr h="0">
-                <a:tc>
-                  <a:txBody>
-                    <a:bodyPr/>
-                    <a:lstStyle/>
-                    <a:p>
-                      <a:pPr latinLnBrk="1"/>
-                      <a:r>
-                        <a:rPr lang="ko-KR" altLang="en-US" sz="1200" b="1" dirty="0">
-                          <a:solidFill>
-                            <a:schemeClr val="tx1"/>
-                          </a:solidFill>
-                        </a:rPr>
-                        <a:t>합 시도 조건</a:t>
-                      </a:r>
-                    </a:p>
-                  </a:txBody>
-                  <a:tcPr>
-                    <a:lnL w="12700" cmpd="sng">
-                      <a:noFill/>
-                    </a:lnL>
-                    <a:lnR w="12700" cmpd="sng">
-                      <a:noFill/>
-                    </a:lnR>
-                    <a:lnT w="12700" cmpd="sng">
-                      <a:noFill/>
-                    </a:lnT>
-                    <a:lnB w="12700" cap="flat" cmpd="sng" algn="ctr">
-                      <a:solidFill>
-                        <a:schemeClr val="tx1"/>
-                      </a:solidFill>
-                      <a:prstDash val="solid"/>
-                      <a:round/>
-                      <a:headEnd type="none" w="med" len="med"/>
-                      <a:tailEnd type="none" w="med" len="med"/>
-                    </a:lnB>
-                    <a:lnTlToBr w="12700" cmpd="sng">
-                      <a:noFill/>
-                      <a:prstDash val="solid"/>
-                    </a:lnTlToBr>
-                    <a:lnBlToTr w="12700" cmpd="sng">
-                      <a:noFill/>
-                      <a:prstDash val="solid"/>
-                    </a:lnBlToTr>
-                    <a:noFill/>
-                  </a:tcPr>
-                </a:tc>
-                <a:extLst>
-                  <a:ext uri="{0D108BD9-81ED-4DB2-BD59-A6C34878D82A}">
-                    <a16:rowId xmlns:a16="http://schemas.microsoft.com/office/drawing/2014/main" val="1491086624"/>
-                  </a:ext>
-                </a:extLst>
-              </a:tr>
-              <a:tr h="0">
-                <a:tc>
-                  <a:txBody>
-                    <a:bodyPr/>
-                    <a:lstStyle/>
-                    <a:p>
-                      <a:pPr latinLnBrk="1"/>
-                      <a:r>
-                        <a:rPr lang="ko-KR" altLang="en-US" sz="1200" b="0" dirty="0">
-                          <a:solidFill>
-                            <a:schemeClr val="tx1"/>
-                          </a:solidFill>
-                        </a:rPr>
-                        <a:t>방어자가 공격자의 스킬 타겟</a:t>
-                      </a:r>
-                      <a:r>
-                        <a:rPr lang="en-US" altLang="ko-KR" sz="1200" b="0" dirty="0">
-                          <a:solidFill>
-                            <a:schemeClr val="tx1"/>
-                          </a:solidFill>
-                        </a:rPr>
-                        <a:t>(</a:t>
-                      </a:r>
-                      <a:r>
-                        <a:rPr lang="ko-KR" altLang="en-US" sz="1200" b="0" dirty="0">
-                          <a:solidFill>
-                            <a:schemeClr val="tx1"/>
-                          </a:solidFill>
-                        </a:rPr>
-                        <a:t>광역 스킬일 경우 메인 타겟</a:t>
-                      </a:r>
-                      <a:r>
-                        <a:rPr lang="en-US" altLang="ko-KR" sz="1200" b="0" dirty="0">
-                          <a:solidFill>
-                            <a:schemeClr val="tx1"/>
-                          </a:solidFill>
-                        </a:rPr>
-                        <a:t>)</a:t>
-                      </a:r>
-                      <a:r>
-                        <a:rPr lang="ko-KR" altLang="en-US" sz="1200" b="0" dirty="0">
-                          <a:solidFill>
-                            <a:schemeClr val="tx1"/>
-                          </a:solidFill>
-                        </a:rPr>
-                        <a:t>이거나 방어자의 속도가 공격자의 속도 보다 높아야 한다</a:t>
-                      </a:r>
-                      <a:r>
-                        <a:rPr lang="en-US" altLang="ko-KR" sz="1200" b="0" dirty="0">
-                          <a:solidFill>
-                            <a:schemeClr val="tx1"/>
-                          </a:solidFill>
-                        </a:rPr>
-                        <a:t>.</a:t>
-                      </a:r>
-                      <a:endParaRPr lang="ko-KR" altLang="en-US" sz="1200" b="0" dirty="0">
-                        <a:solidFill>
-                          <a:schemeClr val="tx1"/>
-                        </a:solidFill>
-                      </a:endParaRPr>
-                    </a:p>
-                  </a:txBody>
-                  <a:tcPr>
-                    <a:lnL w="12700" cmpd="sng">
-                      <a:noFill/>
-                    </a:lnL>
-                    <a:lnR w="12700" cmpd="sng">
-                      <a:noFill/>
-                    </a:lnR>
-                    <a:lnT w="12700" cap="flat" cmpd="sng" algn="ctr">
-                      <a:solidFill>
-                        <a:schemeClr val="tx1"/>
-                      </a:solidFill>
-                      <a:prstDash val="solid"/>
-                      <a:round/>
-                      <a:headEnd type="none" w="med" len="med"/>
-                      <a:tailEnd type="none" w="med" len="med"/>
-                    </a:lnT>
-                    <a:lnB w="12700" cap="flat" cmpd="sng" algn="ctr">
-                      <a:solidFill>
-                        <a:schemeClr val="tx1"/>
-                      </a:solidFill>
-                      <a:prstDash val="solid"/>
-                      <a:round/>
-                      <a:headEnd type="none" w="med" len="med"/>
-                      <a:tailEnd type="none" w="med" len="med"/>
-                    </a:lnB>
-                    <a:lnTlToBr w="12700" cmpd="sng">
-                      <a:noFill/>
-                      <a:prstDash val="solid"/>
-                    </a:lnTlToBr>
-                    <a:lnBlToTr w="12700" cmpd="sng">
-                      <a:noFill/>
-                      <a:prstDash val="solid"/>
-                    </a:lnBlToTr>
-                    <a:noFill/>
-                  </a:tcPr>
-                </a:tc>
-                <a:extLst>
-                  <a:ext uri="{0D108BD9-81ED-4DB2-BD59-A6C34878D82A}">
-                    <a16:rowId xmlns:a16="http://schemas.microsoft.com/office/drawing/2014/main" val="1743730106"/>
-                  </a:ext>
-                </a:extLst>
-              </a:tr>
-              <a:tr h="0">
-                <a:tc>
-                  <a:txBody>
-                    <a:bodyPr/>
-                    <a:lstStyle/>
-                    <a:p>
-                      <a:pPr latinLnBrk="1"/>
-                      <a:r>
-                        <a:rPr lang="ko-KR" altLang="en-US" sz="1200" b="0" dirty="0">
-                          <a:solidFill>
-                            <a:schemeClr val="tx1"/>
-                          </a:solidFill>
-                        </a:rPr>
-                        <a:t>공격 스킬과 수비 스킬은 특수한 경우</a:t>
-                      </a:r>
-                      <a:r>
-                        <a:rPr lang="en-US" altLang="ko-KR" sz="1200" b="0" dirty="0">
-                          <a:solidFill>
-                            <a:schemeClr val="tx1"/>
-                          </a:solidFill>
-                        </a:rPr>
-                        <a:t>(</a:t>
-                      </a:r>
-                      <a:r>
-                        <a:rPr lang="ko-KR" altLang="en-US" sz="1200" b="0" dirty="0">
-                          <a:solidFill>
-                            <a:schemeClr val="tx1"/>
-                          </a:solidFill>
-                        </a:rPr>
-                        <a:t>합 가능 반격</a:t>
-                      </a:r>
-                      <a:r>
-                        <a:rPr lang="en-US" altLang="ko-KR" sz="1200" b="0" dirty="0">
-                          <a:solidFill>
-                            <a:schemeClr val="tx1"/>
-                          </a:solidFill>
-                        </a:rPr>
-                        <a:t>, </a:t>
-                      </a:r>
-                      <a:r>
-                        <a:rPr lang="ko-KR" altLang="en-US" sz="1200" b="0" dirty="0">
-                          <a:solidFill>
-                            <a:schemeClr val="tx1"/>
-                          </a:solidFill>
-                        </a:rPr>
-                        <a:t>합 가능 방어 스킬</a:t>
-                      </a:r>
-                      <a:r>
-                        <a:rPr lang="en-US" altLang="ko-KR" sz="1200" b="0" dirty="0">
-                          <a:solidFill>
-                            <a:schemeClr val="tx1"/>
-                          </a:solidFill>
-                        </a:rPr>
-                        <a:t>)</a:t>
-                      </a:r>
-                      <a:r>
-                        <a:rPr lang="ko-KR" altLang="en-US" sz="1200" b="0" dirty="0">
-                          <a:solidFill>
-                            <a:schemeClr val="tx1"/>
-                          </a:solidFill>
-                        </a:rPr>
-                        <a:t>을 제외하면 합을 할 수 없다</a:t>
-                      </a:r>
-                      <a:r>
-                        <a:rPr lang="en-US" altLang="ko-KR" sz="1200" b="0" dirty="0">
-                          <a:solidFill>
-                            <a:schemeClr val="tx1"/>
-                          </a:solidFill>
-                        </a:rPr>
-                        <a:t>.</a:t>
-                      </a:r>
-                      <a:endParaRPr lang="ko-KR" altLang="en-US" sz="1200" b="0" dirty="0">
-                        <a:solidFill>
-                          <a:schemeClr val="tx1"/>
-                        </a:solidFill>
-                      </a:endParaRPr>
-                    </a:p>
-                  </a:txBody>
-                  <a:tcPr>
-                    <a:lnL w="12700" cmpd="sng">
-                      <a:noFill/>
-                    </a:lnL>
-                    <a:lnR w="12700" cmpd="sng">
-                      <a:noFill/>
-                    </a:lnR>
-                    <a:lnT w="12700" cap="flat" cmpd="sng" algn="ctr">
-                      <a:solidFill>
-                        <a:schemeClr val="tx1"/>
-                      </a:solidFill>
-                      <a:prstDash val="solid"/>
-                      <a:round/>
-                      <a:headEnd type="none" w="med" len="med"/>
-                      <a:tailEnd type="none" w="med" len="med"/>
-                    </a:lnT>
-                    <a:lnB w="12700" cmpd="sng">
-                      <a:noFill/>
-                    </a:lnB>
-                    <a:lnTlToBr w="12700" cmpd="sng">
-                      <a:noFill/>
-                      <a:prstDash val="solid"/>
-                    </a:lnTlToBr>
-                    <a:lnBlToTr w="12700" cmpd="sng">
-                      <a:noFill/>
-                      <a:prstDash val="solid"/>
-                    </a:lnBlToTr>
-                    <a:noFill/>
-                  </a:tcPr>
-                </a:tc>
-                <a:extLst>
-                  <a:ext uri="{0D108BD9-81ED-4DB2-BD59-A6C34878D82A}">
-                    <a16:rowId xmlns:a16="http://schemas.microsoft.com/office/drawing/2014/main" val="3226441806"/>
-                  </a:ext>
-                </a:extLst>
-              </a:tr>
-            </a:tbl>
-          </a:graphicData>
-        </a:graphic>
-      </p:graphicFrame>
-      <p:graphicFrame>
-        <p:nvGraphicFramePr>
-          <p:cNvPr id="5" name="표 2">
-            <a:extLst>
-              <a:ext uri="{FF2B5EF4-FFF2-40B4-BE49-F238E27FC236}">
-                <a16:creationId xmlns:a16="http://schemas.microsoft.com/office/drawing/2014/main" id="{54B29617-2DF3-4120-A33B-35D4FFF37AE7}"/>
-              </a:ext>
-            </a:extLst>
-          </p:cNvPr>
-          <p:cNvGraphicFramePr>
-            <a:graphicFrameLocks noGrp="1"/>
-          </p:cNvGraphicFramePr>
-          <p:nvPr>
-            <p:extLst>
-              <p:ext uri="{D42A27DB-BD31-4B8C-83A1-F6EECF244321}">
-                <p14:modId xmlns:p14="http://schemas.microsoft.com/office/powerpoint/2010/main" val="2584279"/>
-              </p:ext>
-            </p:extLst>
-          </p:nvPr>
-        </p:nvGraphicFramePr>
-        <p:xfrm>
-          <a:off x="1480978" y="2308012"/>
-          <a:ext cx="9230043" cy="1828800"/>
-        </p:xfrm>
-        <a:graphic>
-          <a:graphicData uri="http://schemas.openxmlformats.org/drawingml/2006/table">
-            <a:tbl>
-              <a:tblPr firstRow="1" bandRow="1">
-                <a:tableStyleId>{5C22544A-7EE6-4342-B048-85BDC9FD1C3A}</a:tableStyleId>
-              </a:tblPr>
-              <a:tblGrid>
-                <a:gridCol w="9230043">
-                  <a:extLst>
-                    <a:ext uri="{9D8B030D-6E8A-4147-A177-3AD203B41FA5}">
-                      <a16:colId xmlns:a16="http://schemas.microsoft.com/office/drawing/2014/main" val="1841855998"/>
-                    </a:ext>
-                  </a:extLst>
-                </a:gridCol>
-              </a:tblGrid>
-              <a:tr h="0">
-                <a:tc>
-                  <a:txBody>
-                    <a:bodyPr/>
-                    <a:lstStyle/>
-                    <a:p>
-                      <a:pPr latinLnBrk="1"/>
-                      <a:r>
-                        <a:rPr lang="ko-KR" altLang="en-US" sz="1200" b="1" dirty="0">
-                          <a:solidFill>
-                            <a:schemeClr val="tx1"/>
-                          </a:solidFill>
-                        </a:rPr>
-                        <a:t>합 진행 규칙</a:t>
-                      </a:r>
-                    </a:p>
-                  </a:txBody>
-                  <a:tcPr>
-                    <a:lnL w="12700" cmpd="sng">
-                      <a:noFill/>
-                    </a:lnL>
-                    <a:lnR w="12700" cmpd="sng">
-                      <a:noFill/>
-                    </a:lnR>
-                    <a:lnT w="12700" cmpd="sng">
-                      <a:noFill/>
-                    </a:lnT>
-                    <a:lnB w="12700" cap="flat" cmpd="sng" algn="ctr">
-                      <a:solidFill>
-                        <a:schemeClr val="tx1"/>
-                      </a:solidFill>
-                      <a:prstDash val="solid"/>
-                      <a:round/>
-                      <a:headEnd type="none" w="med" len="med"/>
-                      <a:tailEnd type="none" w="med" len="med"/>
-                    </a:lnB>
-                    <a:lnTlToBr w="12700" cmpd="sng">
-                      <a:noFill/>
-                      <a:prstDash val="solid"/>
-                    </a:lnTlToBr>
-                    <a:lnBlToTr w="12700" cmpd="sng">
-                      <a:noFill/>
-                      <a:prstDash val="solid"/>
-                    </a:lnBlToTr>
-                    <a:noFill/>
-                  </a:tcPr>
-                </a:tc>
-                <a:extLst>
-                  <a:ext uri="{0D108BD9-81ED-4DB2-BD59-A6C34878D82A}">
-                    <a16:rowId xmlns:a16="http://schemas.microsoft.com/office/drawing/2014/main" val="1491086624"/>
-                  </a:ext>
-                </a:extLst>
-              </a:tr>
-              <a:tr h="0">
-                <a:tc>
-                  <a:txBody>
-                    <a:bodyPr/>
-                    <a:lstStyle/>
-                    <a:p>
-                      <a:pPr latinLnBrk="1"/>
-                      <a:r>
-                        <a:rPr lang="ko-KR" altLang="en-US" sz="1200" b="0" dirty="0">
-                          <a:solidFill>
-                            <a:schemeClr val="tx1"/>
-                          </a:solidFill>
-                        </a:rPr>
-                        <a:t>합 진행 중 방어자 또는 공격자가 행동 불능 상태</a:t>
-                      </a:r>
-                      <a:r>
-                        <a:rPr lang="en-US" altLang="ko-KR" sz="1200" b="0" dirty="0">
-                          <a:solidFill>
-                            <a:schemeClr val="tx1"/>
-                          </a:solidFill>
-                        </a:rPr>
-                        <a:t>(</a:t>
-                      </a:r>
-                      <a:r>
-                        <a:rPr lang="ko-KR" altLang="en-US" sz="1200" b="0" dirty="0">
-                          <a:solidFill>
-                            <a:schemeClr val="tx1"/>
-                          </a:solidFill>
-                        </a:rPr>
-                        <a:t>패닉</a:t>
-                      </a:r>
-                      <a:r>
-                        <a:rPr lang="en-US" altLang="ko-KR" sz="1200" b="0" dirty="0">
-                          <a:solidFill>
-                            <a:schemeClr val="tx1"/>
-                          </a:solidFill>
-                        </a:rPr>
-                        <a:t>, </a:t>
-                      </a:r>
-                      <a:r>
-                        <a:rPr lang="ko-KR" altLang="en-US" sz="1200" b="0" dirty="0">
-                          <a:solidFill>
-                            <a:schemeClr val="tx1"/>
-                          </a:solidFill>
-                        </a:rPr>
-                        <a:t>흐트러짐 등</a:t>
-                      </a:r>
-                      <a:r>
-                        <a:rPr lang="en-US" altLang="ko-KR" sz="1200" b="0" dirty="0">
-                          <a:solidFill>
-                            <a:schemeClr val="tx1"/>
-                          </a:solidFill>
-                        </a:rPr>
-                        <a:t>)</a:t>
-                      </a:r>
-                      <a:r>
-                        <a:rPr lang="ko-KR" altLang="en-US" sz="1200" b="0" dirty="0">
-                          <a:solidFill>
-                            <a:schemeClr val="tx1"/>
-                          </a:solidFill>
-                        </a:rPr>
-                        <a:t>에 따질 경우 합을 종료한다</a:t>
-                      </a:r>
-                      <a:r>
-                        <a:rPr lang="en-US" altLang="ko-KR" sz="1200" b="0" dirty="0">
-                          <a:solidFill>
-                            <a:schemeClr val="tx1"/>
-                          </a:solidFill>
-                        </a:rPr>
-                        <a:t>.</a:t>
-                      </a:r>
-                      <a:endParaRPr lang="ko-KR" altLang="en-US" sz="1200" b="0" dirty="0">
-                        <a:solidFill>
-                          <a:schemeClr val="tx1"/>
-                        </a:solidFill>
-                      </a:endParaRPr>
-                    </a:p>
-                  </a:txBody>
-                  <a:tcPr>
-                    <a:lnL w="12700" cmpd="sng">
-                      <a:noFill/>
-                    </a:lnL>
-                    <a:lnR w="12700" cmpd="sng">
-                      <a:noFill/>
-                    </a:lnR>
-                    <a:lnT w="12700" cap="flat" cmpd="sng" algn="ctr">
-                      <a:solidFill>
-                        <a:schemeClr val="tx1"/>
-                      </a:solidFill>
-                      <a:prstDash val="solid"/>
-                      <a:round/>
-                      <a:headEnd type="none" w="med" len="med"/>
-                      <a:tailEnd type="none" w="med" len="med"/>
-                    </a:lnT>
-                    <a:lnB w="12700" cap="flat" cmpd="sng" algn="ctr">
-                      <a:solidFill>
-                        <a:schemeClr val="tx1"/>
-                      </a:solidFill>
-                      <a:prstDash val="solid"/>
-                      <a:round/>
-                      <a:headEnd type="none" w="med" len="med"/>
-                      <a:tailEnd type="none" w="med" len="med"/>
-                    </a:lnB>
-                    <a:lnTlToBr w="12700" cmpd="sng">
-                      <a:noFill/>
-                      <a:prstDash val="solid"/>
-                    </a:lnTlToBr>
-                    <a:lnBlToTr w="12700" cmpd="sng">
-                      <a:noFill/>
-                      <a:prstDash val="solid"/>
-                    </a:lnBlToTr>
-                    <a:noFill/>
-                  </a:tcPr>
-                </a:tc>
-                <a:extLst>
-                  <a:ext uri="{0D108BD9-81ED-4DB2-BD59-A6C34878D82A}">
-                    <a16:rowId xmlns:a16="http://schemas.microsoft.com/office/drawing/2014/main" val="1743730106"/>
-                  </a:ext>
-                </a:extLst>
-              </a:tr>
-              <a:tr h="0">
-                <a:tc>
-                  <a:txBody>
-                    <a:bodyPr/>
-                    <a:lstStyle/>
-                    <a:p>
-                      <a:pPr latinLnBrk="1"/>
-                      <a:r>
-                        <a:rPr lang="ko-KR" altLang="en-US" sz="1200" b="0" dirty="0">
-                          <a:solidFill>
-                            <a:schemeClr val="tx1"/>
-                          </a:solidFill>
-                        </a:rPr>
-                        <a:t>합 진행 시 코인 시스템으로 방어자와 공격자의 스킬 위력을 계산한다</a:t>
-                      </a:r>
-                      <a:r>
-                        <a:rPr lang="en-US" altLang="ko-KR" sz="1200" b="0" dirty="0">
-                          <a:solidFill>
-                            <a:schemeClr val="tx1"/>
-                          </a:solidFill>
-                        </a:rPr>
-                        <a:t>.</a:t>
-                      </a:r>
-                      <a:endParaRPr lang="ko-KR" altLang="en-US" sz="1200" b="0" dirty="0">
-                        <a:solidFill>
-                          <a:schemeClr val="tx1"/>
-                        </a:solidFill>
-                      </a:endParaRPr>
-                    </a:p>
-                  </a:txBody>
-                  <a:tcPr>
-                    <a:lnL w="12700" cmpd="sng">
-                      <a:noFill/>
-                    </a:lnL>
-                    <a:lnR w="12700" cmpd="sng">
-                      <a:noFill/>
-                    </a:lnR>
-                    <a:lnT w="12700" cap="flat" cmpd="sng" algn="ctr">
-                      <a:solidFill>
-                        <a:schemeClr val="tx1"/>
-                      </a:solidFill>
-                      <a:prstDash val="solid"/>
-                      <a:round/>
-                      <a:headEnd type="none" w="med" len="med"/>
-                      <a:tailEnd type="none" w="med" len="med"/>
-                    </a:lnT>
-                    <a:lnB w="12700" cap="flat" cmpd="sng" algn="ctr">
-                      <a:solidFill>
-                        <a:schemeClr val="tx1"/>
-                      </a:solidFill>
-                      <a:prstDash val="solid"/>
-                      <a:round/>
-                      <a:headEnd type="none" w="med" len="med"/>
-                      <a:tailEnd type="none" w="med" len="med"/>
-                    </a:lnB>
-                    <a:lnTlToBr w="12700" cmpd="sng">
-                      <a:noFill/>
-                      <a:prstDash val="solid"/>
-                    </a:lnTlToBr>
-                    <a:lnBlToTr w="12700" cmpd="sng">
-                      <a:noFill/>
-                      <a:prstDash val="solid"/>
-                    </a:lnBlToTr>
-                    <a:noFill/>
-                  </a:tcPr>
-                </a:tc>
-                <a:extLst>
-                  <a:ext uri="{0D108BD9-81ED-4DB2-BD59-A6C34878D82A}">
-                    <a16:rowId xmlns:a16="http://schemas.microsoft.com/office/drawing/2014/main" val="3226441806"/>
-                  </a:ext>
-                </a:extLst>
-              </a:tr>
-              <a:tr h="0">
-                <a:tc>
-                  <a:txBody>
-                    <a:bodyPr/>
-                    <a:lstStyle/>
-                    <a:p>
-                      <a:pPr latinLnBrk="1"/>
-                      <a:r>
-                        <a:rPr lang="ko-KR" altLang="en-US" sz="1200" b="0" dirty="0">
-                          <a:solidFill>
-                            <a:schemeClr val="tx1"/>
-                          </a:solidFill>
-                        </a:rPr>
-                        <a:t>방어자와 공격자의 스킬 위력이 같을 경우 합을 무승부로 판정하고 합 횟수가 </a:t>
-                      </a:r>
-                      <a:r>
-                        <a:rPr lang="en-US" altLang="ko-KR" sz="1200" b="0" dirty="0">
-                          <a:solidFill>
-                            <a:schemeClr val="tx1"/>
-                          </a:solidFill>
-                        </a:rPr>
-                        <a:t>1 </a:t>
-                      </a:r>
-                      <a:r>
-                        <a:rPr lang="ko-KR" altLang="en-US" sz="1200" b="0" dirty="0">
-                          <a:solidFill>
-                            <a:schemeClr val="tx1"/>
-                          </a:solidFill>
-                        </a:rPr>
-                        <a:t>증가한다</a:t>
-                      </a:r>
-                      <a:r>
-                        <a:rPr lang="en-US" altLang="ko-KR" sz="1200" b="0" dirty="0">
-                          <a:solidFill>
-                            <a:schemeClr val="tx1"/>
-                          </a:solidFill>
-                        </a:rPr>
-                        <a:t>.</a:t>
-                      </a:r>
-                      <a:endParaRPr lang="ko-KR" altLang="en-US" sz="1200" b="0" dirty="0">
-                        <a:solidFill>
-                          <a:schemeClr val="tx1"/>
-                        </a:solidFill>
-                      </a:endParaRPr>
-                    </a:p>
-                  </a:txBody>
-                  <a:tcPr>
-                    <a:lnL w="12700" cmpd="sng">
-                      <a:noFill/>
-                    </a:lnL>
-                    <a:lnR w="12700" cmpd="sng">
-                      <a:noFill/>
-                    </a:lnR>
-                    <a:lnT w="12700" cap="flat" cmpd="sng" algn="ctr">
-                      <a:solidFill>
-                        <a:schemeClr val="tx1"/>
-                      </a:solidFill>
-                      <a:prstDash val="solid"/>
-                      <a:round/>
-                      <a:headEnd type="none" w="med" len="med"/>
-                      <a:tailEnd type="none" w="med" len="med"/>
-                    </a:lnT>
-                    <a:lnB w="12700" cap="flat" cmpd="sng" algn="ctr">
-                      <a:solidFill>
-                        <a:schemeClr val="tx1"/>
-                      </a:solidFill>
-                      <a:prstDash val="solid"/>
-                      <a:round/>
-                      <a:headEnd type="none" w="med" len="med"/>
-                      <a:tailEnd type="none" w="med" len="med"/>
-                    </a:lnB>
-                    <a:lnTlToBr w="12700" cmpd="sng">
-                      <a:noFill/>
-                      <a:prstDash val="solid"/>
-                    </a:lnTlToBr>
-                    <a:lnBlToTr w="12700" cmpd="sng">
-                      <a:noFill/>
-                      <a:prstDash val="solid"/>
-                    </a:lnBlToTr>
-                    <a:noFill/>
-                  </a:tcPr>
-                </a:tc>
-                <a:extLst>
-                  <a:ext uri="{0D108BD9-81ED-4DB2-BD59-A6C34878D82A}">
-                    <a16:rowId xmlns:a16="http://schemas.microsoft.com/office/drawing/2014/main" val="3897351682"/>
-                  </a:ext>
-                </a:extLst>
-              </a:tr>
-              <a:tr h="0">
-                <a:tc>
-                  <a:txBody>
-                    <a:bodyPr/>
-                    <a:lstStyle/>
-                    <a:p>
-                      <a:pPr latinLnBrk="1"/>
-                      <a:r>
-                        <a:rPr lang="ko-KR" altLang="en-US" sz="1200" b="0" dirty="0">
-                          <a:solidFill>
-                            <a:schemeClr val="tx1"/>
-                          </a:solidFill>
-                        </a:rPr>
-                        <a:t>방어자와 공격자의 스킬 위력이 다를 경우 스킬 위력이 낮은 쪽의 코인을 </a:t>
-                      </a:r>
-                      <a:r>
-                        <a:rPr lang="en-US" altLang="ko-KR" sz="1200" b="0" dirty="0">
-                          <a:solidFill>
-                            <a:schemeClr val="tx1"/>
-                          </a:solidFill>
-                        </a:rPr>
-                        <a:t>1</a:t>
-                      </a:r>
-                      <a:r>
-                        <a:rPr lang="ko-KR" altLang="en-US" sz="1200" b="0" dirty="0">
-                          <a:solidFill>
-                            <a:schemeClr val="tx1"/>
-                          </a:solidFill>
-                        </a:rPr>
-                        <a:t>개 파괴하고 합 횟수가 </a:t>
-                      </a:r>
-                      <a:r>
-                        <a:rPr lang="en-US" altLang="ko-KR" sz="1200" b="0" dirty="0">
-                          <a:solidFill>
-                            <a:schemeClr val="tx1"/>
-                          </a:solidFill>
-                        </a:rPr>
-                        <a:t>1 </a:t>
-                      </a:r>
-                      <a:r>
-                        <a:rPr lang="ko-KR" altLang="en-US" sz="1200" b="0" dirty="0">
-                          <a:solidFill>
-                            <a:schemeClr val="tx1"/>
-                          </a:solidFill>
-                        </a:rPr>
-                        <a:t>증가한다</a:t>
-                      </a:r>
-                      <a:r>
-                        <a:rPr lang="en-US" altLang="ko-KR" sz="1200" b="0" dirty="0">
-                          <a:solidFill>
-                            <a:schemeClr val="tx1"/>
-                          </a:solidFill>
-                        </a:rPr>
-                        <a:t>.</a:t>
-                      </a:r>
-                    </a:p>
-                    <a:p>
-                      <a:pPr latinLnBrk="1"/>
-                      <a:r>
-                        <a:rPr lang="en-US" altLang="ko-KR" sz="1200" b="0" dirty="0">
-                          <a:solidFill>
-                            <a:schemeClr val="tx1"/>
-                          </a:solidFill>
-                        </a:rPr>
-                        <a:t>(</a:t>
-                      </a:r>
-                      <a:r>
-                        <a:rPr lang="ko-KR" altLang="en-US" sz="1200" b="0" dirty="0">
-                          <a:solidFill>
-                            <a:schemeClr val="tx1"/>
-                          </a:solidFill>
-                        </a:rPr>
-                        <a:t>파괴 불가 코인의 경우 합 패배 시 깨진 코인으로 변경 및 파괴된 것으로 판정한다</a:t>
-                      </a:r>
-                      <a:r>
-                        <a:rPr lang="en-US" altLang="ko-KR" sz="1200" b="0" dirty="0">
-                          <a:solidFill>
-                            <a:schemeClr val="tx1"/>
-                          </a:solidFill>
-                        </a:rPr>
-                        <a:t>.)</a:t>
-                      </a:r>
-                      <a:endParaRPr lang="ko-KR" altLang="en-US" sz="1200" b="0" dirty="0">
-                        <a:solidFill>
-                          <a:schemeClr val="tx1"/>
-                        </a:solidFill>
-                      </a:endParaRPr>
-                    </a:p>
-                  </a:txBody>
-                  <a:tcPr>
-                    <a:lnL w="12700" cmpd="sng">
-                      <a:noFill/>
-                    </a:lnL>
-                    <a:lnR w="12700" cmpd="sng">
-                      <a:noFill/>
-                    </a:lnR>
-                    <a:lnT w="12700" cap="flat" cmpd="sng" algn="ctr">
-                      <a:solidFill>
-                        <a:schemeClr val="tx1"/>
-                      </a:solidFill>
-                      <a:prstDash val="solid"/>
-                      <a:round/>
-                      <a:headEnd type="none" w="med" len="med"/>
-                      <a:tailEnd type="none" w="med" len="med"/>
-                    </a:lnT>
-                    <a:lnB w="12700" cap="flat" cmpd="sng" algn="ctr">
-                      <a:solidFill>
-                        <a:schemeClr val="tx1"/>
-                      </a:solidFill>
-                      <a:prstDash val="solid"/>
-                      <a:round/>
-                      <a:headEnd type="none" w="med" len="med"/>
-                      <a:tailEnd type="none" w="med" len="med"/>
-                    </a:lnB>
-                    <a:lnTlToBr w="12700" cmpd="sng">
-                      <a:noFill/>
-                      <a:prstDash val="solid"/>
-                    </a:lnTlToBr>
-                    <a:lnBlToTr w="12700" cmpd="sng">
-                      <a:noFill/>
-                      <a:prstDash val="solid"/>
-                    </a:lnBlToTr>
-                    <a:noFill/>
-                  </a:tcPr>
-                </a:tc>
-                <a:extLst>
-                  <a:ext uri="{0D108BD9-81ED-4DB2-BD59-A6C34878D82A}">
-                    <a16:rowId xmlns:a16="http://schemas.microsoft.com/office/drawing/2014/main" val="2452091508"/>
-                  </a:ext>
-                </a:extLst>
-              </a:tr>
-              <a:tr h="0">
-                <a:tc>
-                  <a:txBody>
-                    <a:bodyPr/>
-                    <a:lstStyle/>
-                    <a:p>
-                      <a:pPr latinLnBrk="1"/>
-                      <a:r>
-                        <a:rPr lang="ko-KR" altLang="en-US" sz="1200" b="0" dirty="0">
-                          <a:solidFill>
-                            <a:schemeClr val="tx1"/>
-                          </a:solidFill>
-                        </a:rPr>
-                        <a:t>방어자와 공격자 둘 중에 한쪽의 코인이 모두 파괴될 때까지 합을 반복한다</a:t>
-                      </a:r>
-                      <a:r>
-                        <a:rPr lang="en-US" altLang="ko-KR" sz="1200" b="0" dirty="0">
-                          <a:solidFill>
-                            <a:schemeClr val="tx1"/>
-                          </a:solidFill>
-                        </a:rPr>
-                        <a:t>.</a:t>
-                      </a:r>
-                      <a:endParaRPr lang="ko-KR" altLang="en-US" sz="1200" b="0" dirty="0">
-                        <a:solidFill>
-                          <a:schemeClr val="tx1"/>
-                        </a:solidFill>
-                      </a:endParaRPr>
-                    </a:p>
-                  </a:txBody>
-                  <a:tcPr>
-                    <a:lnL w="12700" cmpd="sng">
-                      <a:noFill/>
-                    </a:lnL>
-                    <a:lnR w="12700" cmpd="sng">
-                      <a:noFill/>
-                    </a:lnR>
-                    <a:lnT w="12700" cap="flat" cmpd="sng" algn="ctr">
-                      <a:solidFill>
-                        <a:schemeClr val="tx1"/>
-                      </a:solidFill>
-                      <a:prstDash val="solid"/>
-                      <a:round/>
-                      <a:headEnd type="none" w="med" len="med"/>
-                      <a:tailEnd type="none" w="med" len="med"/>
-                    </a:lnT>
-                    <a:lnB w="12700" cmpd="sng">
-                      <a:noFill/>
-                    </a:lnB>
-                    <a:lnTlToBr w="12700" cmpd="sng">
-                      <a:noFill/>
-                      <a:prstDash val="solid"/>
-                    </a:lnTlToBr>
-                    <a:lnBlToTr w="12700" cmpd="sng">
-                      <a:noFill/>
-                      <a:prstDash val="solid"/>
-                    </a:lnBlToTr>
-                    <a:noFill/>
-                  </a:tcPr>
-                </a:tc>
-                <a:extLst>
-                  <a:ext uri="{0D108BD9-81ED-4DB2-BD59-A6C34878D82A}">
-                    <a16:rowId xmlns:a16="http://schemas.microsoft.com/office/drawing/2014/main" val="3781543556"/>
-                  </a:ext>
-                </a:extLst>
-              </a:tr>
-            </a:tbl>
-          </a:graphicData>
-        </a:graphic>
-      </p:graphicFrame>
-      <p:graphicFrame>
-        <p:nvGraphicFramePr>
-          <p:cNvPr id="6" name="표 2">
-            <a:extLst>
-              <a:ext uri="{FF2B5EF4-FFF2-40B4-BE49-F238E27FC236}">
-                <a16:creationId xmlns:a16="http://schemas.microsoft.com/office/drawing/2014/main" id="{B81519BB-B99B-496C-B89A-B86150BFD145}"/>
-              </a:ext>
-            </a:extLst>
-          </p:cNvPr>
-          <p:cNvGraphicFramePr>
-            <a:graphicFrameLocks noGrp="1"/>
-          </p:cNvGraphicFramePr>
-          <p:nvPr>
-            <p:extLst>
-              <p:ext uri="{D42A27DB-BD31-4B8C-83A1-F6EECF244321}">
-                <p14:modId xmlns:p14="http://schemas.microsoft.com/office/powerpoint/2010/main" val="2404661826"/>
-              </p:ext>
-            </p:extLst>
-          </p:nvPr>
-        </p:nvGraphicFramePr>
-        <p:xfrm>
-          <a:off x="1480978" y="4167294"/>
-          <a:ext cx="9230043" cy="1097280"/>
-        </p:xfrm>
-        <a:graphic>
-          <a:graphicData uri="http://schemas.openxmlformats.org/drawingml/2006/table">
-            <a:tbl>
-              <a:tblPr firstRow="1" bandRow="1">
-                <a:tableStyleId>{5C22544A-7EE6-4342-B048-85BDC9FD1C3A}</a:tableStyleId>
-              </a:tblPr>
-              <a:tblGrid>
-                <a:gridCol w="9230043">
-                  <a:extLst>
-                    <a:ext uri="{9D8B030D-6E8A-4147-A177-3AD203B41FA5}">
-                      <a16:colId xmlns:a16="http://schemas.microsoft.com/office/drawing/2014/main" val="1841855998"/>
-                    </a:ext>
-                  </a:extLst>
-                </a:gridCol>
-              </a:tblGrid>
-              <a:tr h="0">
-                <a:tc>
-                  <a:txBody>
-                    <a:bodyPr/>
-                    <a:lstStyle/>
-                    <a:p>
-                      <a:pPr latinLnBrk="1"/>
-                      <a:r>
-                        <a:rPr lang="ko-KR" altLang="en-US" sz="1200" b="1" dirty="0">
-                          <a:solidFill>
-                            <a:schemeClr val="tx1"/>
-                          </a:solidFill>
-                        </a:rPr>
-                        <a:t>합 종료 규칙</a:t>
-                      </a:r>
-                    </a:p>
-                  </a:txBody>
-                  <a:tcPr>
-                    <a:lnL w="12700" cmpd="sng">
-                      <a:noFill/>
-                    </a:lnL>
-                    <a:lnR w="12700" cmpd="sng">
-                      <a:noFill/>
-                    </a:lnR>
-                    <a:lnT w="12700" cmpd="sng">
-                      <a:noFill/>
-                    </a:lnT>
-                    <a:lnB w="12700" cap="flat" cmpd="sng" algn="ctr">
-                      <a:solidFill>
-                        <a:schemeClr val="tx1"/>
-                      </a:solidFill>
-                      <a:prstDash val="solid"/>
-                      <a:round/>
-                      <a:headEnd type="none" w="med" len="med"/>
-                      <a:tailEnd type="none" w="med" len="med"/>
-                    </a:lnB>
-                    <a:lnTlToBr w="12700" cmpd="sng">
-                      <a:noFill/>
-                      <a:prstDash val="solid"/>
-                    </a:lnTlToBr>
-                    <a:lnBlToTr w="12700" cmpd="sng">
-                      <a:noFill/>
-                      <a:prstDash val="solid"/>
-                    </a:lnBlToTr>
-                    <a:noFill/>
-                  </a:tcPr>
-                </a:tc>
-                <a:extLst>
-                  <a:ext uri="{0D108BD9-81ED-4DB2-BD59-A6C34878D82A}">
-                    <a16:rowId xmlns:a16="http://schemas.microsoft.com/office/drawing/2014/main" val="1491086624"/>
-                  </a:ext>
-                </a:extLst>
-              </a:tr>
-              <a:tr h="0">
-                <a:tc>
-                  <a:txBody>
-                    <a:bodyPr/>
-                    <a:lstStyle/>
-                    <a:p>
-                      <a:pPr latinLnBrk="1"/>
-                      <a:r>
-                        <a:rPr lang="ko-KR" altLang="en-US" sz="1200" b="0" dirty="0">
-                          <a:solidFill>
-                            <a:schemeClr val="tx1"/>
-                          </a:solidFill>
-                        </a:rPr>
-                        <a:t>방어자와 공격자 둘 중에 한쪽의 코인이 모두 파괴되면 합을 종료한다</a:t>
-                      </a:r>
-                      <a:r>
-                        <a:rPr lang="en-US" altLang="ko-KR" sz="1200" b="0" dirty="0">
-                          <a:solidFill>
-                            <a:schemeClr val="tx1"/>
-                          </a:solidFill>
-                        </a:rPr>
-                        <a:t>.</a:t>
-                      </a:r>
-                      <a:endParaRPr lang="ko-KR" altLang="en-US" sz="1200" b="0" dirty="0">
-                        <a:solidFill>
-                          <a:schemeClr val="tx1"/>
-                        </a:solidFill>
-                      </a:endParaRPr>
-                    </a:p>
-                  </a:txBody>
-                  <a:tcPr>
-                    <a:lnL w="12700" cmpd="sng">
-                      <a:noFill/>
-                    </a:lnL>
-                    <a:lnR w="12700" cmpd="sng">
-                      <a:noFill/>
-                    </a:lnR>
-                    <a:lnT w="12700" cap="flat" cmpd="sng" algn="ctr">
-                      <a:solidFill>
-                        <a:schemeClr val="tx1"/>
-                      </a:solidFill>
-                      <a:prstDash val="solid"/>
-                      <a:round/>
-                      <a:headEnd type="none" w="med" len="med"/>
-                      <a:tailEnd type="none" w="med" len="med"/>
-                    </a:lnT>
-                    <a:lnB w="12700" cap="flat" cmpd="sng" algn="ctr">
-                      <a:solidFill>
-                        <a:schemeClr val="tx1"/>
-                      </a:solidFill>
-                      <a:prstDash val="solid"/>
-                      <a:round/>
-                      <a:headEnd type="none" w="med" len="med"/>
-                      <a:tailEnd type="none" w="med" len="med"/>
-                    </a:lnB>
-                    <a:lnTlToBr w="12700" cmpd="sng">
-                      <a:noFill/>
-                      <a:prstDash val="solid"/>
-                    </a:lnTlToBr>
-                    <a:lnBlToTr w="12700" cmpd="sng">
-                      <a:noFill/>
-                      <a:prstDash val="solid"/>
-                    </a:lnBlToTr>
-                    <a:noFill/>
-                  </a:tcPr>
-                </a:tc>
-                <a:extLst>
-                  <a:ext uri="{0D108BD9-81ED-4DB2-BD59-A6C34878D82A}">
-                    <a16:rowId xmlns:a16="http://schemas.microsoft.com/office/drawing/2014/main" val="1632200975"/>
-                  </a:ext>
-                </a:extLst>
-              </a:tr>
-              <a:tr h="0">
-                <a:tc>
-                  <a:txBody>
-                    <a:bodyPr/>
-                    <a:lstStyle/>
-                    <a:p>
-                      <a:pPr latinLnBrk="1"/>
-                      <a:r>
-                        <a:rPr lang="ko-KR" altLang="en-US" sz="1200" b="0" dirty="0">
-                          <a:solidFill>
-                            <a:schemeClr val="tx1"/>
-                          </a:solidFill>
-                        </a:rPr>
-                        <a:t>합 종료 후 남은 코인의 개수에 따라서 스킬을 진행한다</a:t>
-                      </a:r>
-                      <a:r>
-                        <a:rPr lang="en-US" altLang="ko-KR" sz="1200" b="0" dirty="0">
-                          <a:solidFill>
-                            <a:schemeClr val="tx1"/>
-                          </a:solidFill>
-                        </a:rPr>
-                        <a:t>.</a:t>
-                      </a:r>
-                      <a:endParaRPr lang="ko-KR" altLang="en-US" sz="1200" b="0" dirty="0">
-                        <a:solidFill>
-                          <a:schemeClr val="tx1"/>
-                        </a:solidFill>
-                      </a:endParaRPr>
-                    </a:p>
-                  </a:txBody>
-                  <a:tcPr>
-                    <a:lnL w="12700" cmpd="sng">
-                      <a:noFill/>
-                    </a:lnL>
-                    <a:lnR w="12700" cmpd="sng">
-                      <a:noFill/>
-                    </a:lnR>
-                    <a:lnT w="12700" cap="flat" cmpd="sng" algn="ctr">
-                      <a:solidFill>
-                        <a:schemeClr val="tx1"/>
-                      </a:solidFill>
-                      <a:prstDash val="solid"/>
-                      <a:round/>
-                      <a:headEnd type="none" w="med" len="med"/>
-                      <a:tailEnd type="none" w="med" len="med"/>
-                    </a:lnT>
-                    <a:lnB w="12700" cap="flat" cmpd="sng" algn="ctr">
-                      <a:solidFill>
-                        <a:schemeClr val="tx1"/>
-                      </a:solidFill>
-                      <a:prstDash val="solid"/>
-                      <a:round/>
-                      <a:headEnd type="none" w="med" len="med"/>
-                      <a:tailEnd type="none" w="med" len="med"/>
-                    </a:lnB>
-                    <a:lnTlToBr w="12700" cmpd="sng">
-                      <a:noFill/>
-                      <a:prstDash val="solid"/>
-                    </a:lnTlToBr>
-                    <a:lnBlToTr w="12700" cmpd="sng">
-                      <a:noFill/>
-                      <a:prstDash val="solid"/>
-                    </a:lnBlToTr>
-                    <a:noFill/>
-                  </a:tcPr>
-                </a:tc>
-                <a:extLst>
-                  <a:ext uri="{0D108BD9-81ED-4DB2-BD59-A6C34878D82A}">
-                    <a16:rowId xmlns:a16="http://schemas.microsoft.com/office/drawing/2014/main" val="1743730106"/>
-                  </a:ext>
-                </a:extLst>
-              </a:tr>
-              <a:tr h="0">
-                <a:tc>
-                  <a:txBody>
-                    <a:bodyPr/>
-                    <a:lstStyle/>
-                    <a:p>
-                      <a:pPr latinLnBrk="1"/>
-                      <a:r>
-                        <a:rPr lang="ko-KR" altLang="en-US" sz="1200" b="0" dirty="0">
-                          <a:solidFill>
-                            <a:schemeClr val="tx1"/>
-                          </a:solidFill>
-                        </a:rPr>
-                        <a:t>스킬 진행 시 합을 진행한 숫자에 비례하여 스킬의 피해량이 증가한다</a:t>
-                      </a:r>
-                      <a:r>
-                        <a:rPr lang="en-US" altLang="ko-KR" sz="1200" b="0" dirty="0">
-                          <a:solidFill>
-                            <a:schemeClr val="tx1"/>
-                          </a:solidFill>
-                        </a:rPr>
-                        <a:t>. (</a:t>
-                      </a:r>
-                      <a:r>
-                        <a:rPr lang="ko-KR" altLang="en-US" sz="1200" b="0" dirty="0">
-                          <a:solidFill>
-                            <a:schemeClr val="tx1"/>
-                          </a:solidFill>
-                        </a:rPr>
-                        <a:t>진행한 합 횟수 당 </a:t>
-                      </a:r>
-                      <a:r>
-                        <a:rPr lang="en-US" altLang="ko-KR" sz="1200" b="0" dirty="0">
-                          <a:solidFill>
-                            <a:schemeClr val="tx1"/>
-                          </a:solidFill>
-                        </a:rPr>
-                        <a:t>3% </a:t>
-                      </a:r>
-                      <a:r>
-                        <a:rPr lang="ko-KR" altLang="en-US" sz="1200" b="0" dirty="0">
-                          <a:solidFill>
-                            <a:schemeClr val="tx1"/>
-                          </a:solidFill>
-                        </a:rPr>
-                        <a:t>증가</a:t>
-                      </a:r>
-                      <a:r>
-                        <a:rPr lang="en-US" altLang="ko-KR" sz="1200" b="0" dirty="0">
-                          <a:solidFill>
-                            <a:schemeClr val="tx1"/>
-                          </a:solidFill>
-                        </a:rPr>
-                        <a:t>)</a:t>
-                      </a:r>
-                      <a:endParaRPr lang="ko-KR" altLang="en-US" sz="1200" b="0" dirty="0">
-                        <a:solidFill>
-                          <a:schemeClr val="tx1"/>
-                        </a:solidFill>
-                      </a:endParaRPr>
-                    </a:p>
-                  </a:txBody>
-                  <a:tcPr>
-                    <a:lnL w="12700" cmpd="sng">
-                      <a:noFill/>
-                    </a:lnL>
-                    <a:lnR w="12700" cmpd="sng">
-                      <a:noFill/>
-                    </a:lnR>
-                    <a:lnT w="12700" cap="flat" cmpd="sng" algn="ctr">
-                      <a:solidFill>
-                        <a:schemeClr val="tx1"/>
-                      </a:solidFill>
-                      <a:prstDash val="solid"/>
-                      <a:round/>
-                      <a:headEnd type="none" w="med" len="med"/>
-                      <a:tailEnd type="none" w="med" len="med"/>
-                    </a:lnT>
-                    <a:lnB w="12700" cap="flat" cmpd="sng" algn="ctr">
-                      <a:solidFill>
-                        <a:schemeClr val="tx1"/>
-                      </a:solidFill>
-                      <a:prstDash val="solid"/>
-                      <a:round/>
-                      <a:headEnd type="none" w="med" len="med"/>
-                      <a:tailEnd type="none" w="med" len="med"/>
-                    </a:lnB>
-                    <a:lnTlToBr w="12700" cmpd="sng">
-                      <a:noFill/>
-                      <a:prstDash val="solid"/>
-                    </a:lnTlToBr>
-                    <a:lnBlToTr w="12700" cmpd="sng">
-                      <a:noFill/>
-                      <a:prstDash val="solid"/>
-                    </a:lnBlToTr>
-                    <a:noFill/>
-                  </a:tcPr>
-                </a:tc>
-                <a:extLst>
-                  <a:ext uri="{0D108BD9-81ED-4DB2-BD59-A6C34878D82A}">
-                    <a16:rowId xmlns:a16="http://schemas.microsoft.com/office/drawing/2014/main" val="3226441806"/>
-                  </a:ext>
-                </a:extLst>
-              </a:tr>
-            </a:tbl>
-          </a:graphicData>
-        </a:graphic>
-      </p:graphicFrame>
-      <p:sp>
-        <p:nvSpPr>
-          <p:cNvPr id="3" name="TextBox 2">
-            <a:extLst>
-              <a:ext uri="{FF2B5EF4-FFF2-40B4-BE49-F238E27FC236}">
-                <a16:creationId xmlns:a16="http://schemas.microsoft.com/office/drawing/2014/main" id="{9BF30A06-4565-46E4-9F75-F36E9529B799}"/>
-              </a:ext>
-            </a:extLst>
-          </p:cNvPr>
-          <p:cNvSpPr txBox="1"/>
+          <p:cNvPicPr>
+            <a:picLocks noChangeAspect="1"/>
+          </p:cNvPicPr>
           <p:nvPr/>
-        </p:nvSpPr>
-        <p:spPr>
-          <a:xfrm>
-            <a:off x="1480978" y="5473356"/>
-            <a:ext cx="9144000" cy="400110"/>
+        </p:nvPicPr>
+        <p:blipFill>
+          <a:blip r:embed="rId2"/>
+          <a:stretch>
+            <a:fillRect/>
+          </a:stretch>
+        </p:blipFill>
+        <p:spPr>
+          <a:xfrm>
+            <a:off x="2409632" y="1268413"/>
+            <a:ext cx="7372735" cy="4968875"/>
           </a:xfrm>
           <a:prstGeom prst="rect">
             <a:avLst/>
           </a:prstGeom>
-          <a:noFill/>
-        </p:spPr>
-        <p:txBody>
-          <a:bodyPr wrap="square" rtlCol="0">
-            <a:spAutoFit/>
-          </a:bodyPr>
-          <a:lstStyle/>
-          <a:p>
-            <a:r>
-              <a:rPr lang="ko-KR" altLang="en-US" sz="1000" dirty="0"/>
-              <a:t>코인 시스템 </a:t>
-            </a:r>
-            <a:r>
-              <a:rPr lang="en-US" altLang="ko-KR" sz="1000" dirty="0"/>
-              <a:t>: Limbus Company</a:t>
-            </a:r>
-            <a:r>
-              <a:rPr lang="ko-KR" altLang="en-US" sz="1000" dirty="0"/>
-              <a:t>의 모든 스킬은 코인을 가지고 있으며</a:t>
-            </a:r>
-            <a:r>
-              <a:rPr lang="en-US" altLang="ko-KR" sz="1000" dirty="0"/>
-              <a:t>, </a:t>
-            </a:r>
-            <a:r>
-              <a:rPr lang="ko-KR" altLang="en-US" sz="1000" dirty="0"/>
-              <a:t>스킬 진행 시 코인 토스를 진행하고</a:t>
-            </a:r>
-            <a:r>
-              <a:rPr lang="en-US" altLang="ko-KR" sz="1000" dirty="0"/>
-              <a:t>, </a:t>
-            </a:r>
-            <a:r>
-              <a:rPr lang="ko-KR" altLang="en-US" sz="1000" dirty="0"/>
-              <a:t>코인 토스의 결과에 따라서 스킬 효과를 적용한다</a:t>
-            </a:r>
-            <a:r>
-              <a:rPr lang="en-US" altLang="ko-KR" sz="1000" dirty="0"/>
-              <a:t>.</a:t>
-            </a:r>
-          </a:p>
-          <a:p>
-            <a:r>
-              <a:rPr lang="en-US" altLang="ko-KR" sz="1000" dirty="0"/>
-              <a:t>[</a:t>
-            </a:r>
-            <a:r>
-              <a:rPr lang="ko-KR" altLang="en-US" sz="1000" dirty="0"/>
-              <a:t>코인 토스 시 앞면이 나올 확률 </a:t>
-            </a:r>
-            <a:r>
-              <a:rPr lang="en-US" altLang="ko-KR" sz="1000" dirty="0"/>
-              <a:t>: </a:t>
-            </a:r>
-            <a:r>
-              <a:rPr lang="ko-KR" altLang="en-US" sz="1000" dirty="0"/>
-              <a:t>기본 </a:t>
-            </a:r>
-            <a:r>
-              <a:rPr lang="en-US" altLang="ko-KR" sz="1000" dirty="0"/>
-              <a:t>50% + </a:t>
-            </a:r>
-            <a:r>
-              <a:rPr lang="ko-KR" altLang="en-US" sz="1000" dirty="0"/>
-              <a:t>스킬 사용자의 정신력 </a:t>
-            </a:r>
-            <a:r>
-              <a:rPr lang="en-US" altLang="ko-KR" sz="1000" dirty="0"/>
-              <a:t>(-45 ~ +45, </a:t>
-            </a:r>
-            <a:r>
-              <a:rPr lang="ko-KR" altLang="en-US" sz="1000" dirty="0"/>
-              <a:t>정신력을 가지지 않을 경우 </a:t>
-            </a:r>
-            <a:r>
-              <a:rPr lang="en-US" altLang="ko-KR" sz="1000" dirty="0"/>
-              <a:t>0</a:t>
-            </a:r>
-            <a:r>
-              <a:rPr lang="ko-KR" altLang="en-US" sz="1000" dirty="0"/>
-              <a:t>으로 계산한다</a:t>
-            </a:r>
-            <a:r>
-              <a:rPr lang="en-US" altLang="ko-KR" sz="1000" dirty="0"/>
-              <a:t>.)]</a:t>
-            </a:r>
-          </a:p>
-        </p:txBody>
-      </p:sp>
+        </p:spPr>
+      </p:pic>
     </p:spTree>
     <p:extLst>
       <p:ext uri="{BB962C8B-B14F-4D97-AF65-F5344CB8AC3E}">
-        <p14:creationId xmlns:p14="http://schemas.microsoft.com/office/powerpoint/2010/main" val="361688364"/>
+        <p14:creationId xmlns:p14="http://schemas.microsoft.com/office/powerpoint/2010/main" val="726982272"/>
       </p:ext>
     </p:extLst>
   </p:cSld>
